--- a/docs/presentation/presentazione.pptx
+++ b/docs/presentation/presentazione.pptx
@@ -1,41 +1,41 @@
 
 <file path=ppt/presentation.xml><?xml version="1.0" encoding="utf-8"?>
-<p:presentation xmlns:a="http://schemas.openxmlformats.org/drawingml/2006/main" xmlns:r="http://schemas.openxmlformats.org/officeDocument/2006/relationships" xmlns:mc="http://schemas.openxmlformats.org/markup-compatibility/2006" xmlns:mv="urn:schemas-microsoft-com:mac:vml" xmlns:p="http://schemas.openxmlformats.org/presentationml/2006/main" xmlns:c="http://schemas.openxmlformats.org/drawingml/2006/chart" xmlns:dgm="http://schemas.openxmlformats.org/drawingml/2006/diagram" xmlns:o="urn:schemas-microsoft-com:office:office" xmlns:v="urn:schemas-microsoft-com:vml" xmlns:pvml="urn:schemas-microsoft-com:office:powerpoint" xmlns:com="http://schemas.openxmlformats.org/drawingml/2006/compatibility" xmlns:p14="http://schemas.microsoft.com/office/powerpoint/2010/main" xmlns:p15="http://schemas.microsoft.com/office/powerpoint/2012/main" xmlns:ahyp="http://schemas.microsoft.com/office/drawing/2018/hyperlinkcolor" autoCompressPictures="0" embedTrueTypeFonts="1" strictFirstAndLastChars="0" saveSubsetFonts="1">
+<p:presentation xmlns:a="http://schemas.openxmlformats.org/drawingml/2006/main" xmlns:r="http://schemas.openxmlformats.org/officeDocument/2006/relationships" xmlns:p="http://schemas.openxmlformats.org/presentationml/2006/main" strictFirstAndLastChars="0" embedTrueTypeFonts="1" saveSubsetFonts="1" autoCompressPictures="0">
   <p:sldMasterIdLst>
-    <p:sldMasterId id="2147483659" r:id="rId4"/>
+    <p:sldMasterId id="2147483659" r:id="rId1"/>
   </p:sldMasterIdLst>
   <p:notesMasterIdLst>
-    <p:notesMasterId r:id="rId5"/>
+    <p:notesMasterId r:id="rId9"/>
   </p:notesMasterIdLst>
   <p:sldIdLst>
-    <p:sldId id="256" r:id="rId6"/>
-    <p:sldId id="257" r:id="rId7"/>
-    <p:sldId id="258" r:id="rId8"/>
-    <p:sldId id="259" r:id="rId9"/>
-    <p:sldId id="260" r:id="rId10"/>
-    <p:sldId id="261" r:id="rId11"/>
-    <p:sldId id="262" r:id="rId12"/>
+    <p:sldId id="256" r:id="rId2"/>
+    <p:sldId id="257" r:id="rId3"/>
+    <p:sldId id="258" r:id="rId4"/>
+    <p:sldId id="259" r:id="rId5"/>
+    <p:sldId id="260" r:id="rId6"/>
+    <p:sldId id="261" r:id="rId7"/>
+    <p:sldId id="262" r:id="rId8"/>
   </p:sldIdLst>
-  <p:sldSz cy="5143500" cx="9144000"/>
+  <p:sldSz cx="9144000" cy="5143500" type="screen16x9"/>
   <p:notesSz cx="6858000" cy="9144000"/>
   <p:embeddedFontLst>
     <p:embeddedFont>
-      <p:font typeface="Raleway"/>
-      <p:regular r:id="rId13"/>
-      <p:bold r:id="rId14"/>
-      <p:italic r:id="rId15"/>
-      <p:boldItalic r:id="rId16"/>
+      <p:font typeface="Lato" panose="020F0502020204030203" pitchFamily="34" charset="0"/>
+      <p:regular r:id="rId10"/>
+      <p:bold r:id="rId11"/>
+      <p:italic r:id="rId12"/>
+      <p:boldItalic r:id="rId13"/>
     </p:embeddedFont>
     <p:embeddedFont>
-      <p:font typeface="Lato"/>
-      <p:regular r:id="rId17"/>
-      <p:bold r:id="rId18"/>
-      <p:italic r:id="rId19"/>
-      <p:boldItalic r:id="rId20"/>
+      <p:font typeface="Raleway" pitchFamily="2" charset="0"/>
+      <p:regular r:id="rId14"/>
+      <p:bold r:id="rId15"/>
+      <p:italic r:id="rId16"/>
+      <p:boldItalic r:id="rId17"/>
     </p:embeddedFont>
   </p:embeddedFontLst>
   <p:defaultTextStyle>
-    <a:defPPr lvl="0" marR="0" rtl="0" algn="l">
+    <a:defPPr marR="0" lvl="0" algn="l" rtl="0">
       <a:lnSpc>
         <a:spcPct val="100000"/>
       </a:lnSpc>
@@ -46,7 +46,7 @@
         <a:spcPts val="0"/>
       </a:spcAft>
     </a:defPPr>
-    <a:lvl1pPr lvl="0" marR="0" rtl="0" algn="l">
+    <a:lvl1pPr marR="0" lvl="0" algn="l" rtl="0">
       <a:lnSpc>
         <a:spcPct val="100000"/>
       </a:lnSpc>
@@ -60,7 +60,7 @@
         <a:srgbClr val="000000"/>
       </a:buClr>
       <a:buFont typeface="Arial"/>
-      <a:defRPr b="0" i="0" sz="1400" u="none" cap="none" strike="noStrike">
+      <a:defRPr sz="1400" b="0" i="0" u="none" strike="noStrike" cap="none">
         <a:solidFill>
           <a:srgbClr val="000000"/>
         </a:solidFill>
@@ -70,7 +70,7 @@
         <a:sym typeface="Arial"/>
       </a:defRPr>
     </a:lvl1pPr>
-    <a:lvl2pPr lvl="1" marR="0" rtl="0" algn="l">
+    <a:lvl2pPr marR="0" lvl="1" algn="l" rtl="0">
       <a:lnSpc>
         <a:spcPct val="100000"/>
       </a:lnSpc>
@@ -84,7 +84,7 @@
         <a:srgbClr val="000000"/>
       </a:buClr>
       <a:buFont typeface="Arial"/>
-      <a:defRPr b="0" i="0" sz="1400" u="none" cap="none" strike="noStrike">
+      <a:defRPr sz="1400" b="0" i="0" u="none" strike="noStrike" cap="none">
         <a:solidFill>
           <a:srgbClr val="000000"/>
         </a:solidFill>
@@ -94,7 +94,7 @@
         <a:sym typeface="Arial"/>
       </a:defRPr>
     </a:lvl2pPr>
-    <a:lvl3pPr lvl="2" marR="0" rtl="0" algn="l">
+    <a:lvl3pPr marR="0" lvl="2" algn="l" rtl="0">
       <a:lnSpc>
         <a:spcPct val="100000"/>
       </a:lnSpc>
@@ -108,7 +108,7 @@
         <a:srgbClr val="000000"/>
       </a:buClr>
       <a:buFont typeface="Arial"/>
-      <a:defRPr b="0" i="0" sz="1400" u="none" cap="none" strike="noStrike">
+      <a:defRPr sz="1400" b="0" i="0" u="none" strike="noStrike" cap="none">
         <a:solidFill>
           <a:srgbClr val="000000"/>
         </a:solidFill>
@@ -118,7 +118,7 @@
         <a:sym typeface="Arial"/>
       </a:defRPr>
     </a:lvl3pPr>
-    <a:lvl4pPr lvl="3" marR="0" rtl="0" algn="l">
+    <a:lvl4pPr marR="0" lvl="3" algn="l" rtl="0">
       <a:lnSpc>
         <a:spcPct val="100000"/>
       </a:lnSpc>
@@ -132,7 +132,7 @@
         <a:srgbClr val="000000"/>
       </a:buClr>
       <a:buFont typeface="Arial"/>
-      <a:defRPr b="0" i="0" sz="1400" u="none" cap="none" strike="noStrike">
+      <a:defRPr sz="1400" b="0" i="0" u="none" strike="noStrike" cap="none">
         <a:solidFill>
           <a:srgbClr val="000000"/>
         </a:solidFill>
@@ -142,7 +142,7 @@
         <a:sym typeface="Arial"/>
       </a:defRPr>
     </a:lvl4pPr>
-    <a:lvl5pPr lvl="4" marR="0" rtl="0" algn="l">
+    <a:lvl5pPr marR="0" lvl="4" algn="l" rtl="0">
       <a:lnSpc>
         <a:spcPct val="100000"/>
       </a:lnSpc>
@@ -156,7 +156,7 @@
         <a:srgbClr val="000000"/>
       </a:buClr>
       <a:buFont typeface="Arial"/>
-      <a:defRPr b="0" i="0" sz="1400" u="none" cap="none" strike="noStrike">
+      <a:defRPr sz="1400" b="0" i="0" u="none" strike="noStrike" cap="none">
         <a:solidFill>
           <a:srgbClr val="000000"/>
         </a:solidFill>
@@ -166,7 +166,7 @@
         <a:sym typeface="Arial"/>
       </a:defRPr>
     </a:lvl5pPr>
-    <a:lvl6pPr lvl="5" marR="0" rtl="0" algn="l">
+    <a:lvl6pPr marR="0" lvl="5" algn="l" rtl="0">
       <a:lnSpc>
         <a:spcPct val="100000"/>
       </a:lnSpc>
@@ -180,7 +180,7 @@
         <a:srgbClr val="000000"/>
       </a:buClr>
       <a:buFont typeface="Arial"/>
-      <a:defRPr b="0" i="0" sz="1400" u="none" cap="none" strike="noStrike">
+      <a:defRPr sz="1400" b="0" i="0" u="none" strike="noStrike" cap="none">
         <a:solidFill>
           <a:srgbClr val="000000"/>
         </a:solidFill>
@@ -190,7 +190,7 @@
         <a:sym typeface="Arial"/>
       </a:defRPr>
     </a:lvl6pPr>
-    <a:lvl7pPr lvl="6" marR="0" rtl="0" algn="l">
+    <a:lvl7pPr marR="0" lvl="6" algn="l" rtl="0">
       <a:lnSpc>
         <a:spcPct val="100000"/>
       </a:lnSpc>
@@ -204,7 +204,7 @@
         <a:srgbClr val="000000"/>
       </a:buClr>
       <a:buFont typeface="Arial"/>
-      <a:defRPr b="0" i="0" sz="1400" u="none" cap="none" strike="noStrike">
+      <a:defRPr sz="1400" b="0" i="0" u="none" strike="noStrike" cap="none">
         <a:solidFill>
           <a:srgbClr val="000000"/>
         </a:solidFill>
@@ -214,7 +214,7 @@
         <a:sym typeface="Arial"/>
       </a:defRPr>
     </a:lvl7pPr>
-    <a:lvl8pPr lvl="7" marR="0" rtl="0" algn="l">
+    <a:lvl8pPr marR="0" lvl="7" algn="l" rtl="0">
       <a:lnSpc>
         <a:spcPct val="100000"/>
       </a:lnSpc>
@@ -228,7 +228,7 @@
         <a:srgbClr val="000000"/>
       </a:buClr>
       <a:buFont typeface="Arial"/>
-      <a:defRPr b="0" i="0" sz="1400" u="none" cap="none" strike="noStrike">
+      <a:defRPr sz="1400" b="0" i="0" u="none" strike="noStrike" cap="none">
         <a:solidFill>
           <a:srgbClr val="000000"/>
         </a:solidFill>
@@ -238,7 +238,7 @@
         <a:sym typeface="Arial"/>
       </a:defRPr>
     </a:lvl8pPr>
-    <a:lvl9pPr lvl="8" marR="0" rtl="0" algn="l">
+    <a:lvl9pPr marR="0" lvl="8" algn="l" rtl="0">
       <a:lnSpc>
         <a:spcPct val="100000"/>
       </a:lnSpc>
@@ -252,7 +252,7 @@
         <a:srgbClr val="000000"/>
       </a:buClr>
       <a:buFont typeface="Arial"/>
-      <a:defRPr b="0" i="0" sz="1400" u="none" cap="none" strike="noStrike">
+      <a:defRPr sz="1400" b="0" i="0" u="none" strike="noStrike" cap="none">
         <a:solidFill>
           <a:srgbClr val="000000"/>
         </a:solidFill>
@@ -265,7 +265,7 @@
   </p:defaultTextStyle>
   <p:extLst>
     <p:ext uri="{EFAFB233-063F-42B5-8137-9DF3F51BA10A}">
-      <p15:sldGuideLst>
+      <p15:sldGuideLst xmlns:p15="http://schemas.microsoft.com/office/powerpoint/2012/main">
         <p15:guide id="1" orient="horz" pos="1620">
           <p15:clr>
             <a:srgbClr val="747775"/>
@@ -283,11 +283,16 @@
 </file>
 
 <file path=ppt/notesMasters/notesMaster1.xml><?xml version="1.0" encoding="utf-8"?>
-<p:notesMaster xmlns:a="http://schemas.openxmlformats.org/drawingml/2006/main" xmlns:r="http://schemas.openxmlformats.org/officeDocument/2006/relationships" xmlns:mc="http://schemas.openxmlformats.org/markup-compatibility/2006" xmlns:mv="urn:schemas-microsoft-com:mac:vml" xmlns:p="http://schemas.openxmlformats.org/presentationml/2006/main" xmlns:c="http://schemas.openxmlformats.org/drawingml/2006/chart" xmlns:dgm="http://schemas.openxmlformats.org/drawingml/2006/diagram" xmlns:o="urn:schemas-microsoft-com:office:office" xmlns:v="urn:schemas-microsoft-com:vml" xmlns:pvml="urn:schemas-microsoft-com:office:powerpoint" xmlns:com="http://schemas.openxmlformats.org/drawingml/2006/compatibility" xmlns:p14="http://schemas.microsoft.com/office/powerpoint/2010/main" xmlns:p15="http://schemas.microsoft.com/office/powerpoint/2012/main" xmlns:ahyp="http://schemas.microsoft.com/office/drawing/2018/hyperlinkcolor">
+<p:notesMaster xmlns:a="http://schemas.openxmlformats.org/drawingml/2006/main" xmlns:r="http://schemas.openxmlformats.org/officeDocument/2006/relationships" xmlns:p="http://schemas.openxmlformats.org/presentationml/2006/main">
   <p:cSld>
+    <p:bg>
+      <p:bgRef idx="1001">
+        <a:schemeClr val="bg1"/>
+      </p:bgRef>
+    </p:bg>
     <p:spTree>
       <p:nvGrpSpPr>
-        <p:cNvPr id="2" name="Shape 2"/>
+        <p:cNvPr id="1" name="Shape 2"/>
         <p:cNvGrpSpPr/>
         <p:nvPr/>
       </p:nvGrpSpPr>
@@ -302,9 +307,11 @@
       <p:sp>
         <p:nvSpPr>
           <p:cNvPr id="3" name="Google Shape;3;n"/>
-          <p:cNvSpPr/>
+          <p:cNvSpPr>
+            <a:spLocks noGrp="1" noRot="1" noChangeAspect="1"/>
+          </p:cNvSpPr>
           <p:nvPr>
-            <p:ph idx="2" type="sldImg"/>
+            <p:ph type="sldImg" idx="2"/>
           </p:nvPr>
         </p:nvSpPr>
         <p:spPr>
@@ -313,9 +320,13 @@
             <a:ext cx="6096075" cy="3429000"/>
           </a:xfrm>
           <a:custGeom>
-            <a:rect b="b" l="l" r="r" t="t"/>
+            <a:avLst/>
+            <a:gdLst/>
+            <a:ahLst/>
+            <a:cxnLst/>
+            <a:rect l="l" t="t" r="r" b="b"/>
             <a:pathLst>
-              <a:path extrusionOk="0" h="120000" w="120000">
+              <a:path w="120000" h="120000" extrusionOk="0">
                 <a:moveTo>
                   <a:pt x="0" y="0"/>
                 </a:moveTo>
@@ -333,23 +344,25 @@
             </a:pathLst>
           </a:custGeom>
           <a:noFill/>
-          <a:ln cap="flat" cmpd="sng" w="9525">
+          <a:ln w="9525" cap="flat" cmpd="sng">
             <a:solidFill>
               <a:srgbClr val="000000"/>
             </a:solidFill>
             <a:prstDash val="solid"/>
             <a:round/>
-            <a:headEnd len="sm" w="sm" type="none"/>
-            <a:tailEnd len="sm" w="sm" type="none"/>
+            <a:headEnd type="none" w="sm" len="sm"/>
+            <a:tailEnd type="none" w="sm" len="sm"/>
           </a:ln>
         </p:spPr>
       </p:sp>
       <p:sp>
         <p:nvSpPr>
           <p:cNvPr id="4" name="Google Shape;4;n"/>
-          <p:cNvSpPr txBox="1"/>
+          <p:cNvSpPr txBox="1">
+            <a:spLocks noGrp="1"/>
+          </p:cNvSpPr>
           <p:nvPr>
-            <p:ph idx="1" type="body"/>
+            <p:ph type="body" idx="1"/>
           </p:nvPr>
         </p:nvSpPr>
         <p:spPr>
@@ -366,11 +379,11 @@
           </a:ln>
         </p:spPr>
         <p:txBody>
-          <a:bodyPr anchorCtr="0" anchor="t" bIns="91425" lIns="91425" spcFirstLastPara="1" rIns="91425" wrap="square" tIns="91425">
+          <a:bodyPr spcFirstLastPara="1" wrap="square" lIns="91425" tIns="91425" rIns="91425" bIns="91425" anchor="t" anchorCtr="0">
             <a:noAutofit/>
           </a:bodyPr>
           <a:lstStyle>
-            <a:lvl1pPr indent="-298450" lvl="0" marL="457200">
+            <a:lvl1pPr marL="457200" lvl="0" indent="-298450">
               <a:spcBef>
                 <a:spcPts val="0"/>
               </a:spcBef>
@@ -381,7 +394,7 @@
               <a:buChar char="●"/>
               <a:defRPr sz="1100"/>
             </a:lvl1pPr>
-            <a:lvl2pPr indent="-298450" lvl="1" marL="914400">
+            <a:lvl2pPr marL="914400" lvl="1" indent="-298450">
               <a:spcBef>
                 <a:spcPts val="0"/>
               </a:spcBef>
@@ -392,7 +405,7 @@
               <a:buChar char="○"/>
               <a:defRPr sz="1100"/>
             </a:lvl2pPr>
-            <a:lvl3pPr indent="-298450" lvl="2" marL="1371600">
+            <a:lvl3pPr marL="1371600" lvl="2" indent="-298450">
               <a:spcBef>
                 <a:spcPts val="0"/>
               </a:spcBef>
@@ -403,7 +416,7 @@
               <a:buChar char="■"/>
               <a:defRPr sz="1100"/>
             </a:lvl3pPr>
-            <a:lvl4pPr indent="-298450" lvl="3" marL="1828800">
+            <a:lvl4pPr marL="1828800" lvl="3" indent="-298450">
               <a:spcBef>
                 <a:spcPts val="0"/>
               </a:spcBef>
@@ -414,7 +427,7 @@
               <a:buChar char="●"/>
               <a:defRPr sz="1100"/>
             </a:lvl4pPr>
-            <a:lvl5pPr indent="-298450" lvl="4" marL="2286000">
+            <a:lvl5pPr marL="2286000" lvl="4" indent="-298450">
               <a:spcBef>
                 <a:spcPts val="0"/>
               </a:spcBef>
@@ -425,7 +438,7 @@
               <a:buChar char="○"/>
               <a:defRPr sz="1100"/>
             </a:lvl5pPr>
-            <a:lvl6pPr indent="-298450" lvl="5" marL="2743200">
+            <a:lvl6pPr marL="2743200" lvl="5" indent="-298450">
               <a:spcBef>
                 <a:spcPts val="0"/>
               </a:spcBef>
@@ -436,7 +449,7 @@
               <a:buChar char="■"/>
               <a:defRPr sz="1100"/>
             </a:lvl6pPr>
-            <a:lvl7pPr indent="-298450" lvl="6" marL="3200400">
+            <a:lvl7pPr marL="3200400" lvl="6" indent="-298450">
               <a:spcBef>
                 <a:spcPts val="0"/>
               </a:spcBef>
@@ -447,7 +460,7 @@
               <a:buChar char="●"/>
               <a:defRPr sz="1100"/>
             </a:lvl7pPr>
-            <a:lvl8pPr indent="-298450" lvl="7" marL="3657600">
+            <a:lvl8pPr marL="3657600" lvl="7" indent="-298450">
               <a:spcBef>
                 <a:spcPts val="0"/>
               </a:spcBef>
@@ -458,7 +471,7 @@
               <a:buChar char="○"/>
               <a:defRPr sz="1100"/>
             </a:lvl8pPr>
-            <a:lvl9pPr indent="-298450" lvl="8" marL="4114800">
+            <a:lvl9pPr marL="4114800" lvl="8" indent="-298450">
               <a:spcBef>
                 <a:spcPts val="0"/>
               </a:spcBef>
@@ -470,14 +483,16 @@
               <a:defRPr sz="1100"/>
             </a:lvl9pPr>
           </a:lstStyle>
-          <a:p/>
+          <a:p>
+            <a:endParaRPr/>
+          </a:p>
         </p:txBody>
       </p:sp>
     </p:spTree>
   </p:cSld>
-  <p:clrMap accent1="accent1" accent2="accent2" accent3="accent3" accent4="accent4" accent5="accent5" accent6="accent6" bg1="lt1" bg2="dk2" tx1="dk1" tx2="lt2" folHlink="folHlink" hlink="hlink"/>
+  <p:clrMap bg1="lt1" tx1="dk1" bg2="dk2" tx2="lt2" accent1="accent1" accent2="accent2" accent3="accent3" accent4="accent4" accent5="accent5" accent6="accent6" hlink="hlink" folHlink="folHlink"/>
   <p:notesStyle>
-    <a:defPPr lvl="0" marR="0" rtl="0" algn="l">
+    <a:defPPr marR="0" lvl="0" algn="l" rtl="0">
       <a:lnSpc>
         <a:spcPct val="100000"/>
       </a:lnSpc>
@@ -488,7 +503,7 @@
         <a:spcPts val="0"/>
       </a:spcAft>
     </a:defPPr>
-    <a:lvl1pPr lvl="0" marR="0" rtl="0" algn="l">
+    <a:lvl1pPr marR="0" lvl="0" algn="l" rtl="0">
       <a:lnSpc>
         <a:spcPct val="100000"/>
       </a:lnSpc>
@@ -502,7 +517,7 @@
         <a:srgbClr val="000000"/>
       </a:buClr>
       <a:buFont typeface="Arial"/>
-      <a:defRPr b="0" i="0" sz="1400" u="none" cap="none" strike="noStrike">
+      <a:defRPr sz="1400" b="0" i="0" u="none" strike="noStrike" cap="none">
         <a:solidFill>
           <a:srgbClr val="000000"/>
         </a:solidFill>
@@ -512,7 +527,7 @@
         <a:sym typeface="Arial"/>
       </a:defRPr>
     </a:lvl1pPr>
-    <a:lvl2pPr lvl="1" marR="0" rtl="0" algn="l">
+    <a:lvl2pPr marR="0" lvl="1" algn="l" rtl="0">
       <a:lnSpc>
         <a:spcPct val="100000"/>
       </a:lnSpc>
@@ -526,7 +541,7 @@
         <a:srgbClr val="000000"/>
       </a:buClr>
       <a:buFont typeface="Arial"/>
-      <a:defRPr b="0" i="0" sz="1400" u="none" cap="none" strike="noStrike">
+      <a:defRPr sz="1400" b="0" i="0" u="none" strike="noStrike" cap="none">
         <a:solidFill>
           <a:srgbClr val="000000"/>
         </a:solidFill>
@@ -536,7 +551,7 @@
         <a:sym typeface="Arial"/>
       </a:defRPr>
     </a:lvl2pPr>
-    <a:lvl3pPr lvl="2" marR="0" rtl="0" algn="l">
+    <a:lvl3pPr marR="0" lvl="2" algn="l" rtl="0">
       <a:lnSpc>
         <a:spcPct val="100000"/>
       </a:lnSpc>
@@ -550,7 +565,7 @@
         <a:srgbClr val="000000"/>
       </a:buClr>
       <a:buFont typeface="Arial"/>
-      <a:defRPr b="0" i="0" sz="1400" u="none" cap="none" strike="noStrike">
+      <a:defRPr sz="1400" b="0" i="0" u="none" strike="noStrike" cap="none">
         <a:solidFill>
           <a:srgbClr val="000000"/>
         </a:solidFill>
@@ -560,7 +575,7 @@
         <a:sym typeface="Arial"/>
       </a:defRPr>
     </a:lvl3pPr>
-    <a:lvl4pPr lvl="3" marR="0" rtl="0" algn="l">
+    <a:lvl4pPr marR="0" lvl="3" algn="l" rtl="0">
       <a:lnSpc>
         <a:spcPct val="100000"/>
       </a:lnSpc>
@@ -574,7 +589,7 @@
         <a:srgbClr val="000000"/>
       </a:buClr>
       <a:buFont typeface="Arial"/>
-      <a:defRPr b="0" i="0" sz="1400" u="none" cap="none" strike="noStrike">
+      <a:defRPr sz="1400" b="0" i="0" u="none" strike="noStrike" cap="none">
         <a:solidFill>
           <a:srgbClr val="000000"/>
         </a:solidFill>
@@ -584,7 +599,7 @@
         <a:sym typeface="Arial"/>
       </a:defRPr>
     </a:lvl4pPr>
-    <a:lvl5pPr lvl="4" marR="0" rtl="0" algn="l">
+    <a:lvl5pPr marR="0" lvl="4" algn="l" rtl="0">
       <a:lnSpc>
         <a:spcPct val="100000"/>
       </a:lnSpc>
@@ -598,7 +613,7 @@
         <a:srgbClr val="000000"/>
       </a:buClr>
       <a:buFont typeface="Arial"/>
-      <a:defRPr b="0" i="0" sz="1400" u="none" cap="none" strike="noStrike">
+      <a:defRPr sz="1400" b="0" i="0" u="none" strike="noStrike" cap="none">
         <a:solidFill>
           <a:srgbClr val="000000"/>
         </a:solidFill>
@@ -608,7 +623,7 @@
         <a:sym typeface="Arial"/>
       </a:defRPr>
     </a:lvl5pPr>
-    <a:lvl6pPr lvl="5" marR="0" rtl="0" algn="l">
+    <a:lvl6pPr marR="0" lvl="5" algn="l" rtl="0">
       <a:lnSpc>
         <a:spcPct val="100000"/>
       </a:lnSpc>
@@ -622,7 +637,7 @@
         <a:srgbClr val="000000"/>
       </a:buClr>
       <a:buFont typeface="Arial"/>
-      <a:defRPr b="0" i="0" sz="1400" u="none" cap="none" strike="noStrike">
+      <a:defRPr sz="1400" b="0" i="0" u="none" strike="noStrike" cap="none">
         <a:solidFill>
           <a:srgbClr val="000000"/>
         </a:solidFill>
@@ -632,7 +647,7 @@
         <a:sym typeface="Arial"/>
       </a:defRPr>
     </a:lvl6pPr>
-    <a:lvl7pPr lvl="6" marR="0" rtl="0" algn="l">
+    <a:lvl7pPr marR="0" lvl="6" algn="l" rtl="0">
       <a:lnSpc>
         <a:spcPct val="100000"/>
       </a:lnSpc>
@@ -646,7 +661,7 @@
         <a:srgbClr val="000000"/>
       </a:buClr>
       <a:buFont typeface="Arial"/>
-      <a:defRPr b="0" i="0" sz="1400" u="none" cap="none" strike="noStrike">
+      <a:defRPr sz="1400" b="0" i="0" u="none" strike="noStrike" cap="none">
         <a:solidFill>
           <a:srgbClr val="000000"/>
         </a:solidFill>
@@ -656,7 +671,7 @@
         <a:sym typeface="Arial"/>
       </a:defRPr>
     </a:lvl7pPr>
-    <a:lvl8pPr lvl="7" marR="0" rtl="0" algn="l">
+    <a:lvl8pPr marR="0" lvl="7" algn="l" rtl="0">
       <a:lnSpc>
         <a:spcPct val="100000"/>
       </a:lnSpc>
@@ -670,7 +685,7 @@
         <a:srgbClr val="000000"/>
       </a:buClr>
       <a:buFont typeface="Arial"/>
-      <a:defRPr b="0" i="0" sz="1400" u="none" cap="none" strike="noStrike">
+      <a:defRPr sz="1400" b="0" i="0" u="none" strike="noStrike" cap="none">
         <a:solidFill>
           <a:srgbClr val="000000"/>
         </a:solidFill>
@@ -680,7 +695,7 @@
         <a:sym typeface="Arial"/>
       </a:defRPr>
     </a:lvl8pPr>
-    <a:lvl9pPr lvl="8" marR="0" rtl="0" algn="l">
+    <a:lvl9pPr marR="0" lvl="8" algn="l" rtl="0">
       <a:lnSpc>
         <a:spcPct val="100000"/>
       </a:lnSpc>
@@ -694,7 +709,7 @@
         <a:srgbClr val="000000"/>
       </a:buClr>
       <a:buFont typeface="Arial"/>
-      <a:defRPr b="0" i="0" sz="1400" u="none" cap="none" strike="noStrike">
+      <a:defRPr sz="1400" b="0" i="0" u="none" strike="noStrike" cap="none">
         <a:solidFill>
           <a:srgbClr val="000000"/>
         </a:solidFill>
@@ -709,11 +724,11 @@
 </file>
 
 <file path=ppt/notesSlides/notesSlide1.xml><?xml version="1.0" encoding="utf-8"?>
-<p:notes xmlns:a="http://schemas.openxmlformats.org/drawingml/2006/main" xmlns:r="http://schemas.openxmlformats.org/officeDocument/2006/relationships" xmlns:mc="http://schemas.openxmlformats.org/markup-compatibility/2006" xmlns:mv="urn:schemas-microsoft-com:mac:vml" xmlns:p="http://schemas.openxmlformats.org/presentationml/2006/main" xmlns:c="http://schemas.openxmlformats.org/drawingml/2006/chart" xmlns:dgm="http://schemas.openxmlformats.org/drawingml/2006/diagram" xmlns:o="urn:schemas-microsoft-com:office:office" xmlns:v="urn:schemas-microsoft-com:vml" xmlns:pvml="urn:schemas-microsoft-com:office:powerpoint" xmlns:com="http://schemas.openxmlformats.org/drawingml/2006/compatibility" xmlns:p14="http://schemas.microsoft.com/office/powerpoint/2010/main" xmlns:p15="http://schemas.microsoft.com/office/powerpoint/2012/main" xmlns:ahyp="http://schemas.microsoft.com/office/drawing/2018/hyperlinkcolor" showMasterPhAnim="0" showMasterSp="0">
+<p:notes xmlns:a="http://schemas.openxmlformats.org/drawingml/2006/main" xmlns:r="http://schemas.openxmlformats.org/officeDocument/2006/relationships" xmlns:p="http://schemas.openxmlformats.org/presentationml/2006/main" showMasterSp="0" showMasterPhAnim="0">
   <p:cSld>
     <p:spTree>
       <p:nvGrpSpPr>
-        <p:cNvPr id="68" name="Shape 68"/>
+        <p:cNvPr id="1" name="Shape 68"/>
         <p:cNvGrpSpPr/>
         <p:nvPr/>
       </p:nvGrpSpPr>
@@ -728,20 +743,26 @@
       <p:sp>
         <p:nvSpPr>
           <p:cNvPr id="69" name="Google Shape;69;p:notes"/>
-          <p:cNvSpPr/>
+          <p:cNvSpPr>
+            <a:spLocks noGrp="1" noRot="1" noChangeAspect="1"/>
+          </p:cNvSpPr>
           <p:nvPr>
-            <p:ph idx="2" type="sldImg"/>
+            <p:ph type="sldImg" idx="2"/>
           </p:nvPr>
         </p:nvSpPr>
         <p:spPr>
           <a:xfrm>
-            <a:off x="381300" y="685800"/>
-            <a:ext cx="6096075" cy="3429000"/>
+            <a:off x="381000" y="685800"/>
+            <a:ext cx="6096000" cy="3429000"/>
           </a:xfrm>
           <a:custGeom>
-            <a:rect b="b" l="l" r="r" t="t"/>
+            <a:avLst/>
+            <a:gdLst/>
+            <a:ahLst/>
+            <a:cxnLst/>
+            <a:rect l="l" t="t" r="r" b="b"/>
             <a:pathLst>
-              <a:path extrusionOk="0" h="120000" w="120000">
+              <a:path w="120000" h="120000" extrusionOk="0">
                 <a:moveTo>
                   <a:pt x="0" y="0"/>
                 </a:moveTo>
@@ -763,9 +784,11 @@
       <p:sp>
         <p:nvSpPr>
           <p:cNvPr id="70" name="Google Shape;70;p:notes"/>
-          <p:cNvSpPr txBox="1"/>
+          <p:cNvSpPr txBox="1">
+            <a:spLocks noGrp="1"/>
+          </p:cNvSpPr>
           <p:nvPr>
-            <p:ph idx="1" type="body"/>
+            <p:ph type="body" idx="1"/>
           </p:nvPr>
         </p:nvSpPr>
         <p:spPr>
@@ -778,12 +801,12 @@
           </a:prstGeom>
         </p:spPr>
         <p:txBody>
-          <a:bodyPr anchorCtr="0" anchor="t" bIns="91425" lIns="91425" spcFirstLastPara="1" rIns="91425" wrap="square" tIns="91425">
+          <a:bodyPr spcFirstLastPara="1" wrap="square" lIns="91425" tIns="91425" rIns="91425" bIns="91425" anchor="t" anchorCtr="0">
             <a:noAutofit/>
           </a:bodyPr>
           <a:lstStyle/>
           <a:p>
-            <a:pPr indent="0" lvl="0" marL="0" rtl="0" algn="l">
+            <a:pPr marL="0" lvl="0" indent="0" algn="l" rtl="0">
               <a:spcBef>
                 <a:spcPts val="0"/>
               </a:spcBef>
@@ -792,9 +815,6 @@
               </a:spcAft>
               <a:buNone/>
             </a:pPr>
-            <a:r>
-              <a:t/>
-            </a:r>
             <a:endParaRPr/>
           </a:p>
         </p:txBody>
@@ -808,11 +828,11 @@
 </file>
 
 <file path=ppt/notesSlides/notesSlide2.xml><?xml version="1.0" encoding="utf-8"?>
-<p:notes xmlns:a="http://schemas.openxmlformats.org/drawingml/2006/main" xmlns:r="http://schemas.openxmlformats.org/officeDocument/2006/relationships" xmlns:mc="http://schemas.openxmlformats.org/markup-compatibility/2006" xmlns:mv="urn:schemas-microsoft-com:mac:vml" xmlns:p="http://schemas.openxmlformats.org/presentationml/2006/main" xmlns:c="http://schemas.openxmlformats.org/drawingml/2006/chart" xmlns:dgm="http://schemas.openxmlformats.org/drawingml/2006/diagram" xmlns:o="urn:schemas-microsoft-com:office:office" xmlns:v="urn:schemas-microsoft-com:vml" xmlns:pvml="urn:schemas-microsoft-com:office:powerpoint" xmlns:com="http://schemas.openxmlformats.org/drawingml/2006/compatibility" xmlns:p14="http://schemas.microsoft.com/office/powerpoint/2010/main" xmlns:p15="http://schemas.microsoft.com/office/powerpoint/2012/main" xmlns:ahyp="http://schemas.microsoft.com/office/drawing/2018/hyperlinkcolor" showMasterPhAnim="0" showMasterSp="0">
+<p:notes xmlns:a="http://schemas.openxmlformats.org/drawingml/2006/main" xmlns:r="http://schemas.openxmlformats.org/officeDocument/2006/relationships" xmlns:p="http://schemas.openxmlformats.org/presentationml/2006/main" showMasterSp="0" showMasterPhAnim="0">
   <p:cSld>
     <p:spTree>
       <p:nvGrpSpPr>
-        <p:cNvPr id="77" name="Shape 77"/>
+        <p:cNvPr id="1" name="Shape 77"/>
         <p:cNvGrpSpPr/>
         <p:nvPr/>
       </p:nvGrpSpPr>
@@ -827,9 +847,11 @@
       <p:sp>
         <p:nvSpPr>
           <p:cNvPr id="78" name="Google Shape;78;g3435d7bd6c8_0_462:notes"/>
-          <p:cNvSpPr/>
+          <p:cNvSpPr>
+            <a:spLocks noGrp="1" noRot="1" noChangeAspect="1"/>
+          </p:cNvSpPr>
           <p:nvPr>
-            <p:ph idx="2" type="sldImg"/>
+            <p:ph type="sldImg" idx="2"/>
           </p:nvPr>
         </p:nvSpPr>
         <p:spPr>
@@ -838,9 +860,13 @@
             <a:ext cx="6096000" cy="3429000"/>
           </a:xfrm>
           <a:custGeom>
-            <a:rect b="b" l="l" r="r" t="t"/>
+            <a:avLst/>
+            <a:gdLst/>
+            <a:ahLst/>
+            <a:cxnLst/>
+            <a:rect l="l" t="t" r="r" b="b"/>
             <a:pathLst>
-              <a:path extrusionOk="0" h="120000" w="120000">
+              <a:path w="120000" h="120000" extrusionOk="0">
                 <a:moveTo>
                   <a:pt x="0" y="0"/>
                 </a:moveTo>
@@ -862,9 +888,11 @@
       <p:sp>
         <p:nvSpPr>
           <p:cNvPr id="79" name="Google Shape;79;g3435d7bd6c8_0_462:notes"/>
-          <p:cNvSpPr txBox="1"/>
+          <p:cNvSpPr txBox="1">
+            <a:spLocks noGrp="1"/>
+          </p:cNvSpPr>
           <p:nvPr>
-            <p:ph idx="1" type="body"/>
+            <p:ph type="body" idx="1"/>
           </p:nvPr>
         </p:nvSpPr>
         <p:spPr>
@@ -877,12 +905,12 @@
           </a:prstGeom>
         </p:spPr>
         <p:txBody>
-          <a:bodyPr anchorCtr="0" anchor="t" bIns="91425" lIns="91425" spcFirstLastPara="1" rIns="91425" wrap="square" tIns="91425">
+          <a:bodyPr spcFirstLastPara="1" wrap="square" lIns="91425" tIns="91425" rIns="91425" bIns="91425" anchor="t" anchorCtr="0">
             <a:noAutofit/>
           </a:bodyPr>
           <a:lstStyle/>
           <a:p>
-            <a:pPr indent="0" lvl="0" marL="0" rtl="0" algn="l">
+            <a:pPr marL="0" lvl="0" indent="0" algn="l" rtl="0">
               <a:spcBef>
                 <a:spcPts val="0"/>
               </a:spcBef>
@@ -891,9 +919,6 @@
               </a:spcAft>
               <a:buNone/>
             </a:pPr>
-            <a:r>
-              <a:t/>
-            </a:r>
             <a:endParaRPr/>
           </a:p>
         </p:txBody>
@@ -907,11 +932,11 @@
 </file>
 
 <file path=ppt/notesSlides/notesSlide3.xml><?xml version="1.0" encoding="utf-8"?>
-<p:notes xmlns:a="http://schemas.openxmlformats.org/drawingml/2006/main" xmlns:r="http://schemas.openxmlformats.org/officeDocument/2006/relationships" xmlns:mc="http://schemas.openxmlformats.org/markup-compatibility/2006" xmlns:mv="urn:schemas-microsoft-com:mac:vml" xmlns:p="http://schemas.openxmlformats.org/presentationml/2006/main" xmlns:c="http://schemas.openxmlformats.org/drawingml/2006/chart" xmlns:dgm="http://schemas.openxmlformats.org/drawingml/2006/diagram" xmlns:o="urn:schemas-microsoft-com:office:office" xmlns:v="urn:schemas-microsoft-com:vml" xmlns:pvml="urn:schemas-microsoft-com:office:powerpoint" xmlns:com="http://schemas.openxmlformats.org/drawingml/2006/compatibility" xmlns:p14="http://schemas.microsoft.com/office/powerpoint/2010/main" xmlns:p15="http://schemas.microsoft.com/office/powerpoint/2012/main" xmlns:ahyp="http://schemas.microsoft.com/office/drawing/2018/hyperlinkcolor" showMasterPhAnim="0" showMasterSp="0">
+<p:notes xmlns:a="http://schemas.openxmlformats.org/drawingml/2006/main" xmlns:r="http://schemas.openxmlformats.org/officeDocument/2006/relationships" xmlns:p="http://schemas.openxmlformats.org/presentationml/2006/main" showMasterSp="0" showMasterPhAnim="0">
   <p:cSld>
     <p:spTree>
       <p:nvGrpSpPr>
-        <p:cNvPr id="87" name="Shape 87"/>
+        <p:cNvPr id="1" name="Shape 87"/>
         <p:cNvGrpSpPr/>
         <p:nvPr/>
       </p:nvGrpSpPr>
@@ -926,9 +951,11 @@
       <p:sp>
         <p:nvSpPr>
           <p:cNvPr id="88" name="Google Shape;88;g3435d7bd6c8_0_473:notes"/>
-          <p:cNvSpPr/>
+          <p:cNvSpPr>
+            <a:spLocks noGrp="1" noRot="1" noChangeAspect="1"/>
+          </p:cNvSpPr>
           <p:nvPr>
-            <p:ph idx="2" type="sldImg"/>
+            <p:ph type="sldImg" idx="2"/>
           </p:nvPr>
         </p:nvSpPr>
         <p:spPr>
@@ -937,9 +964,13 @@
             <a:ext cx="6096000" cy="3429000"/>
           </a:xfrm>
           <a:custGeom>
-            <a:rect b="b" l="l" r="r" t="t"/>
+            <a:avLst/>
+            <a:gdLst/>
+            <a:ahLst/>
+            <a:cxnLst/>
+            <a:rect l="l" t="t" r="r" b="b"/>
             <a:pathLst>
-              <a:path extrusionOk="0" h="120000" w="120000">
+              <a:path w="120000" h="120000" extrusionOk="0">
                 <a:moveTo>
                   <a:pt x="0" y="0"/>
                 </a:moveTo>
@@ -961,9 +992,11 @@
       <p:sp>
         <p:nvSpPr>
           <p:cNvPr id="89" name="Google Shape;89;g3435d7bd6c8_0_473:notes"/>
-          <p:cNvSpPr txBox="1"/>
+          <p:cNvSpPr txBox="1">
+            <a:spLocks noGrp="1"/>
+          </p:cNvSpPr>
           <p:nvPr>
-            <p:ph idx="1" type="body"/>
+            <p:ph type="body" idx="1"/>
           </p:nvPr>
         </p:nvSpPr>
         <p:spPr>
@@ -976,12 +1009,12 @@
           </a:prstGeom>
         </p:spPr>
         <p:txBody>
-          <a:bodyPr anchorCtr="0" anchor="t" bIns="91425" lIns="91425" spcFirstLastPara="1" rIns="91425" wrap="square" tIns="91425">
+          <a:bodyPr spcFirstLastPara="1" wrap="square" lIns="91425" tIns="91425" rIns="91425" bIns="91425" anchor="t" anchorCtr="0">
             <a:noAutofit/>
           </a:bodyPr>
           <a:lstStyle/>
           <a:p>
-            <a:pPr indent="0" lvl="0" marL="0" rtl="0" algn="l">
+            <a:pPr marL="0" lvl="0" indent="0" algn="l" rtl="0">
               <a:spcBef>
                 <a:spcPts val="0"/>
               </a:spcBef>
@@ -990,9 +1023,6 @@
               </a:spcAft>
               <a:buNone/>
             </a:pPr>
-            <a:r>
-              <a:t/>
-            </a:r>
             <a:endParaRPr/>
           </a:p>
         </p:txBody>
@@ -1006,11 +1036,11 @@
 </file>
 
 <file path=ppt/notesSlides/notesSlide4.xml><?xml version="1.0" encoding="utf-8"?>
-<p:notes xmlns:a="http://schemas.openxmlformats.org/drawingml/2006/main" xmlns:r="http://schemas.openxmlformats.org/officeDocument/2006/relationships" xmlns:mc="http://schemas.openxmlformats.org/markup-compatibility/2006" xmlns:mv="urn:schemas-microsoft-com:mac:vml" xmlns:p="http://schemas.openxmlformats.org/presentationml/2006/main" xmlns:c="http://schemas.openxmlformats.org/drawingml/2006/chart" xmlns:dgm="http://schemas.openxmlformats.org/drawingml/2006/diagram" xmlns:o="urn:schemas-microsoft-com:office:office" xmlns:v="urn:schemas-microsoft-com:vml" xmlns:pvml="urn:schemas-microsoft-com:office:powerpoint" xmlns:com="http://schemas.openxmlformats.org/drawingml/2006/compatibility" xmlns:p14="http://schemas.microsoft.com/office/powerpoint/2010/main" xmlns:p15="http://schemas.microsoft.com/office/powerpoint/2012/main" xmlns:ahyp="http://schemas.microsoft.com/office/drawing/2018/hyperlinkcolor" showMasterPhAnim="0" showMasterSp="0">
+<p:notes xmlns:a="http://schemas.openxmlformats.org/drawingml/2006/main" xmlns:r="http://schemas.openxmlformats.org/officeDocument/2006/relationships" xmlns:p="http://schemas.openxmlformats.org/presentationml/2006/main" showMasterSp="0" showMasterPhAnim="0">
   <p:cSld>
     <p:spTree>
       <p:nvGrpSpPr>
-        <p:cNvPr id="92" name="Shape 92"/>
+        <p:cNvPr id="1" name="Shape 92"/>
         <p:cNvGrpSpPr/>
         <p:nvPr/>
       </p:nvGrpSpPr>
@@ -1025,9 +1055,11 @@
       <p:sp>
         <p:nvSpPr>
           <p:cNvPr id="93" name="Google Shape;93;g3435d7bd6c8_0_481:notes"/>
-          <p:cNvSpPr/>
+          <p:cNvSpPr>
+            <a:spLocks noGrp="1" noRot="1" noChangeAspect="1"/>
+          </p:cNvSpPr>
           <p:nvPr>
-            <p:ph idx="2" type="sldImg"/>
+            <p:ph type="sldImg" idx="2"/>
           </p:nvPr>
         </p:nvSpPr>
         <p:spPr>
@@ -1036,9 +1068,13 @@
             <a:ext cx="6096000" cy="3429000"/>
           </a:xfrm>
           <a:custGeom>
-            <a:rect b="b" l="l" r="r" t="t"/>
+            <a:avLst/>
+            <a:gdLst/>
+            <a:ahLst/>
+            <a:cxnLst/>
+            <a:rect l="l" t="t" r="r" b="b"/>
             <a:pathLst>
-              <a:path extrusionOk="0" h="120000" w="120000">
+              <a:path w="120000" h="120000" extrusionOk="0">
                 <a:moveTo>
                   <a:pt x="0" y="0"/>
                 </a:moveTo>
@@ -1060,9 +1096,11 @@
       <p:sp>
         <p:nvSpPr>
           <p:cNvPr id="94" name="Google Shape;94;g3435d7bd6c8_0_481:notes"/>
-          <p:cNvSpPr txBox="1"/>
+          <p:cNvSpPr txBox="1">
+            <a:spLocks noGrp="1"/>
+          </p:cNvSpPr>
           <p:nvPr>
-            <p:ph idx="1" type="body"/>
+            <p:ph type="body" idx="1"/>
           </p:nvPr>
         </p:nvSpPr>
         <p:spPr>
@@ -1075,12 +1113,12 @@
           </a:prstGeom>
         </p:spPr>
         <p:txBody>
-          <a:bodyPr anchorCtr="0" anchor="t" bIns="91425" lIns="91425" spcFirstLastPara="1" rIns="91425" wrap="square" tIns="91425">
+          <a:bodyPr spcFirstLastPara="1" wrap="square" lIns="91425" tIns="91425" rIns="91425" bIns="91425" anchor="t" anchorCtr="0">
             <a:noAutofit/>
           </a:bodyPr>
           <a:lstStyle/>
           <a:p>
-            <a:pPr indent="0" lvl="0" marL="0" rtl="0" algn="l">
+            <a:pPr marL="0" lvl="0" indent="0" algn="l" rtl="0">
               <a:spcBef>
                 <a:spcPts val="0"/>
               </a:spcBef>
@@ -1089,9 +1127,6 @@
               </a:spcAft>
               <a:buNone/>
             </a:pPr>
-            <a:r>
-              <a:t/>
-            </a:r>
             <a:endParaRPr/>
           </a:p>
         </p:txBody>
@@ -1105,11 +1140,11 @@
 </file>
 
 <file path=ppt/notesSlides/notesSlide5.xml><?xml version="1.0" encoding="utf-8"?>
-<p:notes xmlns:a="http://schemas.openxmlformats.org/drawingml/2006/main" xmlns:r="http://schemas.openxmlformats.org/officeDocument/2006/relationships" xmlns:mc="http://schemas.openxmlformats.org/markup-compatibility/2006" xmlns:mv="urn:schemas-microsoft-com:mac:vml" xmlns:p="http://schemas.openxmlformats.org/presentationml/2006/main" xmlns:c="http://schemas.openxmlformats.org/drawingml/2006/chart" xmlns:dgm="http://schemas.openxmlformats.org/drawingml/2006/diagram" xmlns:o="urn:schemas-microsoft-com:office:office" xmlns:v="urn:schemas-microsoft-com:vml" xmlns:pvml="urn:schemas-microsoft-com:office:powerpoint" xmlns:com="http://schemas.openxmlformats.org/drawingml/2006/compatibility" xmlns:p14="http://schemas.microsoft.com/office/powerpoint/2010/main" xmlns:p15="http://schemas.microsoft.com/office/powerpoint/2012/main" xmlns:ahyp="http://schemas.microsoft.com/office/drawing/2018/hyperlinkcolor" showMasterPhAnim="0" showMasterSp="0">
+<p:notes xmlns:a="http://schemas.openxmlformats.org/drawingml/2006/main" xmlns:r="http://schemas.openxmlformats.org/officeDocument/2006/relationships" xmlns:p="http://schemas.openxmlformats.org/presentationml/2006/main" showMasterSp="0" showMasterPhAnim="0">
   <p:cSld>
     <p:spTree>
       <p:nvGrpSpPr>
-        <p:cNvPr id="99" name="Shape 99"/>
+        <p:cNvPr id="1" name="Shape 99"/>
         <p:cNvGrpSpPr/>
         <p:nvPr/>
       </p:nvGrpSpPr>
@@ -1124,9 +1159,11 @@
       <p:sp>
         <p:nvSpPr>
           <p:cNvPr id="100" name="Google Shape;100;g3435d7bd6c8_0_489:notes"/>
-          <p:cNvSpPr/>
+          <p:cNvSpPr>
+            <a:spLocks noGrp="1" noRot="1" noChangeAspect="1"/>
+          </p:cNvSpPr>
           <p:nvPr>
-            <p:ph idx="2" type="sldImg"/>
+            <p:ph type="sldImg" idx="2"/>
           </p:nvPr>
         </p:nvSpPr>
         <p:spPr>
@@ -1135,9 +1172,13 @@
             <a:ext cx="6096000" cy="3429000"/>
           </a:xfrm>
           <a:custGeom>
-            <a:rect b="b" l="l" r="r" t="t"/>
+            <a:avLst/>
+            <a:gdLst/>
+            <a:ahLst/>
+            <a:cxnLst/>
+            <a:rect l="l" t="t" r="r" b="b"/>
             <a:pathLst>
-              <a:path extrusionOk="0" h="120000" w="120000">
+              <a:path w="120000" h="120000" extrusionOk="0">
                 <a:moveTo>
                   <a:pt x="0" y="0"/>
                 </a:moveTo>
@@ -1159,9 +1200,11 @@
       <p:sp>
         <p:nvSpPr>
           <p:cNvPr id="101" name="Google Shape;101;g3435d7bd6c8_0_489:notes"/>
-          <p:cNvSpPr txBox="1"/>
+          <p:cNvSpPr txBox="1">
+            <a:spLocks noGrp="1"/>
+          </p:cNvSpPr>
           <p:nvPr>
-            <p:ph idx="1" type="body"/>
+            <p:ph type="body" idx="1"/>
           </p:nvPr>
         </p:nvSpPr>
         <p:spPr>
@@ -1174,12 +1217,12 @@
           </a:prstGeom>
         </p:spPr>
         <p:txBody>
-          <a:bodyPr anchorCtr="0" anchor="t" bIns="91425" lIns="91425" spcFirstLastPara="1" rIns="91425" wrap="square" tIns="91425">
+          <a:bodyPr spcFirstLastPara="1" wrap="square" lIns="91425" tIns="91425" rIns="91425" bIns="91425" anchor="t" anchorCtr="0">
             <a:noAutofit/>
           </a:bodyPr>
           <a:lstStyle/>
           <a:p>
-            <a:pPr indent="0" lvl="0" marL="0" rtl="0" algn="l">
+            <a:pPr marL="0" lvl="0" indent="0" algn="l" rtl="0">
               <a:spcBef>
                 <a:spcPts val="0"/>
               </a:spcBef>
@@ -1188,9 +1231,6 @@
               </a:spcAft>
               <a:buNone/>
             </a:pPr>
-            <a:r>
-              <a:t/>
-            </a:r>
             <a:endParaRPr/>
           </a:p>
         </p:txBody>
@@ -1204,11 +1244,11 @@
 </file>
 
 <file path=ppt/notesSlides/notesSlide6.xml><?xml version="1.0" encoding="utf-8"?>
-<p:notes xmlns:a="http://schemas.openxmlformats.org/drawingml/2006/main" xmlns:r="http://schemas.openxmlformats.org/officeDocument/2006/relationships" xmlns:mc="http://schemas.openxmlformats.org/markup-compatibility/2006" xmlns:mv="urn:schemas-microsoft-com:mac:vml" xmlns:p="http://schemas.openxmlformats.org/presentationml/2006/main" xmlns:c="http://schemas.openxmlformats.org/drawingml/2006/chart" xmlns:dgm="http://schemas.openxmlformats.org/drawingml/2006/diagram" xmlns:o="urn:schemas-microsoft-com:office:office" xmlns:v="urn:schemas-microsoft-com:vml" xmlns:pvml="urn:schemas-microsoft-com:office:powerpoint" xmlns:com="http://schemas.openxmlformats.org/drawingml/2006/compatibility" xmlns:p14="http://schemas.microsoft.com/office/powerpoint/2010/main" xmlns:p15="http://schemas.microsoft.com/office/powerpoint/2012/main" xmlns:ahyp="http://schemas.microsoft.com/office/drawing/2018/hyperlinkcolor" showMasterPhAnim="0" showMasterSp="0">
+<p:notes xmlns:a="http://schemas.openxmlformats.org/drawingml/2006/main" xmlns:r="http://schemas.openxmlformats.org/officeDocument/2006/relationships" xmlns:p="http://schemas.openxmlformats.org/presentationml/2006/main" showMasterSp="0" showMasterPhAnim="0">
   <p:cSld>
     <p:spTree>
       <p:nvGrpSpPr>
-        <p:cNvPr id="107" name="Shape 107"/>
+        <p:cNvPr id="1" name="Shape 107"/>
         <p:cNvGrpSpPr/>
         <p:nvPr/>
       </p:nvGrpSpPr>
@@ -1223,9 +1263,11 @@
       <p:sp>
         <p:nvSpPr>
           <p:cNvPr id="108" name="Google Shape;108;g3435d7bd6c8_0_499:notes"/>
-          <p:cNvSpPr/>
+          <p:cNvSpPr>
+            <a:spLocks noGrp="1" noRot="1" noChangeAspect="1"/>
+          </p:cNvSpPr>
           <p:nvPr>
-            <p:ph idx="2" type="sldImg"/>
+            <p:ph type="sldImg" idx="2"/>
           </p:nvPr>
         </p:nvSpPr>
         <p:spPr>
@@ -1234,9 +1276,13 @@
             <a:ext cx="6096000" cy="3429000"/>
           </a:xfrm>
           <a:custGeom>
-            <a:rect b="b" l="l" r="r" t="t"/>
+            <a:avLst/>
+            <a:gdLst/>
+            <a:ahLst/>
+            <a:cxnLst/>
+            <a:rect l="l" t="t" r="r" b="b"/>
             <a:pathLst>
-              <a:path extrusionOk="0" h="120000" w="120000">
+              <a:path w="120000" h="120000" extrusionOk="0">
                 <a:moveTo>
                   <a:pt x="0" y="0"/>
                 </a:moveTo>
@@ -1258,9 +1304,11 @@
       <p:sp>
         <p:nvSpPr>
           <p:cNvPr id="109" name="Google Shape;109;g3435d7bd6c8_0_499:notes"/>
-          <p:cNvSpPr txBox="1"/>
+          <p:cNvSpPr txBox="1">
+            <a:spLocks noGrp="1"/>
+          </p:cNvSpPr>
           <p:nvPr>
-            <p:ph idx="1" type="body"/>
+            <p:ph type="body" idx="1"/>
           </p:nvPr>
         </p:nvSpPr>
         <p:spPr>
@@ -1273,12 +1321,12 @@
           </a:prstGeom>
         </p:spPr>
         <p:txBody>
-          <a:bodyPr anchorCtr="0" anchor="t" bIns="91425" lIns="91425" spcFirstLastPara="1" rIns="91425" wrap="square" tIns="91425">
+          <a:bodyPr spcFirstLastPara="1" wrap="square" lIns="91425" tIns="91425" rIns="91425" bIns="91425" anchor="t" anchorCtr="0">
             <a:noAutofit/>
           </a:bodyPr>
           <a:lstStyle/>
           <a:p>
-            <a:pPr indent="0" lvl="0" marL="0" rtl="0" algn="l">
+            <a:pPr marL="0" lvl="0" indent="0" algn="l" rtl="0">
               <a:spcBef>
                 <a:spcPts val="0"/>
               </a:spcBef>
@@ -1287,9 +1335,6 @@
               </a:spcAft>
               <a:buNone/>
             </a:pPr>
-            <a:r>
-              <a:t/>
-            </a:r>
             <a:endParaRPr/>
           </a:p>
         </p:txBody>
@@ -1303,11 +1348,11 @@
 </file>
 
 <file path=ppt/notesSlides/notesSlide7.xml><?xml version="1.0" encoding="utf-8"?>
-<p:notes xmlns:a="http://schemas.openxmlformats.org/drawingml/2006/main" xmlns:r="http://schemas.openxmlformats.org/officeDocument/2006/relationships" xmlns:mc="http://schemas.openxmlformats.org/markup-compatibility/2006" xmlns:mv="urn:schemas-microsoft-com:mac:vml" xmlns:p="http://schemas.openxmlformats.org/presentationml/2006/main" xmlns:c="http://schemas.openxmlformats.org/drawingml/2006/chart" xmlns:dgm="http://schemas.openxmlformats.org/drawingml/2006/diagram" xmlns:o="urn:schemas-microsoft-com:office:office" xmlns:v="urn:schemas-microsoft-com:vml" xmlns:pvml="urn:schemas-microsoft-com:office:powerpoint" xmlns:com="http://schemas.openxmlformats.org/drawingml/2006/compatibility" xmlns:p14="http://schemas.microsoft.com/office/powerpoint/2010/main" xmlns:p15="http://schemas.microsoft.com/office/powerpoint/2012/main" xmlns:ahyp="http://schemas.microsoft.com/office/drawing/2018/hyperlinkcolor" showMasterPhAnim="0" showMasterSp="0">
+<p:notes xmlns:a="http://schemas.openxmlformats.org/drawingml/2006/main" xmlns:r="http://schemas.openxmlformats.org/officeDocument/2006/relationships" xmlns:p="http://schemas.openxmlformats.org/presentationml/2006/main" showMasterSp="0" showMasterPhAnim="0">
   <p:cSld>
     <p:spTree>
       <p:nvGrpSpPr>
-        <p:cNvPr id="114" name="Shape 114"/>
+        <p:cNvPr id="1" name="Shape 114"/>
         <p:cNvGrpSpPr/>
         <p:nvPr/>
       </p:nvGrpSpPr>
@@ -1322,9 +1367,11 @@
       <p:sp>
         <p:nvSpPr>
           <p:cNvPr id="115" name="Google Shape;115;g3435d7bd6c8_0_507:notes"/>
-          <p:cNvSpPr/>
+          <p:cNvSpPr>
+            <a:spLocks noGrp="1" noRot="1" noChangeAspect="1"/>
+          </p:cNvSpPr>
           <p:nvPr>
-            <p:ph idx="2" type="sldImg"/>
+            <p:ph type="sldImg" idx="2"/>
           </p:nvPr>
         </p:nvSpPr>
         <p:spPr>
@@ -1333,9 +1380,13 @@
             <a:ext cx="6096000" cy="3429000"/>
           </a:xfrm>
           <a:custGeom>
-            <a:rect b="b" l="l" r="r" t="t"/>
+            <a:avLst/>
+            <a:gdLst/>
+            <a:ahLst/>
+            <a:cxnLst/>
+            <a:rect l="l" t="t" r="r" b="b"/>
             <a:pathLst>
-              <a:path extrusionOk="0" h="120000" w="120000">
+              <a:path w="120000" h="120000" extrusionOk="0">
                 <a:moveTo>
                   <a:pt x="0" y="0"/>
                 </a:moveTo>
@@ -1357,9 +1408,11 @@
       <p:sp>
         <p:nvSpPr>
           <p:cNvPr id="116" name="Google Shape;116;g3435d7bd6c8_0_507:notes"/>
-          <p:cNvSpPr txBox="1"/>
+          <p:cNvSpPr txBox="1">
+            <a:spLocks noGrp="1"/>
+          </p:cNvSpPr>
           <p:nvPr>
-            <p:ph idx="1" type="body"/>
+            <p:ph type="body" idx="1"/>
           </p:nvPr>
         </p:nvSpPr>
         <p:spPr>
@@ -1372,12 +1425,12 @@
           </a:prstGeom>
         </p:spPr>
         <p:txBody>
-          <a:bodyPr anchorCtr="0" anchor="t" bIns="91425" lIns="91425" spcFirstLastPara="1" rIns="91425" wrap="square" tIns="91425">
+          <a:bodyPr spcFirstLastPara="1" wrap="square" lIns="91425" tIns="91425" rIns="91425" bIns="91425" anchor="t" anchorCtr="0">
             <a:noAutofit/>
           </a:bodyPr>
           <a:lstStyle/>
           <a:p>
-            <a:pPr indent="0" lvl="0" marL="0" rtl="0" algn="l">
+            <a:pPr marL="0" lvl="0" indent="0" algn="l" rtl="0">
               <a:spcBef>
                 <a:spcPts val="0"/>
               </a:spcBef>
@@ -1386,9 +1439,6 @@
               </a:spcAft>
               <a:buNone/>
             </a:pPr>
-            <a:r>
-              <a:t/>
-            </a:r>
             <a:endParaRPr/>
           </a:p>
         </p:txBody>
@@ -1402,18 +1452,19 @@
 </file>
 
 <file path=ppt/slideLayouts/slideLayout1.xml><?xml version="1.0" encoding="utf-8"?>
-<p:sldLayout xmlns:a="http://schemas.openxmlformats.org/drawingml/2006/main" xmlns:r="http://schemas.openxmlformats.org/officeDocument/2006/relationships" xmlns:mc="http://schemas.openxmlformats.org/markup-compatibility/2006" xmlns:mv="urn:schemas-microsoft-com:mac:vml" xmlns:p="http://schemas.openxmlformats.org/presentationml/2006/main" xmlns:c="http://schemas.openxmlformats.org/drawingml/2006/chart" xmlns:dgm="http://schemas.openxmlformats.org/drawingml/2006/diagram" xmlns:o="urn:schemas-microsoft-com:office:office" xmlns:v="urn:schemas-microsoft-com:vml" xmlns:pvml="urn:schemas-microsoft-com:office:powerpoint" xmlns:com="http://schemas.openxmlformats.org/drawingml/2006/compatibility" xmlns:p14="http://schemas.microsoft.com/office/powerpoint/2010/main" xmlns:p15="http://schemas.microsoft.com/office/powerpoint/2012/main" xmlns:ahyp="http://schemas.microsoft.com/office/drawing/2018/hyperlinkcolor" matchingName="Title slide" type="title">
+<p:sldLayout xmlns:a="http://schemas.openxmlformats.org/drawingml/2006/main" xmlns:r="http://schemas.openxmlformats.org/officeDocument/2006/relationships" xmlns:p="http://schemas.openxmlformats.org/presentationml/2006/main" matchingName="Title slide" type="title">
   <p:cSld name="TITLE">
     <p:bg>
       <p:bgPr>
         <a:solidFill>
           <a:schemeClr val="dk1"/>
         </a:solidFill>
+        <a:effectLst/>
       </p:bgPr>
     </p:bg>
     <p:spTree>
       <p:nvGrpSpPr>
-        <p:cNvPr id="9" name="Shape 9"/>
+        <p:cNvPr id="1" name="Shape 9"/>
         <p:cNvGrpSpPr/>
         <p:nvPr/>
       </p:nvGrpSpPr>
@@ -1440,14 +1491,14 @@
             <a:avLst/>
           </a:prstGeom>
           <a:noFill/>
-          <a:ln cap="flat" cmpd="sng" w="38100">
+          <a:ln w="38100" cap="flat" cmpd="sng">
             <a:solidFill>
               <a:schemeClr val="lt1"/>
             </a:solidFill>
             <a:prstDash val="solid"/>
             <a:round/>
-            <a:headEnd len="sm" w="sm" type="none"/>
-            <a:tailEnd len="sm" w="sm" type="none"/>
+            <a:headEnd type="none" w="sm" len="sm"/>
+            <a:tailEnd type="none" w="sm" len="sm"/>
           </a:ln>
         </p:spPr>
       </p:cxnSp>
@@ -1466,14 +1517,14 @@
             <a:avLst/>
           </a:prstGeom>
           <a:noFill/>
-          <a:ln cap="flat" cmpd="sng" w="19050">
+          <a:ln w="19050" cap="flat" cmpd="sng">
             <a:solidFill>
               <a:schemeClr val="lt1"/>
             </a:solidFill>
             <a:prstDash val="solid"/>
             <a:round/>
-            <a:headEnd len="sm" w="sm" type="none"/>
-            <a:tailEnd len="sm" w="sm" type="none"/>
+            <a:headEnd type="none" w="sm" len="sm"/>
+            <a:tailEnd type="none" w="sm" len="sm"/>
           </a:ln>
         </p:spPr>
       </p:cxnSp>
@@ -1492,21 +1543,23 @@
             <a:avLst/>
           </a:prstGeom>
           <a:noFill/>
-          <a:ln cap="flat" cmpd="sng" w="19050">
+          <a:ln w="19050" cap="flat" cmpd="sng">
             <a:solidFill>
               <a:schemeClr val="lt1"/>
             </a:solidFill>
             <a:prstDash val="solid"/>
             <a:round/>
-            <a:headEnd len="sm" w="sm" type="none"/>
-            <a:tailEnd len="sm" w="sm" type="none"/>
+            <a:headEnd type="none" w="sm" len="sm"/>
+            <a:tailEnd type="none" w="sm" len="sm"/>
           </a:ln>
         </p:spPr>
       </p:cxnSp>
       <p:sp>
         <p:nvSpPr>
           <p:cNvPr id="13" name="Google Shape;13;p2"/>
-          <p:cNvSpPr txBox="1"/>
+          <p:cNvSpPr txBox="1">
+            <a:spLocks noGrp="1"/>
+          </p:cNvSpPr>
           <p:nvPr>
             <p:ph type="ctrTitle"/>
           </p:nvPr>
@@ -1521,7 +1574,7 @@
           </a:prstGeom>
         </p:spPr>
         <p:txBody>
-          <a:bodyPr anchorCtr="0" anchor="t" bIns="91425" lIns="91425" spcFirstLastPara="1" rIns="91425" wrap="square" tIns="91425">
+          <a:bodyPr spcFirstLastPara="1" wrap="square" lIns="91425" tIns="91425" rIns="91425" bIns="91425" anchor="t" anchorCtr="0">
             <a:normAutofit/>
           </a:bodyPr>
           <a:lstStyle>
@@ -1688,15 +1741,19 @@
               </a:defRPr>
             </a:lvl9pPr>
           </a:lstStyle>
-          <a:p/>
+          <a:p>
+            <a:endParaRPr/>
+          </a:p>
         </p:txBody>
       </p:sp>
       <p:sp>
         <p:nvSpPr>
           <p:cNvPr id="14" name="Google Shape;14;p2"/>
-          <p:cNvSpPr txBox="1"/>
+          <p:cNvSpPr txBox="1">
+            <a:spLocks noGrp="1"/>
+          </p:cNvSpPr>
           <p:nvPr>
-            <p:ph idx="1" type="subTitle"/>
+            <p:ph type="subTitle" idx="1"/>
           </p:nvPr>
         </p:nvSpPr>
         <p:spPr>
@@ -1709,7 +1766,7 @@
           </a:prstGeom>
         </p:spPr>
         <p:txBody>
-          <a:bodyPr anchorCtr="0" anchor="b" bIns="91425" lIns="91425" spcFirstLastPara="1" rIns="91425" wrap="square" tIns="91425">
+          <a:bodyPr spcFirstLastPara="1" wrap="square" lIns="91425" tIns="91425" rIns="91425" bIns="91425" anchor="b" anchorCtr="0">
             <a:normAutofit/>
           </a:bodyPr>
           <a:lstStyle>
@@ -1903,15 +1960,19 @@
               </a:defRPr>
             </a:lvl9pPr>
           </a:lstStyle>
-          <a:p/>
+          <a:p>
+            <a:endParaRPr/>
+          </a:p>
         </p:txBody>
       </p:sp>
       <p:sp>
         <p:nvSpPr>
           <p:cNvPr id="15" name="Google Shape;15;p2"/>
-          <p:cNvSpPr txBox="1"/>
+          <p:cNvSpPr txBox="1">
+            <a:spLocks noGrp="1"/>
+          </p:cNvSpPr>
           <p:nvPr>
-            <p:ph idx="12" type="sldNum"/>
+            <p:ph type="sldNum" idx="12"/>
           </p:nvPr>
         </p:nvSpPr>
         <p:spPr>
@@ -1924,7 +1985,7 @@
           </a:prstGeom>
         </p:spPr>
         <p:txBody>
-          <a:bodyPr anchorCtr="0" anchor="ctr" bIns="91425" lIns="91425" spcFirstLastPara="1" rIns="91425" wrap="square" tIns="91425">
+          <a:bodyPr spcFirstLastPara="1" wrap="square" lIns="91425" tIns="91425" rIns="91425" bIns="91425" anchor="ctr" anchorCtr="0">
             <a:normAutofit/>
           </a:bodyPr>
           <a:lstStyle>
@@ -2002,7 +2063,7 @@
             </a:lvl9pPr>
           </a:lstStyle>
           <a:p>
-            <a:pPr indent="0" lvl="0" marL="0" rtl="0" algn="r">
+            <a:pPr marL="0" lvl="0" indent="0" algn="r" rtl="0">
               <a:spcBef>
                 <a:spcPts val="0"/>
               </a:spcBef>
@@ -2013,7 +2074,7 @@
             </a:pPr>
             <a:fld id="{00000000-1234-1234-1234-123412341234}" type="slidenum">
               <a:rPr lang="it"/>
-              <a:t>‹#›</a:t>
+              <a:t>‹N›</a:t>
             </a:fld>
             <a:endParaRPr/>
           </a:p>
@@ -2028,11 +2089,11 @@
 </file>
 
 <file path=ppt/slideLayouts/slideLayout10.xml><?xml version="1.0" encoding="utf-8"?>
-<p:sldLayout xmlns:a="http://schemas.openxmlformats.org/drawingml/2006/main" xmlns:r="http://schemas.openxmlformats.org/officeDocument/2006/relationships" xmlns:mc="http://schemas.openxmlformats.org/markup-compatibility/2006" xmlns:mv="urn:schemas-microsoft-com:mac:vml" xmlns:p="http://schemas.openxmlformats.org/presentationml/2006/main" xmlns:c="http://schemas.openxmlformats.org/drawingml/2006/chart" xmlns:dgm="http://schemas.openxmlformats.org/drawingml/2006/diagram" xmlns:o="urn:schemas-microsoft-com:office:office" xmlns:v="urn:schemas-microsoft-com:vml" xmlns:pvml="urn:schemas-microsoft-com:office:powerpoint" xmlns:com="http://schemas.openxmlformats.org/drawingml/2006/compatibility" xmlns:p14="http://schemas.microsoft.com/office/powerpoint/2010/main" xmlns:p15="http://schemas.microsoft.com/office/powerpoint/2012/main" xmlns:ahyp="http://schemas.microsoft.com/office/drawing/2018/hyperlinkcolor" matchingName="Big number">
+<p:sldLayout xmlns:a="http://schemas.openxmlformats.org/drawingml/2006/main" xmlns:r="http://schemas.openxmlformats.org/officeDocument/2006/relationships" xmlns:p="http://schemas.openxmlformats.org/presentationml/2006/main" matchingName="Big number">
   <p:cSld name="BIG_NUMBER">
     <p:spTree>
       <p:nvGrpSpPr>
-        <p:cNvPr id="60" name="Shape 60"/>
+        <p:cNvPr id="1" name="Shape 60"/>
         <p:cNvGrpSpPr/>
         <p:nvPr/>
       </p:nvGrpSpPr>
@@ -2059,14 +2120,14 @@
             <a:avLst/>
           </a:prstGeom>
           <a:noFill/>
-          <a:ln cap="flat" cmpd="sng" w="19050">
+          <a:ln w="19050" cap="flat" cmpd="sng">
             <a:solidFill>
               <a:schemeClr val="dk2"/>
             </a:solidFill>
             <a:prstDash val="solid"/>
             <a:round/>
-            <a:headEnd len="sm" w="sm" type="none"/>
-            <a:tailEnd len="sm" w="sm" type="none"/>
+            <a:headEnd type="none" w="sm" len="sm"/>
+            <a:tailEnd type="none" w="sm" len="sm"/>
           </a:ln>
         </p:spPr>
       </p:cxnSp>
@@ -2085,23 +2146,25 @@
             <a:avLst/>
           </a:prstGeom>
           <a:noFill/>
-          <a:ln cap="flat" cmpd="sng" w="38100">
+          <a:ln w="38100" cap="flat" cmpd="sng">
             <a:solidFill>
               <a:schemeClr val="dk2"/>
             </a:solidFill>
             <a:prstDash val="solid"/>
             <a:round/>
-            <a:headEnd len="sm" w="sm" type="none"/>
-            <a:tailEnd len="sm" w="sm" type="none"/>
+            <a:headEnd type="none" w="sm" len="sm"/>
+            <a:tailEnd type="none" w="sm" len="sm"/>
           </a:ln>
         </p:spPr>
       </p:cxnSp>
       <p:sp>
         <p:nvSpPr>
           <p:cNvPr id="63" name="Google Shape;63;p11"/>
-          <p:cNvSpPr txBox="1"/>
+          <p:cNvSpPr txBox="1">
+            <a:spLocks noGrp="1"/>
+          </p:cNvSpPr>
           <p:nvPr>
-            <p:ph hasCustomPrompt="1" type="title"/>
+            <p:ph type="title" hasCustomPrompt="1"/>
           </p:nvPr>
         </p:nvSpPr>
         <p:spPr>
@@ -2114,7 +2177,7 @@
           </a:prstGeom>
         </p:spPr>
         <p:txBody>
-          <a:bodyPr anchorCtr="0" anchor="ctr" bIns="91425" lIns="91425" spcFirstLastPara="1" rIns="91425" wrap="square" tIns="91425">
+          <a:bodyPr spcFirstLastPara="1" wrap="square" lIns="91425" tIns="91425" rIns="91425" bIns="91425" anchor="ctr" anchorCtr="0">
             <a:normAutofit/>
           </a:bodyPr>
           <a:lstStyle>
@@ -2336,9 +2399,11 @@
       <p:sp>
         <p:nvSpPr>
           <p:cNvPr id="64" name="Google Shape;64;p11"/>
-          <p:cNvSpPr txBox="1"/>
+          <p:cNvSpPr txBox="1">
+            <a:spLocks noGrp="1"/>
+          </p:cNvSpPr>
           <p:nvPr>
-            <p:ph idx="1" type="body"/>
+            <p:ph type="body" idx="1"/>
           </p:nvPr>
         </p:nvSpPr>
         <p:spPr>
@@ -2351,11 +2416,11 @@
           </a:prstGeom>
         </p:spPr>
         <p:txBody>
-          <a:bodyPr anchorCtr="0" anchor="t" bIns="91425" lIns="91425" spcFirstLastPara="1" rIns="91425" wrap="square" tIns="91425">
+          <a:bodyPr spcFirstLastPara="1" wrap="square" lIns="91425" tIns="91425" rIns="91425" bIns="91425" anchor="t" anchorCtr="0">
             <a:normAutofit/>
           </a:bodyPr>
           <a:lstStyle>
-            <a:lvl1pPr indent="-342900" lvl="0" marL="457200" algn="ctr">
+            <a:lvl1pPr marL="457200" lvl="0" indent="-342900" algn="ctr">
               <a:spcBef>
                 <a:spcPts val="0"/>
               </a:spcBef>
@@ -2366,7 +2431,7 @@
               <a:buChar char="●"/>
               <a:defRPr/>
             </a:lvl1pPr>
-            <a:lvl2pPr indent="-317500" lvl="1" marL="914400" algn="ctr">
+            <a:lvl2pPr marL="914400" lvl="1" indent="-317500" algn="ctr">
               <a:spcBef>
                 <a:spcPts val="0"/>
               </a:spcBef>
@@ -2377,7 +2442,7 @@
               <a:buChar char="○"/>
               <a:defRPr/>
             </a:lvl2pPr>
-            <a:lvl3pPr indent="-317500" lvl="2" marL="1371600" algn="ctr">
+            <a:lvl3pPr marL="1371600" lvl="2" indent="-317500" algn="ctr">
               <a:spcBef>
                 <a:spcPts val="0"/>
               </a:spcBef>
@@ -2388,7 +2453,7 @@
               <a:buChar char="■"/>
               <a:defRPr/>
             </a:lvl3pPr>
-            <a:lvl4pPr indent="-317500" lvl="3" marL="1828800" algn="ctr">
+            <a:lvl4pPr marL="1828800" lvl="3" indent="-317500" algn="ctr">
               <a:spcBef>
                 <a:spcPts val="0"/>
               </a:spcBef>
@@ -2399,7 +2464,7 @@
               <a:buChar char="●"/>
               <a:defRPr/>
             </a:lvl4pPr>
-            <a:lvl5pPr indent="-317500" lvl="4" marL="2286000" algn="ctr">
+            <a:lvl5pPr marL="2286000" lvl="4" indent="-317500" algn="ctr">
               <a:spcBef>
                 <a:spcPts val="0"/>
               </a:spcBef>
@@ -2410,7 +2475,7 @@
               <a:buChar char="○"/>
               <a:defRPr/>
             </a:lvl5pPr>
-            <a:lvl6pPr indent="-317500" lvl="5" marL="2743200" algn="ctr">
+            <a:lvl6pPr marL="2743200" lvl="5" indent="-317500" algn="ctr">
               <a:spcBef>
                 <a:spcPts val="0"/>
               </a:spcBef>
@@ -2421,7 +2486,7 @@
               <a:buChar char="■"/>
               <a:defRPr/>
             </a:lvl6pPr>
-            <a:lvl7pPr indent="-317500" lvl="6" marL="3200400" algn="ctr">
+            <a:lvl7pPr marL="3200400" lvl="6" indent="-317500" algn="ctr">
               <a:spcBef>
                 <a:spcPts val="0"/>
               </a:spcBef>
@@ -2432,7 +2497,7 @@
               <a:buChar char="●"/>
               <a:defRPr/>
             </a:lvl7pPr>
-            <a:lvl8pPr indent="-317500" lvl="7" marL="3657600" algn="ctr">
+            <a:lvl8pPr marL="3657600" lvl="7" indent="-317500" algn="ctr">
               <a:spcBef>
                 <a:spcPts val="0"/>
               </a:spcBef>
@@ -2443,7 +2508,7 @@
               <a:buChar char="○"/>
               <a:defRPr/>
             </a:lvl8pPr>
-            <a:lvl9pPr indent="-317500" lvl="8" marL="4114800" algn="ctr">
+            <a:lvl9pPr marL="4114800" lvl="8" indent="-317500" algn="ctr">
               <a:spcBef>
                 <a:spcPts val="0"/>
               </a:spcBef>
@@ -2455,15 +2520,19 @@
               <a:defRPr/>
             </a:lvl9pPr>
           </a:lstStyle>
-          <a:p/>
+          <a:p>
+            <a:endParaRPr/>
+          </a:p>
         </p:txBody>
       </p:sp>
       <p:sp>
         <p:nvSpPr>
           <p:cNvPr id="65" name="Google Shape;65;p11"/>
-          <p:cNvSpPr txBox="1"/>
+          <p:cNvSpPr txBox="1">
+            <a:spLocks noGrp="1"/>
+          </p:cNvSpPr>
           <p:nvPr>
-            <p:ph idx="12" type="sldNum"/>
+            <p:ph type="sldNum" idx="12"/>
           </p:nvPr>
         </p:nvSpPr>
         <p:spPr>
@@ -2476,7 +2545,7 @@
           </a:prstGeom>
         </p:spPr>
         <p:txBody>
-          <a:bodyPr anchorCtr="0" anchor="ctr" bIns="91425" lIns="91425" spcFirstLastPara="1" rIns="91425" wrap="square" tIns="91425">
+          <a:bodyPr spcFirstLastPara="1" wrap="square" lIns="91425" tIns="91425" rIns="91425" bIns="91425" anchor="ctr" anchorCtr="0">
             <a:normAutofit/>
           </a:bodyPr>
           <a:lstStyle>
@@ -2518,7 +2587,7 @@
             </a:lvl9pPr>
           </a:lstStyle>
           <a:p>
-            <a:pPr indent="0" lvl="0" marL="0" rtl="0" algn="r">
+            <a:pPr marL="0" lvl="0" indent="0" algn="r" rtl="0">
               <a:spcBef>
                 <a:spcPts val="0"/>
               </a:spcBef>
@@ -2529,7 +2598,7 @@
             </a:pPr>
             <a:fld id="{00000000-1234-1234-1234-123412341234}" type="slidenum">
               <a:rPr lang="it"/>
-              <a:t>‹#›</a:t>
+              <a:t>‹N›</a:t>
             </a:fld>
             <a:endParaRPr/>
           </a:p>
@@ -2544,11 +2613,11 @@
 </file>
 
 <file path=ppt/slideLayouts/slideLayout11.xml><?xml version="1.0" encoding="utf-8"?>
-<p:sldLayout xmlns:a="http://schemas.openxmlformats.org/drawingml/2006/main" xmlns:r="http://schemas.openxmlformats.org/officeDocument/2006/relationships" xmlns:mc="http://schemas.openxmlformats.org/markup-compatibility/2006" xmlns:mv="urn:schemas-microsoft-com:mac:vml" xmlns:p="http://schemas.openxmlformats.org/presentationml/2006/main" xmlns:c="http://schemas.openxmlformats.org/drawingml/2006/chart" xmlns:dgm="http://schemas.openxmlformats.org/drawingml/2006/diagram" xmlns:o="urn:schemas-microsoft-com:office:office" xmlns:v="urn:schemas-microsoft-com:vml" xmlns:pvml="urn:schemas-microsoft-com:office:powerpoint" xmlns:com="http://schemas.openxmlformats.org/drawingml/2006/compatibility" xmlns:p14="http://schemas.microsoft.com/office/powerpoint/2010/main" xmlns:p15="http://schemas.microsoft.com/office/powerpoint/2012/main" xmlns:ahyp="http://schemas.microsoft.com/office/drawing/2018/hyperlinkcolor" matchingName="Blank" type="blank">
+<p:sldLayout xmlns:a="http://schemas.openxmlformats.org/drawingml/2006/main" xmlns:r="http://schemas.openxmlformats.org/officeDocument/2006/relationships" xmlns:p="http://schemas.openxmlformats.org/presentationml/2006/main" matchingName="Blank" type="blank">
   <p:cSld name="BLANK">
     <p:spTree>
       <p:nvGrpSpPr>
-        <p:cNvPr id="66" name="Shape 66"/>
+        <p:cNvPr id="1" name="Shape 66"/>
         <p:cNvGrpSpPr/>
         <p:nvPr/>
       </p:nvGrpSpPr>
@@ -2563,9 +2632,11 @@
       <p:sp>
         <p:nvSpPr>
           <p:cNvPr id="67" name="Google Shape;67;p12"/>
-          <p:cNvSpPr txBox="1"/>
+          <p:cNvSpPr txBox="1">
+            <a:spLocks noGrp="1"/>
+          </p:cNvSpPr>
           <p:nvPr>
-            <p:ph idx="12" type="sldNum"/>
+            <p:ph type="sldNum" idx="12"/>
           </p:nvPr>
         </p:nvSpPr>
         <p:spPr>
@@ -2578,7 +2649,7 @@
           </a:prstGeom>
         </p:spPr>
         <p:txBody>
-          <a:bodyPr anchorCtr="0" anchor="ctr" bIns="91425" lIns="91425" spcFirstLastPara="1" rIns="91425" wrap="square" tIns="91425">
+          <a:bodyPr spcFirstLastPara="1" wrap="square" lIns="91425" tIns="91425" rIns="91425" bIns="91425" anchor="ctr" anchorCtr="0">
             <a:normAutofit/>
           </a:bodyPr>
           <a:lstStyle>
@@ -2620,7 +2691,7 @@
             </a:lvl9pPr>
           </a:lstStyle>
           <a:p>
-            <a:pPr indent="0" lvl="0" marL="0" rtl="0" algn="r">
+            <a:pPr marL="0" lvl="0" indent="0" algn="r" rtl="0">
               <a:spcBef>
                 <a:spcPts val="0"/>
               </a:spcBef>
@@ -2631,7 +2702,7 @@
             </a:pPr>
             <a:fld id="{00000000-1234-1234-1234-123412341234}" type="slidenum">
               <a:rPr lang="it"/>
-              <a:t>‹#›</a:t>
+              <a:t>‹N›</a:t>
             </a:fld>
             <a:endParaRPr/>
           </a:p>
@@ -2646,18 +2717,19 @@
 </file>
 
 <file path=ppt/slideLayouts/slideLayout2.xml><?xml version="1.0" encoding="utf-8"?>
-<p:sldLayout xmlns:a="http://schemas.openxmlformats.org/drawingml/2006/main" xmlns:r="http://schemas.openxmlformats.org/officeDocument/2006/relationships" xmlns:mc="http://schemas.openxmlformats.org/markup-compatibility/2006" xmlns:mv="urn:schemas-microsoft-com:mac:vml" xmlns:p="http://schemas.openxmlformats.org/presentationml/2006/main" xmlns:c="http://schemas.openxmlformats.org/drawingml/2006/chart" xmlns:dgm="http://schemas.openxmlformats.org/drawingml/2006/diagram" xmlns:o="urn:schemas-microsoft-com:office:office" xmlns:v="urn:schemas-microsoft-com:vml" xmlns:pvml="urn:schemas-microsoft-com:office:powerpoint" xmlns:com="http://schemas.openxmlformats.org/drawingml/2006/compatibility" xmlns:p14="http://schemas.microsoft.com/office/powerpoint/2010/main" xmlns:p15="http://schemas.microsoft.com/office/powerpoint/2012/main" xmlns:ahyp="http://schemas.microsoft.com/office/drawing/2018/hyperlinkcolor" matchingName="Section header" type="secHead">
+<p:sldLayout xmlns:a="http://schemas.openxmlformats.org/drawingml/2006/main" xmlns:r="http://schemas.openxmlformats.org/officeDocument/2006/relationships" xmlns:p="http://schemas.openxmlformats.org/presentationml/2006/main" matchingName="Section header" type="secHead">
   <p:cSld name="SECTION_HEADER">
     <p:bg>
       <p:bgPr>
         <a:solidFill>
           <a:schemeClr val="dk1"/>
         </a:solidFill>
+        <a:effectLst/>
       </p:bgPr>
     </p:bg>
     <p:spTree>
       <p:nvGrpSpPr>
-        <p:cNvPr id="16" name="Shape 16"/>
+        <p:cNvPr id="1" name="Shape 16"/>
         <p:cNvGrpSpPr/>
         <p:nvPr/>
       </p:nvGrpSpPr>
@@ -2684,14 +2756,14 @@
             <a:avLst/>
           </a:prstGeom>
           <a:noFill/>
-          <a:ln cap="flat" cmpd="sng" w="38100">
+          <a:ln w="38100" cap="flat" cmpd="sng">
             <a:solidFill>
               <a:schemeClr val="lt1"/>
             </a:solidFill>
             <a:prstDash val="solid"/>
             <a:round/>
-            <a:headEnd len="sm" w="sm" type="none"/>
-            <a:tailEnd len="sm" w="sm" type="none"/>
+            <a:headEnd type="none" w="sm" len="sm"/>
+            <a:tailEnd type="none" w="sm" len="sm"/>
           </a:ln>
         </p:spPr>
       </p:cxnSp>
@@ -2710,21 +2782,23 @@
             <a:avLst/>
           </a:prstGeom>
           <a:noFill/>
-          <a:ln cap="flat" cmpd="sng" w="19050">
+          <a:ln w="19050" cap="flat" cmpd="sng">
             <a:solidFill>
               <a:schemeClr val="lt1"/>
             </a:solidFill>
             <a:prstDash val="solid"/>
             <a:round/>
-            <a:headEnd len="sm" w="sm" type="none"/>
-            <a:tailEnd len="sm" w="sm" type="none"/>
+            <a:headEnd type="none" w="sm" len="sm"/>
+            <a:tailEnd type="none" w="sm" len="sm"/>
           </a:ln>
         </p:spPr>
       </p:cxnSp>
       <p:sp>
         <p:nvSpPr>
           <p:cNvPr id="19" name="Google Shape;19;p3"/>
-          <p:cNvSpPr txBox="1"/>
+          <p:cNvSpPr txBox="1">
+            <a:spLocks noGrp="1"/>
+          </p:cNvSpPr>
           <p:nvPr>
             <p:ph type="title"/>
           </p:nvPr>
@@ -2739,7 +2813,7 @@
           </a:prstGeom>
         </p:spPr>
         <p:txBody>
-          <a:bodyPr anchorCtr="0" anchor="ctr" bIns="91425" lIns="91425" spcFirstLastPara="1" rIns="91425" wrap="square" tIns="91425">
+          <a:bodyPr spcFirstLastPara="1" wrap="square" lIns="91425" tIns="91425" rIns="91425" bIns="91425" anchor="ctr" anchorCtr="0">
             <a:normAutofit/>
           </a:bodyPr>
           <a:lstStyle>
@@ -2906,15 +2980,19 @@
               </a:defRPr>
             </a:lvl9pPr>
           </a:lstStyle>
-          <a:p/>
+          <a:p>
+            <a:endParaRPr/>
+          </a:p>
         </p:txBody>
       </p:sp>
       <p:sp>
         <p:nvSpPr>
           <p:cNvPr id="20" name="Google Shape;20;p3"/>
-          <p:cNvSpPr txBox="1"/>
+          <p:cNvSpPr txBox="1">
+            <a:spLocks noGrp="1"/>
+          </p:cNvSpPr>
           <p:nvPr>
-            <p:ph idx="12" type="sldNum"/>
+            <p:ph type="sldNum" idx="12"/>
           </p:nvPr>
         </p:nvSpPr>
         <p:spPr>
@@ -2927,7 +3005,7 @@
           </a:prstGeom>
         </p:spPr>
         <p:txBody>
-          <a:bodyPr anchorCtr="0" anchor="ctr" bIns="91425" lIns="91425" spcFirstLastPara="1" rIns="91425" wrap="square" tIns="91425">
+          <a:bodyPr spcFirstLastPara="1" wrap="square" lIns="91425" tIns="91425" rIns="91425" bIns="91425" anchor="ctr" anchorCtr="0">
             <a:normAutofit/>
           </a:bodyPr>
           <a:lstStyle>
@@ -3005,7 +3083,7 @@
             </a:lvl9pPr>
           </a:lstStyle>
           <a:p>
-            <a:pPr indent="0" lvl="0" marL="0" rtl="0" algn="r">
+            <a:pPr marL="0" lvl="0" indent="0" algn="r" rtl="0">
               <a:spcBef>
                 <a:spcPts val="0"/>
               </a:spcBef>
@@ -3016,7 +3094,7 @@
             </a:pPr>
             <a:fld id="{00000000-1234-1234-1234-123412341234}" type="slidenum">
               <a:rPr lang="it"/>
-              <a:t>‹#›</a:t>
+              <a:t>‹N›</a:t>
             </a:fld>
             <a:endParaRPr/>
           </a:p>
@@ -3031,11 +3109,11 @@
 </file>
 
 <file path=ppt/slideLayouts/slideLayout3.xml><?xml version="1.0" encoding="utf-8"?>
-<p:sldLayout xmlns:a="http://schemas.openxmlformats.org/drawingml/2006/main" xmlns:r="http://schemas.openxmlformats.org/officeDocument/2006/relationships" xmlns:mc="http://schemas.openxmlformats.org/markup-compatibility/2006" xmlns:mv="urn:schemas-microsoft-com:mac:vml" xmlns:p="http://schemas.openxmlformats.org/presentationml/2006/main" xmlns:c="http://schemas.openxmlformats.org/drawingml/2006/chart" xmlns:dgm="http://schemas.openxmlformats.org/drawingml/2006/diagram" xmlns:o="urn:schemas-microsoft-com:office:office" xmlns:v="urn:schemas-microsoft-com:vml" xmlns:pvml="urn:schemas-microsoft-com:office:powerpoint" xmlns:com="http://schemas.openxmlformats.org/drawingml/2006/compatibility" xmlns:p14="http://schemas.microsoft.com/office/powerpoint/2010/main" xmlns:p15="http://schemas.microsoft.com/office/powerpoint/2012/main" xmlns:ahyp="http://schemas.microsoft.com/office/drawing/2018/hyperlinkcolor" matchingName="Title and body" type="tx">
+<p:sldLayout xmlns:a="http://schemas.openxmlformats.org/drawingml/2006/main" xmlns:r="http://schemas.openxmlformats.org/officeDocument/2006/relationships" xmlns:p="http://schemas.openxmlformats.org/presentationml/2006/main" matchingName="Title and body" type="tx">
   <p:cSld name="TITLE_AND_BODY">
     <p:spTree>
       <p:nvGrpSpPr>
-        <p:cNvPr id="21" name="Shape 21"/>
+        <p:cNvPr id="1" name="Shape 21"/>
         <p:cNvGrpSpPr/>
         <p:nvPr/>
       </p:nvGrpSpPr>
@@ -3062,14 +3140,14 @@
             <a:avLst/>
           </a:prstGeom>
           <a:noFill/>
-          <a:ln cap="flat" cmpd="sng" w="38100">
+          <a:ln w="38100" cap="flat" cmpd="sng">
             <a:solidFill>
               <a:schemeClr val="dk2"/>
             </a:solidFill>
             <a:prstDash val="solid"/>
             <a:round/>
-            <a:headEnd len="sm" w="sm" type="none"/>
-            <a:tailEnd len="sm" w="sm" type="none"/>
+            <a:headEnd type="none" w="sm" len="sm"/>
+            <a:tailEnd type="none" w="sm" len="sm"/>
           </a:ln>
         </p:spPr>
       </p:cxnSp>
@@ -3088,14 +3166,14 @@
             <a:avLst/>
           </a:prstGeom>
           <a:noFill/>
-          <a:ln cap="flat" cmpd="sng" w="19050">
+          <a:ln w="19050" cap="flat" cmpd="sng">
             <a:solidFill>
               <a:schemeClr val="dk2"/>
             </a:solidFill>
             <a:prstDash val="solid"/>
             <a:round/>
-            <a:headEnd len="sm" w="sm" type="none"/>
-            <a:tailEnd len="sm" w="sm" type="none"/>
+            <a:headEnd type="none" w="sm" len="sm"/>
+            <a:tailEnd type="none" w="sm" len="sm"/>
           </a:ln>
         </p:spPr>
       </p:cxnSp>
@@ -3114,21 +3192,23 @@
             <a:avLst/>
           </a:prstGeom>
           <a:noFill/>
-          <a:ln cap="flat" cmpd="sng" w="19050">
+          <a:ln w="19050" cap="flat" cmpd="sng">
             <a:solidFill>
               <a:schemeClr val="dk2"/>
             </a:solidFill>
             <a:prstDash val="solid"/>
             <a:round/>
-            <a:headEnd len="sm" w="sm" type="none"/>
-            <a:tailEnd len="sm" w="sm" type="none"/>
+            <a:headEnd type="none" w="sm" len="sm"/>
+            <a:tailEnd type="none" w="sm" len="sm"/>
           </a:ln>
         </p:spPr>
       </p:cxnSp>
       <p:sp>
         <p:nvSpPr>
           <p:cNvPr id="25" name="Google Shape;25;p4"/>
-          <p:cNvSpPr txBox="1"/>
+          <p:cNvSpPr txBox="1">
+            <a:spLocks noGrp="1"/>
+          </p:cNvSpPr>
           <p:nvPr>
             <p:ph type="title"/>
           </p:nvPr>
@@ -3143,7 +3223,7 @@
           </a:prstGeom>
         </p:spPr>
         <p:txBody>
-          <a:bodyPr anchorCtr="0" anchor="t" bIns="91425" lIns="91425" spcFirstLastPara="1" rIns="91425" wrap="square" tIns="91425">
+          <a:bodyPr spcFirstLastPara="1" wrap="square" lIns="91425" tIns="91425" rIns="91425" bIns="91425" anchor="t" anchorCtr="0">
             <a:normAutofit/>
           </a:bodyPr>
           <a:lstStyle>
@@ -3247,15 +3327,19 @@
               <a:defRPr/>
             </a:lvl9pPr>
           </a:lstStyle>
-          <a:p/>
+          <a:p>
+            <a:endParaRPr/>
+          </a:p>
         </p:txBody>
       </p:sp>
       <p:sp>
         <p:nvSpPr>
           <p:cNvPr id="26" name="Google Shape;26;p4"/>
-          <p:cNvSpPr txBox="1"/>
+          <p:cNvSpPr txBox="1">
+            <a:spLocks noGrp="1"/>
+          </p:cNvSpPr>
           <p:nvPr>
-            <p:ph idx="1" type="body"/>
+            <p:ph type="body" idx="1"/>
           </p:nvPr>
         </p:nvSpPr>
         <p:spPr>
@@ -3268,11 +3352,11 @@
           </a:prstGeom>
         </p:spPr>
         <p:txBody>
-          <a:bodyPr anchorCtr="0" anchor="t" bIns="91425" lIns="91425" spcFirstLastPara="1" rIns="91425" wrap="square" tIns="91425">
+          <a:bodyPr spcFirstLastPara="1" wrap="square" lIns="91425" tIns="91425" rIns="91425" bIns="91425" anchor="t" anchorCtr="0">
             <a:normAutofit/>
           </a:bodyPr>
           <a:lstStyle>
-            <a:lvl1pPr indent="-342900" lvl="0" marL="457200">
+            <a:lvl1pPr marL="457200" lvl="0" indent="-342900">
               <a:spcBef>
                 <a:spcPts val="0"/>
               </a:spcBef>
@@ -3283,7 +3367,7 @@
               <a:buChar char="●"/>
               <a:defRPr/>
             </a:lvl1pPr>
-            <a:lvl2pPr indent="-317500" lvl="1" marL="914400">
+            <a:lvl2pPr marL="914400" lvl="1" indent="-317500">
               <a:spcBef>
                 <a:spcPts val="0"/>
               </a:spcBef>
@@ -3294,7 +3378,7 @@
               <a:buChar char="○"/>
               <a:defRPr/>
             </a:lvl2pPr>
-            <a:lvl3pPr indent="-317500" lvl="2" marL="1371600">
+            <a:lvl3pPr marL="1371600" lvl="2" indent="-317500">
               <a:spcBef>
                 <a:spcPts val="0"/>
               </a:spcBef>
@@ -3305,7 +3389,7 @@
               <a:buChar char="■"/>
               <a:defRPr/>
             </a:lvl3pPr>
-            <a:lvl4pPr indent="-317500" lvl="3" marL="1828800">
+            <a:lvl4pPr marL="1828800" lvl="3" indent="-317500">
               <a:spcBef>
                 <a:spcPts val="0"/>
               </a:spcBef>
@@ -3316,7 +3400,7 @@
               <a:buChar char="●"/>
               <a:defRPr/>
             </a:lvl4pPr>
-            <a:lvl5pPr indent="-317500" lvl="4" marL="2286000">
+            <a:lvl5pPr marL="2286000" lvl="4" indent="-317500">
               <a:spcBef>
                 <a:spcPts val="0"/>
               </a:spcBef>
@@ -3327,7 +3411,7 @@
               <a:buChar char="○"/>
               <a:defRPr/>
             </a:lvl5pPr>
-            <a:lvl6pPr indent="-317500" lvl="5" marL="2743200">
+            <a:lvl6pPr marL="2743200" lvl="5" indent="-317500">
               <a:spcBef>
                 <a:spcPts val="0"/>
               </a:spcBef>
@@ -3338,7 +3422,7 @@
               <a:buChar char="■"/>
               <a:defRPr/>
             </a:lvl6pPr>
-            <a:lvl7pPr indent="-317500" lvl="6" marL="3200400">
+            <a:lvl7pPr marL="3200400" lvl="6" indent="-317500">
               <a:spcBef>
                 <a:spcPts val="0"/>
               </a:spcBef>
@@ -3349,7 +3433,7 @@
               <a:buChar char="●"/>
               <a:defRPr/>
             </a:lvl7pPr>
-            <a:lvl8pPr indent="-317500" lvl="7" marL="3657600">
+            <a:lvl8pPr marL="3657600" lvl="7" indent="-317500">
               <a:spcBef>
                 <a:spcPts val="0"/>
               </a:spcBef>
@@ -3360,7 +3444,7 @@
               <a:buChar char="○"/>
               <a:defRPr/>
             </a:lvl8pPr>
-            <a:lvl9pPr indent="-317500" lvl="8" marL="4114800">
+            <a:lvl9pPr marL="4114800" lvl="8" indent="-317500">
               <a:spcBef>
                 <a:spcPts val="0"/>
               </a:spcBef>
@@ -3372,15 +3456,19 @@
               <a:defRPr/>
             </a:lvl9pPr>
           </a:lstStyle>
-          <a:p/>
+          <a:p>
+            <a:endParaRPr/>
+          </a:p>
         </p:txBody>
       </p:sp>
       <p:sp>
         <p:nvSpPr>
           <p:cNvPr id="27" name="Google Shape;27;p4"/>
-          <p:cNvSpPr txBox="1"/>
+          <p:cNvSpPr txBox="1">
+            <a:spLocks noGrp="1"/>
+          </p:cNvSpPr>
           <p:nvPr>
-            <p:ph idx="12" type="sldNum"/>
+            <p:ph type="sldNum" idx="12"/>
           </p:nvPr>
         </p:nvSpPr>
         <p:spPr>
@@ -3393,7 +3481,7 @@
           </a:prstGeom>
         </p:spPr>
         <p:txBody>
-          <a:bodyPr anchorCtr="0" anchor="ctr" bIns="91425" lIns="91425" spcFirstLastPara="1" rIns="91425" wrap="square" tIns="91425">
+          <a:bodyPr spcFirstLastPara="1" wrap="square" lIns="91425" tIns="91425" rIns="91425" bIns="91425" anchor="ctr" anchorCtr="0">
             <a:normAutofit/>
           </a:bodyPr>
           <a:lstStyle>
@@ -3435,7 +3523,7 @@
             </a:lvl9pPr>
           </a:lstStyle>
           <a:p>
-            <a:pPr indent="0" lvl="0" marL="0" rtl="0" algn="r">
+            <a:pPr marL="0" lvl="0" indent="0" algn="r" rtl="0">
               <a:spcBef>
                 <a:spcPts val="0"/>
               </a:spcBef>
@@ -3446,7 +3534,7 @@
             </a:pPr>
             <a:fld id="{00000000-1234-1234-1234-123412341234}" type="slidenum">
               <a:rPr lang="it"/>
-              <a:t>‹#›</a:t>
+              <a:t>‹N›</a:t>
             </a:fld>
             <a:endParaRPr/>
           </a:p>
@@ -3461,11 +3549,11 @@
 </file>
 
 <file path=ppt/slideLayouts/slideLayout4.xml><?xml version="1.0" encoding="utf-8"?>
-<p:sldLayout xmlns:a="http://schemas.openxmlformats.org/drawingml/2006/main" xmlns:r="http://schemas.openxmlformats.org/officeDocument/2006/relationships" xmlns:mc="http://schemas.openxmlformats.org/markup-compatibility/2006" xmlns:mv="urn:schemas-microsoft-com:mac:vml" xmlns:p="http://schemas.openxmlformats.org/presentationml/2006/main" xmlns:c="http://schemas.openxmlformats.org/drawingml/2006/chart" xmlns:dgm="http://schemas.openxmlformats.org/drawingml/2006/diagram" xmlns:o="urn:schemas-microsoft-com:office:office" xmlns:v="urn:schemas-microsoft-com:vml" xmlns:pvml="urn:schemas-microsoft-com:office:powerpoint" xmlns:com="http://schemas.openxmlformats.org/drawingml/2006/compatibility" xmlns:p14="http://schemas.microsoft.com/office/powerpoint/2010/main" xmlns:p15="http://schemas.microsoft.com/office/powerpoint/2012/main" xmlns:ahyp="http://schemas.microsoft.com/office/drawing/2018/hyperlinkcolor" matchingName="Title and two columns" type="twoColTx">
+<p:sldLayout xmlns:a="http://schemas.openxmlformats.org/drawingml/2006/main" xmlns:r="http://schemas.openxmlformats.org/officeDocument/2006/relationships" xmlns:p="http://schemas.openxmlformats.org/presentationml/2006/main" matchingName="Title and two columns" type="twoColTx">
   <p:cSld name="TITLE_AND_TWO_COLUMNS">
     <p:spTree>
       <p:nvGrpSpPr>
-        <p:cNvPr id="28" name="Shape 28"/>
+        <p:cNvPr id="1" name="Shape 28"/>
         <p:cNvGrpSpPr/>
         <p:nvPr/>
       </p:nvGrpSpPr>
@@ -3492,14 +3580,14 @@
             <a:avLst/>
           </a:prstGeom>
           <a:noFill/>
-          <a:ln cap="flat" cmpd="sng" w="38100">
+          <a:ln w="38100" cap="flat" cmpd="sng">
             <a:solidFill>
               <a:schemeClr val="dk2"/>
             </a:solidFill>
             <a:prstDash val="solid"/>
             <a:round/>
-            <a:headEnd len="sm" w="sm" type="none"/>
-            <a:tailEnd len="sm" w="sm" type="none"/>
+            <a:headEnd type="none" w="sm" len="sm"/>
+            <a:tailEnd type="none" w="sm" len="sm"/>
           </a:ln>
         </p:spPr>
       </p:cxnSp>
@@ -3518,14 +3606,14 @@
             <a:avLst/>
           </a:prstGeom>
           <a:noFill/>
-          <a:ln cap="flat" cmpd="sng" w="19050">
+          <a:ln w="19050" cap="flat" cmpd="sng">
             <a:solidFill>
               <a:schemeClr val="dk2"/>
             </a:solidFill>
             <a:prstDash val="solid"/>
             <a:round/>
-            <a:headEnd len="sm" w="sm" type="none"/>
-            <a:tailEnd len="sm" w="sm" type="none"/>
+            <a:headEnd type="none" w="sm" len="sm"/>
+            <a:tailEnd type="none" w="sm" len="sm"/>
           </a:ln>
         </p:spPr>
       </p:cxnSp>
@@ -3544,21 +3632,23 @@
             <a:avLst/>
           </a:prstGeom>
           <a:noFill/>
-          <a:ln cap="flat" cmpd="sng" w="19050">
+          <a:ln w="19050" cap="flat" cmpd="sng">
             <a:solidFill>
               <a:schemeClr val="dk2"/>
             </a:solidFill>
             <a:prstDash val="solid"/>
             <a:round/>
-            <a:headEnd len="sm" w="sm" type="none"/>
-            <a:tailEnd len="sm" w="sm" type="none"/>
+            <a:headEnd type="none" w="sm" len="sm"/>
+            <a:tailEnd type="none" w="sm" len="sm"/>
           </a:ln>
         </p:spPr>
       </p:cxnSp>
       <p:sp>
         <p:nvSpPr>
           <p:cNvPr id="32" name="Google Shape;32;p5"/>
-          <p:cNvSpPr txBox="1"/>
+          <p:cNvSpPr txBox="1">
+            <a:spLocks noGrp="1"/>
+          </p:cNvSpPr>
           <p:nvPr>
             <p:ph type="title"/>
           </p:nvPr>
@@ -3573,7 +3663,7 @@
           </a:prstGeom>
         </p:spPr>
         <p:txBody>
-          <a:bodyPr anchorCtr="0" anchor="t" bIns="91425" lIns="91425" spcFirstLastPara="1" rIns="91425" wrap="square" tIns="91425">
+          <a:bodyPr spcFirstLastPara="1" wrap="square" lIns="91425" tIns="91425" rIns="91425" bIns="91425" anchor="t" anchorCtr="0">
             <a:normAutofit/>
           </a:bodyPr>
           <a:lstStyle>
@@ -3677,15 +3767,19 @@
               <a:defRPr/>
             </a:lvl9pPr>
           </a:lstStyle>
-          <a:p/>
+          <a:p>
+            <a:endParaRPr/>
+          </a:p>
         </p:txBody>
       </p:sp>
       <p:sp>
         <p:nvSpPr>
           <p:cNvPr id="33" name="Google Shape;33;p5"/>
-          <p:cNvSpPr txBox="1"/>
+          <p:cNvSpPr txBox="1">
+            <a:spLocks noGrp="1"/>
+          </p:cNvSpPr>
           <p:nvPr>
-            <p:ph idx="1" type="body"/>
+            <p:ph type="body" idx="1"/>
           </p:nvPr>
         </p:nvSpPr>
         <p:spPr>
@@ -3698,11 +3792,11 @@
           </a:prstGeom>
         </p:spPr>
         <p:txBody>
-          <a:bodyPr anchorCtr="0" anchor="t" bIns="91425" lIns="91425" spcFirstLastPara="1" rIns="91425" wrap="square" tIns="91425">
+          <a:bodyPr spcFirstLastPara="1" wrap="square" lIns="91425" tIns="91425" rIns="91425" bIns="91425" anchor="t" anchorCtr="0">
             <a:normAutofit/>
           </a:bodyPr>
           <a:lstStyle>
-            <a:lvl1pPr indent="-317500" lvl="0" marL="457200">
+            <a:lvl1pPr marL="457200" lvl="0" indent="-317500">
               <a:spcBef>
                 <a:spcPts val="0"/>
               </a:spcBef>
@@ -3713,7 +3807,7 @@
               <a:buChar char="●"/>
               <a:defRPr sz="1400"/>
             </a:lvl1pPr>
-            <a:lvl2pPr indent="-304800" lvl="1" marL="914400">
+            <a:lvl2pPr marL="914400" lvl="1" indent="-304800">
               <a:spcBef>
                 <a:spcPts val="0"/>
               </a:spcBef>
@@ -3724,7 +3818,7 @@
               <a:buChar char="○"/>
               <a:defRPr sz="1200"/>
             </a:lvl2pPr>
-            <a:lvl3pPr indent="-304800" lvl="2" marL="1371600">
+            <a:lvl3pPr marL="1371600" lvl="2" indent="-304800">
               <a:spcBef>
                 <a:spcPts val="0"/>
               </a:spcBef>
@@ -3735,7 +3829,7 @@
               <a:buChar char="■"/>
               <a:defRPr sz="1200"/>
             </a:lvl3pPr>
-            <a:lvl4pPr indent="-304800" lvl="3" marL="1828800">
+            <a:lvl4pPr marL="1828800" lvl="3" indent="-304800">
               <a:spcBef>
                 <a:spcPts val="0"/>
               </a:spcBef>
@@ -3746,7 +3840,7 @@
               <a:buChar char="●"/>
               <a:defRPr sz="1200"/>
             </a:lvl4pPr>
-            <a:lvl5pPr indent="-304800" lvl="4" marL="2286000">
+            <a:lvl5pPr marL="2286000" lvl="4" indent="-304800">
               <a:spcBef>
                 <a:spcPts val="0"/>
               </a:spcBef>
@@ -3757,7 +3851,7 @@
               <a:buChar char="○"/>
               <a:defRPr sz="1200"/>
             </a:lvl5pPr>
-            <a:lvl6pPr indent="-304800" lvl="5" marL="2743200">
+            <a:lvl6pPr marL="2743200" lvl="5" indent="-304800">
               <a:spcBef>
                 <a:spcPts val="0"/>
               </a:spcBef>
@@ -3768,7 +3862,7 @@
               <a:buChar char="■"/>
               <a:defRPr sz="1200"/>
             </a:lvl6pPr>
-            <a:lvl7pPr indent="-304800" lvl="6" marL="3200400">
+            <a:lvl7pPr marL="3200400" lvl="6" indent="-304800">
               <a:spcBef>
                 <a:spcPts val="0"/>
               </a:spcBef>
@@ -3779,7 +3873,7 @@
               <a:buChar char="●"/>
               <a:defRPr sz="1200"/>
             </a:lvl7pPr>
-            <a:lvl8pPr indent="-304800" lvl="7" marL="3657600">
+            <a:lvl8pPr marL="3657600" lvl="7" indent="-304800">
               <a:spcBef>
                 <a:spcPts val="0"/>
               </a:spcBef>
@@ -3790,7 +3884,7 @@
               <a:buChar char="○"/>
               <a:defRPr sz="1200"/>
             </a:lvl8pPr>
-            <a:lvl9pPr indent="-304800" lvl="8" marL="4114800">
+            <a:lvl9pPr marL="4114800" lvl="8" indent="-304800">
               <a:spcBef>
                 <a:spcPts val="0"/>
               </a:spcBef>
@@ -3802,15 +3896,19 @@
               <a:defRPr sz="1200"/>
             </a:lvl9pPr>
           </a:lstStyle>
-          <a:p/>
+          <a:p>
+            <a:endParaRPr/>
+          </a:p>
         </p:txBody>
       </p:sp>
       <p:sp>
         <p:nvSpPr>
           <p:cNvPr id="34" name="Google Shape;34;p5"/>
-          <p:cNvSpPr txBox="1"/>
+          <p:cNvSpPr txBox="1">
+            <a:spLocks noGrp="1"/>
+          </p:cNvSpPr>
           <p:nvPr>
-            <p:ph idx="2" type="body"/>
+            <p:ph type="body" idx="2"/>
           </p:nvPr>
         </p:nvSpPr>
         <p:spPr>
@@ -3823,11 +3921,11 @@
           </a:prstGeom>
         </p:spPr>
         <p:txBody>
-          <a:bodyPr anchorCtr="0" anchor="t" bIns="91425" lIns="91425" spcFirstLastPara="1" rIns="91425" wrap="square" tIns="91425">
+          <a:bodyPr spcFirstLastPara="1" wrap="square" lIns="91425" tIns="91425" rIns="91425" bIns="91425" anchor="t" anchorCtr="0">
             <a:normAutofit/>
           </a:bodyPr>
           <a:lstStyle>
-            <a:lvl1pPr indent="-317500" lvl="0" marL="457200">
+            <a:lvl1pPr marL="457200" lvl="0" indent="-317500">
               <a:spcBef>
                 <a:spcPts val="0"/>
               </a:spcBef>
@@ -3838,7 +3936,7 @@
               <a:buChar char="●"/>
               <a:defRPr sz="1400"/>
             </a:lvl1pPr>
-            <a:lvl2pPr indent="-304800" lvl="1" marL="914400">
+            <a:lvl2pPr marL="914400" lvl="1" indent="-304800">
               <a:spcBef>
                 <a:spcPts val="0"/>
               </a:spcBef>
@@ -3849,7 +3947,7 @@
               <a:buChar char="○"/>
               <a:defRPr sz="1200"/>
             </a:lvl2pPr>
-            <a:lvl3pPr indent="-304800" lvl="2" marL="1371600">
+            <a:lvl3pPr marL="1371600" lvl="2" indent="-304800">
               <a:spcBef>
                 <a:spcPts val="0"/>
               </a:spcBef>
@@ -3860,7 +3958,7 @@
               <a:buChar char="■"/>
               <a:defRPr sz="1200"/>
             </a:lvl3pPr>
-            <a:lvl4pPr indent="-304800" lvl="3" marL="1828800">
+            <a:lvl4pPr marL="1828800" lvl="3" indent="-304800">
               <a:spcBef>
                 <a:spcPts val="0"/>
               </a:spcBef>
@@ -3871,7 +3969,7 @@
               <a:buChar char="●"/>
               <a:defRPr sz="1200"/>
             </a:lvl4pPr>
-            <a:lvl5pPr indent="-304800" lvl="4" marL="2286000">
+            <a:lvl5pPr marL="2286000" lvl="4" indent="-304800">
               <a:spcBef>
                 <a:spcPts val="0"/>
               </a:spcBef>
@@ -3882,7 +3980,7 @@
               <a:buChar char="○"/>
               <a:defRPr sz="1200"/>
             </a:lvl5pPr>
-            <a:lvl6pPr indent="-304800" lvl="5" marL="2743200">
+            <a:lvl6pPr marL="2743200" lvl="5" indent="-304800">
               <a:spcBef>
                 <a:spcPts val="0"/>
               </a:spcBef>
@@ -3893,7 +3991,7 @@
               <a:buChar char="■"/>
               <a:defRPr sz="1200"/>
             </a:lvl6pPr>
-            <a:lvl7pPr indent="-304800" lvl="6" marL="3200400">
+            <a:lvl7pPr marL="3200400" lvl="6" indent="-304800">
               <a:spcBef>
                 <a:spcPts val="0"/>
               </a:spcBef>
@@ -3904,7 +4002,7 @@
               <a:buChar char="●"/>
               <a:defRPr sz="1200"/>
             </a:lvl7pPr>
-            <a:lvl8pPr indent="-304800" lvl="7" marL="3657600">
+            <a:lvl8pPr marL="3657600" lvl="7" indent="-304800">
               <a:spcBef>
                 <a:spcPts val="0"/>
               </a:spcBef>
@@ -3915,7 +4013,7 @@
               <a:buChar char="○"/>
               <a:defRPr sz="1200"/>
             </a:lvl8pPr>
-            <a:lvl9pPr indent="-304800" lvl="8" marL="4114800">
+            <a:lvl9pPr marL="4114800" lvl="8" indent="-304800">
               <a:spcBef>
                 <a:spcPts val="0"/>
               </a:spcBef>
@@ -3927,15 +4025,19 @@
               <a:defRPr sz="1200"/>
             </a:lvl9pPr>
           </a:lstStyle>
-          <a:p/>
+          <a:p>
+            <a:endParaRPr/>
+          </a:p>
         </p:txBody>
       </p:sp>
       <p:sp>
         <p:nvSpPr>
           <p:cNvPr id="35" name="Google Shape;35;p5"/>
-          <p:cNvSpPr txBox="1"/>
+          <p:cNvSpPr txBox="1">
+            <a:spLocks noGrp="1"/>
+          </p:cNvSpPr>
           <p:nvPr>
-            <p:ph idx="12" type="sldNum"/>
+            <p:ph type="sldNum" idx="12"/>
           </p:nvPr>
         </p:nvSpPr>
         <p:spPr>
@@ -3948,7 +4050,7 @@
           </a:prstGeom>
         </p:spPr>
         <p:txBody>
-          <a:bodyPr anchorCtr="0" anchor="ctr" bIns="91425" lIns="91425" spcFirstLastPara="1" rIns="91425" wrap="square" tIns="91425">
+          <a:bodyPr spcFirstLastPara="1" wrap="square" lIns="91425" tIns="91425" rIns="91425" bIns="91425" anchor="ctr" anchorCtr="0">
             <a:normAutofit/>
           </a:bodyPr>
           <a:lstStyle>
@@ -3990,7 +4092,7 @@
             </a:lvl9pPr>
           </a:lstStyle>
           <a:p>
-            <a:pPr indent="0" lvl="0" marL="0" rtl="0" algn="r">
+            <a:pPr marL="0" lvl="0" indent="0" algn="r" rtl="0">
               <a:spcBef>
                 <a:spcPts val="0"/>
               </a:spcBef>
@@ -4001,7 +4103,7 @@
             </a:pPr>
             <a:fld id="{00000000-1234-1234-1234-123412341234}" type="slidenum">
               <a:rPr lang="it"/>
-              <a:t>‹#›</a:t>
+              <a:t>‹N›</a:t>
             </a:fld>
             <a:endParaRPr/>
           </a:p>
@@ -4016,11 +4118,11 @@
 </file>
 
 <file path=ppt/slideLayouts/slideLayout5.xml><?xml version="1.0" encoding="utf-8"?>
-<p:sldLayout xmlns:a="http://schemas.openxmlformats.org/drawingml/2006/main" xmlns:r="http://schemas.openxmlformats.org/officeDocument/2006/relationships" xmlns:mc="http://schemas.openxmlformats.org/markup-compatibility/2006" xmlns:mv="urn:schemas-microsoft-com:mac:vml" xmlns:p="http://schemas.openxmlformats.org/presentationml/2006/main" xmlns:c="http://schemas.openxmlformats.org/drawingml/2006/chart" xmlns:dgm="http://schemas.openxmlformats.org/drawingml/2006/diagram" xmlns:o="urn:schemas-microsoft-com:office:office" xmlns:v="urn:schemas-microsoft-com:vml" xmlns:pvml="urn:schemas-microsoft-com:office:powerpoint" xmlns:com="http://schemas.openxmlformats.org/drawingml/2006/compatibility" xmlns:p14="http://schemas.microsoft.com/office/powerpoint/2010/main" xmlns:p15="http://schemas.microsoft.com/office/powerpoint/2012/main" xmlns:ahyp="http://schemas.microsoft.com/office/drawing/2018/hyperlinkcolor" matchingName="Title only" type="titleOnly">
+<p:sldLayout xmlns:a="http://schemas.openxmlformats.org/drawingml/2006/main" xmlns:r="http://schemas.openxmlformats.org/officeDocument/2006/relationships" xmlns:p="http://schemas.openxmlformats.org/presentationml/2006/main" matchingName="Title only" type="titleOnly">
   <p:cSld name="TITLE_ONLY">
     <p:spTree>
       <p:nvGrpSpPr>
-        <p:cNvPr id="36" name="Shape 36"/>
+        <p:cNvPr id="1" name="Shape 36"/>
         <p:cNvGrpSpPr/>
         <p:nvPr/>
       </p:nvGrpSpPr>
@@ -4035,7 +4137,9 @@
       <p:sp>
         <p:nvSpPr>
           <p:cNvPr id="37" name="Google Shape;37;p6"/>
-          <p:cNvSpPr txBox="1"/>
+          <p:cNvSpPr txBox="1">
+            <a:spLocks noGrp="1"/>
+          </p:cNvSpPr>
           <p:nvPr>
             <p:ph type="title"/>
           </p:nvPr>
@@ -4050,7 +4154,7 @@
           </a:prstGeom>
         </p:spPr>
         <p:txBody>
-          <a:bodyPr anchorCtr="0" anchor="t" bIns="91425" lIns="91425" spcFirstLastPara="1" rIns="91425" wrap="square" tIns="91425">
+          <a:bodyPr spcFirstLastPara="1" wrap="square" lIns="91425" tIns="91425" rIns="91425" bIns="91425" anchor="t" anchorCtr="0">
             <a:normAutofit/>
           </a:bodyPr>
           <a:lstStyle>
@@ -4154,15 +4258,19 @@
               <a:defRPr/>
             </a:lvl9pPr>
           </a:lstStyle>
-          <a:p/>
+          <a:p>
+            <a:endParaRPr/>
+          </a:p>
         </p:txBody>
       </p:sp>
       <p:sp>
         <p:nvSpPr>
           <p:cNvPr id="38" name="Google Shape;38;p6"/>
-          <p:cNvSpPr txBox="1"/>
+          <p:cNvSpPr txBox="1">
+            <a:spLocks noGrp="1"/>
+          </p:cNvSpPr>
           <p:nvPr>
-            <p:ph idx="12" type="sldNum"/>
+            <p:ph type="sldNum" idx="12"/>
           </p:nvPr>
         </p:nvSpPr>
         <p:spPr>
@@ -4175,7 +4283,7 @@
           </a:prstGeom>
         </p:spPr>
         <p:txBody>
-          <a:bodyPr anchorCtr="0" anchor="ctr" bIns="91425" lIns="91425" spcFirstLastPara="1" rIns="91425" wrap="square" tIns="91425">
+          <a:bodyPr spcFirstLastPara="1" wrap="square" lIns="91425" tIns="91425" rIns="91425" bIns="91425" anchor="ctr" anchorCtr="0">
             <a:normAutofit/>
           </a:bodyPr>
           <a:lstStyle>
@@ -4217,7 +4325,7 @@
             </a:lvl9pPr>
           </a:lstStyle>
           <a:p>
-            <a:pPr indent="0" lvl="0" marL="0" rtl="0" algn="r">
+            <a:pPr marL="0" lvl="0" indent="0" algn="r" rtl="0">
               <a:spcBef>
                 <a:spcPts val="0"/>
               </a:spcBef>
@@ -4228,7 +4336,7 @@
             </a:pPr>
             <a:fld id="{00000000-1234-1234-1234-123412341234}" type="slidenum">
               <a:rPr lang="it"/>
-              <a:t>‹#›</a:t>
+              <a:t>‹N›</a:t>
             </a:fld>
             <a:endParaRPr/>
           </a:p>
@@ -4243,11 +4351,11 @@
 </file>
 
 <file path=ppt/slideLayouts/slideLayout6.xml><?xml version="1.0" encoding="utf-8"?>
-<p:sldLayout xmlns:a="http://schemas.openxmlformats.org/drawingml/2006/main" xmlns:r="http://schemas.openxmlformats.org/officeDocument/2006/relationships" xmlns:mc="http://schemas.openxmlformats.org/markup-compatibility/2006" xmlns:mv="urn:schemas-microsoft-com:mac:vml" xmlns:p="http://schemas.openxmlformats.org/presentationml/2006/main" xmlns:c="http://schemas.openxmlformats.org/drawingml/2006/chart" xmlns:dgm="http://schemas.openxmlformats.org/drawingml/2006/diagram" xmlns:o="urn:schemas-microsoft-com:office:office" xmlns:v="urn:schemas-microsoft-com:vml" xmlns:pvml="urn:schemas-microsoft-com:office:powerpoint" xmlns:com="http://schemas.openxmlformats.org/drawingml/2006/compatibility" xmlns:p14="http://schemas.microsoft.com/office/powerpoint/2010/main" xmlns:p15="http://schemas.microsoft.com/office/powerpoint/2012/main" xmlns:ahyp="http://schemas.microsoft.com/office/drawing/2018/hyperlinkcolor" matchingName="One column text">
+<p:sldLayout xmlns:a="http://schemas.openxmlformats.org/drawingml/2006/main" xmlns:r="http://schemas.openxmlformats.org/officeDocument/2006/relationships" xmlns:p="http://schemas.openxmlformats.org/presentationml/2006/main" matchingName="One column text">
   <p:cSld name="ONE_COLUMN_TEXT">
     <p:spTree>
       <p:nvGrpSpPr>
-        <p:cNvPr id="39" name="Shape 39"/>
+        <p:cNvPr id="1" name="Shape 39"/>
         <p:cNvGrpSpPr/>
         <p:nvPr/>
       </p:nvGrpSpPr>
@@ -4274,21 +4382,23 @@
             <a:avLst/>
           </a:prstGeom>
           <a:noFill/>
-          <a:ln cap="flat" cmpd="sng" w="19050">
+          <a:ln w="19050" cap="flat" cmpd="sng">
             <a:solidFill>
               <a:schemeClr val="dk2"/>
             </a:solidFill>
             <a:prstDash val="solid"/>
             <a:round/>
-            <a:headEnd len="sm" w="sm" type="none"/>
-            <a:tailEnd len="sm" w="sm" type="none"/>
+            <a:headEnd type="none" w="sm" len="sm"/>
+            <a:tailEnd type="none" w="sm" len="sm"/>
           </a:ln>
         </p:spPr>
       </p:cxnSp>
       <p:sp>
         <p:nvSpPr>
           <p:cNvPr id="41" name="Google Shape;41;p7"/>
-          <p:cNvSpPr txBox="1"/>
+          <p:cNvSpPr txBox="1">
+            <a:spLocks noGrp="1"/>
+          </p:cNvSpPr>
           <p:nvPr>
             <p:ph type="title"/>
           </p:nvPr>
@@ -4303,7 +4413,7 @@
           </a:prstGeom>
         </p:spPr>
         <p:txBody>
-          <a:bodyPr anchorCtr="0" anchor="b" bIns="91425" lIns="91425" spcFirstLastPara="1" rIns="91425" wrap="square" tIns="91425">
+          <a:bodyPr spcFirstLastPara="1" wrap="square" lIns="91425" tIns="91425" rIns="91425" bIns="91425" anchor="b" anchorCtr="0">
             <a:normAutofit/>
           </a:bodyPr>
           <a:lstStyle>
@@ -4407,15 +4517,19 @@
               <a:defRPr sz="2400"/>
             </a:lvl9pPr>
           </a:lstStyle>
-          <a:p/>
+          <a:p>
+            <a:endParaRPr/>
+          </a:p>
         </p:txBody>
       </p:sp>
       <p:sp>
         <p:nvSpPr>
           <p:cNvPr id="42" name="Google Shape;42;p7"/>
-          <p:cNvSpPr txBox="1"/>
+          <p:cNvSpPr txBox="1">
+            <a:spLocks noGrp="1"/>
+          </p:cNvSpPr>
           <p:nvPr>
-            <p:ph idx="1" type="body"/>
+            <p:ph type="body" idx="1"/>
           </p:nvPr>
         </p:nvSpPr>
         <p:spPr>
@@ -4428,11 +4542,11 @@
           </a:prstGeom>
         </p:spPr>
         <p:txBody>
-          <a:bodyPr anchorCtr="0" anchor="t" bIns="91425" lIns="91425" spcFirstLastPara="1" rIns="91425" wrap="square" tIns="91425">
+          <a:bodyPr spcFirstLastPara="1" wrap="square" lIns="91425" tIns="91425" rIns="91425" bIns="91425" anchor="t" anchorCtr="0">
             <a:normAutofit/>
           </a:bodyPr>
           <a:lstStyle>
-            <a:lvl1pPr indent="-304800" lvl="0" marL="457200">
+            <a:lvl1pPr marL="457200" lvl="0" indent="-304800">
               <a:spcBef>
                 <a:spcPts val="0"/>
               </a:spcBef>
@@ -4443,7 +4557,7 @@
               <a:buChar char="●"/>
               <a:defRPr sz="1200"/>
             </a:lvl1pPr>
-            <a:lvl2pPr indent="-304800" lvl="1" marL="914400">
+            <a:lvl2pPr marL="914400" lvl="1" indent="-304800">
               <a:spcBef>
                 <a:spcPts val="0"/>
               </a:spcBef>
@@ -4454,7 +4568,7 @@
               <a:buChar char="○"/>
               <a:defRPr sz="1200"/>
             </a:lvl2pPr>
-            <a:lvl3pPr indent="-304800" lvl="2" marL="1371600">
+            <a:lvl3pPr marL="1371600" lvl="2" indent="-304800">
               <a:spcBef>
                 <a:spcPts val="0"/>
               </a:spcBef>
@@ -4465,7 +4579,7 @@
               <a:buChar char="■"/>
               <a:defRPr sz="1200"/>
             </a:lvl3pPr>
-            <a:lvl4pPr indent="-304800" lvl="3" marL="1828800">
+            <a:lvl4pPr marL="1828800" lvl="3" indent="-304800">
               <a:spcBef>
                 <a:spcPts val="0"/>
               </a:spcBef>
@@ -4476,7 +4590,7 @@
               <a:buChar char="●"/>
               <a:defRPr sz="1200"/>
             </a:lvl4pPr>
-            <a:lvl5pPr indent="-304800" lvl="4" marL="2286000">
+            <a:lvl5pPr marL="2286000" lvl="4" indent="-304800">
               <a:spcBef>
                 <a:spcPts val="0"/>
               </a:spcBef>
@@ -4487,7 +4601,7 @@
               <a:buChar char="○"/>
               <a:defRPr sz="1200"/>
             </a:lvl5pPr>
-            <a:lvl6pPr indent="-304800" lvl="5" marL="2743200">
+            <a:lvl6pPr marL="2743200" lvl="5" indent="-304800">
               <a:spcBef>
                 <a:spcPts val="0"/>
               </a:spcBef>
@@ -4498,7 +4612,7 @@
               <a:buChar char="■"/>
               <a:defRPr sz="1200"/>
             </a:lvl6pPr>
-            <a:lvl7pPr indent="-304800" lvl="6" marL="3200400">
+            <a:lvl7pPr marL="3200400" lvl="6" indent="-304800">
               <a:spcBef>
                 <a:spcPts val="0"/>
               </a:spcBef>
@@ -4509,7 +4623,7 @@
               <a:buChar char="●"/>
               <a:defRPr sz="1200"/>
             </a:lvl7pPr>
-            <a:lvl8pPr indent="-304800" lvl="7" marL="3657600">
+            <a:lvl8pPr marL="3657600" lvl="7" indent="-304800">
               <a:spcBef>
                 <a:spcPts val="0"/>
               </a:spcBef>
@@ -4520,7 +4634,7 @@
               <a:buChar char="○"/>
               <a:defRPr sz="1200"/>
             </a:lvl8pPr>
-            <a:lvl9pPr indent="-304800" lvl="8" marL="4114800">
+            <a:lvl9pPr marL="4114800" lvl="8" indent="-304800">
               <a:spcBef>
                 <a:spcPts val="0"/>
               </a:spcBef>
@@ -4532,15 +4646,19 @@
               <a:defRPr sz="1200"/>
             </a:lvl9pPr>
           </a:lstStyle>
-          <a:p/>
+          <a:p>
+            <a:endParaRPr/>
+          </a:p>
         </p:txBody>
       </p:sp>
       <p:sp>
         <p:nvSpPr>
           <p:cNvPr id="43" name="Google Shape;43;p7"/>
-          <p:cNvSpPr txBox="1"/>
+          <p:cNvSpPr txBox="1">
+            <a:spLocks noGrp="1"/>
+          </p:cNvSpPr>
           <p:nvPr>
-            <p:ph idx="12" type="sldNum"/>
+            <p:ph type="sldNum" idx="12"/>
           </p:nvPr>
         </p:nvSpPr>
         <p:spPr>
@@ -4553,7 +4671,7 @@
           </a:prstGeom>
         </p:spPr>
         <p:txBody>
-          <a:bodyPr anchorCtr="0" anchor="ctr" bIns="91425" lIns="91425" spcFirstLastPara="1" rIns="91425" wrap="square" tIns="91425">
+          <a:bodyPr spcFirstLastPara="1" wrap="square" lIns="91425" tIns="91425" rIns="91425" bIns="91425" anchor="ctr" anchorCtr="0">
             <a:normAutofit/>
           </a:bodyPr>
           <a:lstStyle>
@@ -4595,7 +4713,7 @@
             </a:lvl9pPr>
           </a:lstStyle>
           <a:p>
-            <a:pPr indent="0" lvl="0" marL="0" rtl="0" algn="r">
+            <a:pPr marL="0" lvl="0" indent="0" algn="r" rtl="0">
               <a:spcBef>
                 <a:spcPts val="0"/>
               </a:spcBef>
@@ -4606,7 +4724,7 @@
             </a:pPr>
             <a:fld id="{00000000-1234-1234-1234-123412341234}" type="slidenum">
               <a:rPr lang="it"/>
-              <a:t>‹#›</a:t>
+              <a:t>‹N›</a:t>
             </a:fld>
             <a:endParaRPr/>
           </a:p>
@@ -4621,18 +4739,19 @@
 </file>
 
 <file path=ppt/slideLayouts/slideLayout7.xml><?xml version="1.0" encoding="utf-8"?>
-<p:sldLayout xmlns:a="http://schemas.openxmlformats.org/drawingml/2006/main" xmlns:r="http://schemas.openxmlformats.org/officeDocument/2006/relationships" xmlns:mc="http://schemas.openxmlformats.org/markup-compatibility/2006" xmlns:mv="urn:schemas-microsoft-com:mac:vml" xmlns:p="http://schemas.openxmlformats.org/presentationml/2006/main" xmlns:c="http://schemas.openxmlformats.org/drawingml/2006/chart" xmlns:dgm="http://schemas.openxmlformats.org/drawingml/2006/diagram" xmlns:o="urn:schemas-microsoft-com:office:office" xmlns:v="urn:schemas-microsoft-com:vml" xmlns:pvml="urn:schemas-microsoft-com:office:powerpoint" xmlns:com="http://schemas.openxmlformats.org/drawingml/2006/compatibility" xmlns:p14="http://schemas.microsoft.com/office/powerpoint/2010/main" xmlns:p15="http://schemas.microsoft.com/office/powerpoint/2012/main" xmlns:ahyp="http://schemas.microsoft.com/office/drawing/2018/hyperlinkcolor" matchingName="Main point">
+<p:sldLayout xmlns:a="http://schemas.openxmlformats.org/drawingml/2006/main" xmlns:r="http://schemas.openxmlformats.org/officeDocument/2006/relationships" xmlns:p="http://schemas.openxmlformats.org/presentationml/2006/main" matchingName="Main point">
   <p:cSld name="MAIN_POINT">
     <p:bg>
       <p:bgPr>
         <a:solidFill>
           <a:schemeClr val="lt2"/>
         </a:solidFill>
+        <a:effectLst/>
       </p:bgPr>
     </p:bg>
     <p:spTree>
       <p:nvGrpSpPr>
-        <p:cNvPr id="44" name="Shape 44"/>
+        <p:cNvPr id="1" name="Shape 44"/>
         <p:cNvGrpSpPr/>
         <p:nvPr/>
       </p:nvGrpSpPr>
@@ -4659,21 +4778,23 @@
             <a:avLst/>
           </a:prstGeom>
           <a:noFill/>
-          <a:ln cap="flat" cmpd="sng" w="19050">
+          <a:ln w="19050" cap="flat" cmpd="sng">
             <a:solidFill>
               <a:schemeClr val="lt1"/>
             </a:solidFill>
             <a:prstDash val="solid"/>
             <a:round/>
-            <a:headEnd len="sm" w="sm" type="none"/>
-            <a:tailEnd len="sm" w="sm" type="none"/>
+            <a:headEnd type="none" w="sm" len="sm"/>
+            <a:tailEnd type="none" w="sm" len="sm"/>
           </a:ln>
         </p:spPr>
       </p:cxnSp>
       <p:sp>
         <p:nvSpPr>
           <p:cNvPr id="46" name="Google Shape;46;p8"/>
-          <p:cNvSpPr txBox="1"/>
+          <p:cNvSpPr txBox="1">
+            <a:spLocks noGrp="1"/>
+          </p:cNvSpPr>
           <p:nvPr>
             <p:ph type="title"/>
           </p:nvPr>
@@ -4688,7 +4809,7 @@
           </a:prstGeom>
         </p:spPr>
         <p:txBody>
-          <a:bodyPr anchorCtr="0" anchor="ctr" bIns="91425" lIns="91425" spcFirstLastPara="1" rIns="91425" wrap="square" tIns="91425">
+          <a:bodyPr spcFirstLastPara="1" wrap="square" lIns="91425" tIns="91425" rIns="91425" bIns="91425" anchor="ctr" anchorCtr="0">
             <a:normAutofit/>
           </a:bodyPr>
           <a:lstStyle>
@@ -4855,15 +4976,19 @@
               </a:defRPr>
             </a:lvl9pPr>
           </a:lstStyle>
-          <a:p/>
+          <a:p>
+            <a:endParaRPr/>
+          </a:p>
         </p:txBody>
       </p:sp>
       <p:sp>
         <p:nvSpPr>
           <p:cNvPr id="47" name="Google Shape;47;p8"/>
-          <p:cNvSpPr txBox="1"/>
+          <p:cNvSpPr txBox="1">
+            <a:spLocks noGrp="1"/>
+          </p:cNvSpPr>
           <p:nvPr>
-            <p:ph idx="12" type="sldNum"/>
+            <p:ph type="sldNum" idx="12"/>
           </p:nvPr>
         </p:nvSpPr>
         <p:spPr>
@@ -4876,7 +5001,7 @@
           </a:prstGeom>
         </p:spPr>
         <p:txBody>
-          <a:bodyPr anchorCtr="0" anchor="ctr" bIns="91425" lIns="91425" spcFirstLastPara="1" rIns="91425" wrap="square" tIns="91425">
+          <a:bodyPr spcFirstLastPara="1" wrap="square" lIns="91425" tIns="91425" rIns="91425" bIns="91425" anchor="ctr" anchorCtr="0">
             <a:normAutofit/>
           </a:bodyPr>
           <a:lstStyle>
@@ -4954,7 +5079,7 @@
             </a:lvl9pPr>
           </a:lstStyle>
           <a:p>
-            <a:pPr indent="0" lvl="0" marL="0" rtl="0" algn="r">
+            <a:pPr marL="0" lvl="0" indent="0" algn="r" rtl="0">
               <a:spcBef>
                 <a:spcPts val="0"/>
               </a:spcBef>
@@ -4965,7 +5090,7 @@
             </a:pPr>
             <a:fld id="{00000000-1234-1234-1234-123412341234}" type="slidenum">
               <a:rPr lang="it"/>
-              <a:t>‹#›</a:t>
+              <a:t>‹N›</a:t>
             </a:fld>
             <a:endParaRPr/>
           </a:p>
@@ -4980,11 +5105,11 @@
 </file>
 
 <file path=ppt/slideLayouts/slideLayout8.xml><?xml version="1.0" encoding="utf-8"?>
-<p:sldLayout xmlns:a="http://schemas.openxmlformats.org/drawingml/2006/main" xmlns:r="http://schemas.openxmlformats.org/officeDocument/2006/relationships" xmlns:mc="http://schemas.openxmlformats.org/markup-compatibility/2006" xmlns:mv="urn:schemas-microsoft-com:mac:vml" xmlns:p="http://schemas.openxmlformats.org/presentationml/2006/main" xmlns:c="http://schemas.openxmlformats.org/drawingml/2006/chart" xmlns:dgm="http://schemas.openxmlformats.org/drawingml/2006/diagram" xmlns:o="urn:schemas-microsoft-com:office:office" xmlns:v="urn:schemas-microsoft-com:vml" xmlns:pvml="urn:schemas-microsoft-com:office:powerpoint" xmlns:com="http://schemas.openxmlformats.org/drawingml/2006/compatibility" xmlns:p14="http://schemas.microsoft.com/office/powerpoint/2010/main" xmlns:p15="http://schemas.microsoft.com/office/powerpoint/2012/main" xmlns:ahyp="http://schemas.microsoft.com/office/drawing/2018/hyperlinkcolor" matchingName="Section title and description">
+<p:sldLayout xmlns:a="http://schemas.openxmlformats.org/drawingml/2006/main" xmlns:r="http://schemas.openxmlformats.org/officeDocument/2006/relationships" xmlns:p="http://schemas.openxmlformats.org/presentationml/2006/main" matchingName="Section title and description">
   <p:cSld name="SECTION_TITLE_AND_DESCRIPTION">
     <p:spTree>
       <p:nvGrpSpPr>
-        <p:cNvPr id="48" name="Shape 48"/>
+        <p:cNvPr id="1" name="Shape 48"/>
         <p:cNvGrpSpPr/>
         <p:nvPr/>
       </p:nvGrpSpPr>
@@ -5018,12 +5143,12 @@
           </a:ln>
         </p:spPr>
         <p:txBody>
-          <a:bodyPr anchorCtr="0" anchor="ctr" bIns="91425" lIns="91425" spcFirstLastPara="1" rIns="91425" wrap="square" tIns="91425">
+          <a:bodyPr spcFirstLastPara="1" wrap="square" lIns="91425" tIns="91425" rIns="91425" bIns="91425" anchor="ctr" anchorCtr="0">
             <a:noAutofit/>
           </a:bodyPr>
           <a:lstStyle/>
           <a:p>
-            <a:pPr indent="0" lvl="0" marL="0" rtl="0" algn="l">
+            <a:pPr marL="0" lvl="0" indent="0" algn="l" rtl="0">
               <a:spcBef>
                 <a:spcPts val="0"/>
               </a:spcBef>
@@ -5032,9 +5157,6 @@
               </a:spcAft>
               <a:buNone/>
             </a:pPr>
-            <a:r>
-              <a:t/>
-            </a:r>
             <a:endParaRPr/>
           </a:p>
         </p:txBody>
@@ -5054,21 +5176,23 @@
             <a:avLst/>
           </a:prstGeom>
           <a:noFill/>
-          <a:ln cap="flat" cmpd="sng" w="19050">
+          <a:ln w="19050" cap="flat" cmpd="sng">
             <a:solidFill>
               <a:schemeClr val="lt1"/>
             </a:solidFill>
             <a:prstDash val="solid"/>
             <a:round/>
-            <a:headEnd len="sm" w="sm" type="none"/>
-            <a:tailEnd len="sm" w="sm" type="none"/>
+            <a:headEnd type="none" w="sm" len="sm"/>
+            <a:tailEnd type="none" w="sm" len="sm"/>
           </a:ln>
         </p:spPr>
       </p:cxnSp>
       <p:sp>
         <p:nvSpPr>
           <p:cNvPr id="51" name="Google Shape;51;p9"/>
-          <p:cNvSpPr txBox="1"/>
+          <p:cNvSpPr txBox="1">
+            <a:spLocks noGrp="1"/>
+          </p:cNvSpPr>
           <p:nvPr>
             <p:ph type="title"/>
           </p:nvPr>
@@ -5083,7 +5207,7 @@
           </a:prstGeom>
         </p:spPr>
         <p:txBody>
-          <a:bodyPr anchorCtr="0" anchor="b" bIns="91425" lIns="91425" spcFirstLastPara="1" rIns="91425" wrap="square" tIns="91425">
+          <a:bodyPr spcFirstLastPara="1" wrap="square" lIns="91425" tIns="91425" rIns="91425" bIns="91425" anchor="b" anchorCtr="0">
             <a:normAutofit/>
           </a:bodyPr>
           <a:lstStyle>
@@ -5250,15 +5374,19 @@
               </a:defRPr>
             </a:lvl9pPr>
           </a:lstStyle>
-          <a:p/>
+          <a:p>
+            <a:endParaRPr/>
+          </a:p>
         </p:txBody>
       </p:sp>
       <p:sp>
         <p:nvSpPr>
           <p:cNvPr id="52" name="Google Shape;52;p9"/>
-          <p:cNvSpPr txBox="1"/>
+          <p:cNvSpPr txBox="1">
+            <a:spLocks noGrp="1"/>
+          </p:cNvSpPr>
           <p:nvPr>
-            <p:ph idx="1" type="subTitle"/>
+            <p:ph type="subTitle" idx="1"/>
           </p:nvPr>
         </p:nvSpPr>
         <p:spPr>
@@ -5271,7 +5399,7 @@
           </a:prstGeom>
         </p:spPr>
         <p:txBody>
-          <a:bodyPr anchorCtr="0" anchor="t" bIns="91425" lIns="91425" spcFirstLastPara="1" rIns="91425" wrap="square" tIns="91425">
+          <a:bodyPr spcFirstLastPara="1" wrap="square" lIns="91425" tIns="91425" rIns="91425" bIns="91425" anchor="t" anchorCtr="0">
             <a:normAutofit/>
           </a:bodyPr>
           <a:lstStyle>
@@ -5402,15 +5530,19 @@
               <a:defRPr sz="2100"/>
             </a:lvl9pPr>
           </a:lstStyle>
-          <a:p/>
+          <a:p>
+            <a:endParaRPr/>
+          </a:p>
         </p:txBody>
       </p:sp>
       <p:sp>
         <p:nvSpPr>
           <p:cNvPr id="53" name="Google Shape;53;p9"/>
-          <p:cNvSpPr txBox="1"/>
+          <p:cNvSpPr txBox="1">
+            <a:spLocks noGrp="1"/>
+          </p:cNvSpPr>
           <p:nvPr>
-            <p:ph idx="2" type="body"/>
+            <p:ph type="body" idx="2"/>
           </p:nvPr>
         </p:nvSpPr>
         <p:spPr>
@@ -5423,11 +5555,11 @@
           </a:prstGeom>
         </p:spPr>
         <p:txBody>
-          <a:bodyPr anchorCtr="0" anchor="ctr" bIns="91425" lIns="91425" spcFirstLastPara="1" rIns="91425" wrap="square" tIns="91425">
+          <a:bodyPr spcFirstLastPara="1" wrap="square" lIns="91425" tIns="91425" rIns="91425" bIns="91425" anchor="ctr" anchorCtr="0">
             <a:normAutofit/>
           </a:bodyPr>
           <a:lstStyle>
-            <a:lvl1pPr indent="-342900" lvl="0" marL="457200">
+            <a:lvl1pPr marL="457200" lvl="0" indent="-342900">
               <a:spcBef>
                 <a:spcPts val="0"/>
               </a:spcBef>
@@ -5445,7 +5577,7 @@
                 </a:solidFill>
               </a:defRPr>
             </a:lvl1pPr>
-            <a:lvl2pPr indent="-317500" lvl="1" marL="914400">
+            <a:lvl2pPr marL="914400" lvl="1" indent="-317500">
               <a:spcBef>
                 <a:spcPts val="0"/>
               </a:spcBef>
@@ -5463,7 +5595,7 @@
                 </a:solidFill>
               </a:defRPr>
             </a:lvl2pPr>
-            <a:lvl3pPr indent="-317500" lvl="2" marL="1371600">
+            <a:lvl3pPr marL="1371600" lvl="2" indent="-317500">
               <a:spcBef>
                 <a:spcPts val="0"/>
               </a:spcBef>
@@ -5481,7 +5613,7 @@
                 </a:solidFill>
               </a:defRPr>
             </a:lvl3pPr>
-            <a:lvl4pPr indent="-317500" lvl="3" marL="1828800">
+            <a:lvl4pPr marL="1828800" lvl="3" indent="-317500">
               <a:spcBef>
                 <a:spcPts val="0"/>
               </a:spcBef>
@@ -5499,7 +5631,7 @@
                 </a:solidFill>
               </a:defRPr>
             </a:lvl4pPr>
-            <a:lvl5pPr indent="-317500" lvl="4" marL="2286000">
+            <a:lvl5pPr marL="2286000" lvl="4" indent="-317500">
               <a:spcBef>
                 <a:spcPts val="0"/>
               </a:spcBef>
@@ -5517,7 +5649,7 @@
                 </a:solidFill>
               </a:defRPr>
             </a:lvl5pPr>
-            <a:lvl6pPr indent="-317500" lvl="5" marL="2743200">
+            <a:lvl6pPr marL="2743200" lvl="5" indent="-317500">
               <a:spcBef>
                 <a:spcPts val="0"/>
               </a:spcBef>
@@ -5535,7 +5667,7 @@
                 </a:solidFill>
               </a:defRPr>
             </a:lvl6pPr>
-            <a:lvl7pPr indent="-317500" lvl="6" marL="3200400">
+            <a:lvl7pPr marL="3200400" lvl="6" indent="-317500">
               <a:spcBef>
                 <a:spcPts val="0"/>
               </a:spcBef>
@@ -5553,7 +5685,7 @@
                 </a:solidFill>
               </a:defRPr>
             </a:lvl7pPr>
-            <a:lvl8pPr indent="-317500" lvl="7" marL="3657600">
+            <a:lvl8pPr marL="3657600" lvl="7" indent="-317500">
               <a:spcBef>
                 <a:spcPts val="0"/>
               </a:spcBef>
@@ -5571,7 +5703,7 @@
                 </a:solidFill>
               </a:defRPr>
             </a:lvl8pPr>
-            <a:lvl9pPr indent="-317500" lvl="8" marL="4114800">
+            <a:lvl9pPr marL="4114800" lvl="8" indent="-317500">
               <a:spcBef>
                 <a:spcPts val="0"/>
               </a:spcBef>
@@ -5590,15 +5722,19 @@
               </a:defRPr>
             </a:lvl9pPr>
           </a:lstStyle>
-          <a:p/>
+          <a:p>
+            <a:endParaRPr/>
+          </a:p>
         </p:txBody>
       </p:sp>
       <p:sp>
         <p:nvSpPr>
           <p:cNvPr id="54" name="Google Shape;54;p9"/>
-          <p:cNvSpPr txBox="1"/>
+          <p:cNvSpPr txBox="1">
+            <a:spLocks noGrp="1"/>
+          </p:cNvSpPr>
           <p:nvPr>
-            <p:ph idx="12" type="sldNum"/>
+            <p:ph type="sldNum" idx="12"/>
           </p:nvPr>
         </p:nvSpPr>
         <p:spPr>
@@ -5611,7 +5747,7 @@
           </a:prstGeom>
         </p:spPr>
         <p:txBody>
-          <a:bodyPr anchorCtr="0" anchor="ctr" bIns="91425" lIns="91425" spcFirstLastPara="1" rIns="91425" wrap="square" tIns="91425">
+          <a:bodyPr spcFirstLastPara="1" wrap="square" lIns="91425" tIns="91425" rIns="91425" bIns="91425" anchor="ctr" anchorCtr="0">
             <a:normAutofit/>
           </a:bodyPr>
           <a:lstStyle>
@@ -5689,7 +5825,7 @@
             </a:lvl9pPr>
           </a:lstStyle>
           <a:p>
-            <a:pPr indent="0" lvl="0" marL="0" rtl="0" algn="r">
+            <a:pPr marL="0" lvl="0" indent="0" algn="r" rtl="0">
               <a:spcBef>
                 <a:spcPts val="0"/>
               </a:spcBef>
@@ -5700,7 +5836,7 @@
             </a:pPr>
             <a:fld id="{00000000-1234-1234-1234-123412341234}" type="slidenum">
               <a:rPr lang="it"/>
-              <a:t>‹#›</a:t>
+              <a:t>‹N›</a:t>
             </a:fld>
             <a:endParaRPr/>
           </a:p>
@@ -5715,11 +5851,11 @@
 </file>
 
 <file path=ppt/slideLayouts/slideLayout9.xml><?xml version="1.0" encoding="utf-8"?>
-<p:sldLayout xmlns:a="http://schemas.openxmlformats.org/drawingml/2006/main" xmlns:r="http://schemas.openxmlformats.org/officeDocument/2006/relationships" xmlns:mc="http://schemas.openxmlformats.org/markup-compatibility/2006" xmlns:mv="urn:schemas-microsoft-com:mac:vml" xmlns:p="http://schemas.openxmlformats.org/presentationml/2006/main" xmlns:c="http://schemas.openxmlformats.org/drawingml/2006/chart" xmlns:dgm="http://schemas.openxmlformats.org/drawingml/2006/diagram" xmlns:o="urn:schemas-microsoft-com:office:office" xmlns:v="urn:schemas-microsoft-com:vml" xmlns:pvml="urn:schemas-microsoft-com:office:powerpoint" xmlns:com="http://schemas.openxmlformats.org/drawingml/2006/compatibility" xmlns:p14="http://schemas.microsoft.com/office/powerpoint/2010/main" xmlns:p15="http://schemas.microsoft.com/office/powerpoint/2012/main" xmlns:ahyp="http://schemas.microsoft.com/office/drawing/2018/hyperlinkcolor" matchingName="Caption">
+<p:sldLayout xmlns:a="http://schemas.openxmlformats.org/drawingml/2006/main" xmlns:r="http://schemas.openxmlformats.org/officeDocument/2006/relationships" xmlns:p="http://schemas.openxmlformats.org/presentationml/2006/main" matchingName="Caption">
   <p:cSld name="CAPTION_ONLY">
     <p:spTree>
       <p:nvGrpSpPr>
-        <p:cNvPr id="55" name="Shape 55"/>
+        <p:cNvPr id="1" name="Shape 55"/>
         <p:cNvGrpSpPr/>
         <p:nvPr/>
       </p:nvGrpSpPr>
@@ -5746,14 +5882,14 @@
             <a:avLst/>
           </a:prstGeom>
           <a:noFill/>
-          <a:ln cap="flat" cmpd="sng" w="19050">
+          <a:ln w="19050" cap="flat" cmpd="sng">
             <a:solidFill>
               <a:schemeClr val="dk2"/>
             </a:solidFill>
             <a:prstDash val="solid"/>
             <a:round/>
-            <a:headEnd len="sm" w="sm" type="none"/>
-            <a:tailEnd len="sm" w="sm" type="none"/>
+            <a:headEnd type="none" w="sm" len="sm"/>
+            <a:tailEnd type="none" w="sm" len="sm"/>
           </a:ln>
         </p:spPr>
       </p:cxnSp>
@@ -5772,23 +5908,25 @@
             <a:avLst/>
           </a:prstGeom>
           <a:noFill/>
-          <a:ln cap="flat" cmpd="sng" w="19050">
+          <a:ln w="19050" cap="flat" cmpd="sng">
             <a:solidFill>
               <a:schemeClr val="dk2"/>
             </a:solidFill>
             <a:prstDash val="solid"/>
             <a:round/>
-            <a:headEnd len="sm" w="sm" type="none"/>
-            <a:tailEnd len="sm" w="sm" type="none"/>
+            <a:headEnd type="none" w="sm" len="sm"/>
+            <a:tailEnd type="none" w="sm" len="sm"/>
           </a:ln>
         </p:spPr>
       </p:cxnSp>
       <p:sp>
         <p:nvSpPr>
           <p:cNvPr id="58" name="Google Shape;58;p10"/>
-          <p:cNvSpPr txBox="1"/>
+          <p:cNvSpPr txBox="1">
+            <a:spLocks noGrp="1"/>
+          </p:cNvSpPr>
           <p:nvPr>
-            <p:ph idx="1" type="body"/>
+            <p:ph type="body" idx="1"/>
           </p:nvPr>
         </p:nvSpPr>
         <p:spPr>
@@ -5801,11 +5939,11 @@
           </a:prstGeom>
         </p:spPr>
         <p:txBody>
-          <a:bodyPr anchorCtr="0" anchor="ctr" bIns="91425" lIns="91425" spcFirstLastPara="1" rIns="91425" wrap="square" tIns="91425">
+          <a:bodyPr spcFirstLastPara="1" wrap="square" lIns="91425" tIns="91425" rIns="91425" bIns="91425" anchor="ctr" anchorCtr="0">
             <a:normAutofit/>
           </a:bodyPr>
           <a:lstStyle>
-            <a:lvl1pPr indent="-228600" lvl="0" marL="457200">
+            <a:lvl1pPr marL="457200" lvl="0" indent="-228600">
               <a:lnSpc>
                 <a:spcPct val="100000"/>
               </a:lnSpc>
@@ -5820,15 +5958,19 @@
               <a:defRPr/>
             </a:lvl1pPr>
           </a:lstStyle>
-          <a:p/>
+          <a:p>
+            <a:endParaRPr/>
+          </a:p>
         </p:txBody>
       </p:sp>
       <p:sp>
         <p:nvSpPr>
           <p:cNvPr id="59" name="Google Shape;59;p10"/>
-          <p:cNvSpPr txBox="1"/>
+          <p:cNvSpPr txBox="1">
+            <a:spLocks noGrp="1"/>
+          </p:cNvSpPr>
           <p:nvPr>
-            <p:ph idx="12" type="sldNum"/>
+            <p:ph type="sldNum" idx="12"/>
           </p:nvPr>
         </p:nvSpPr>
         <p:spPr>
@@ -5841,7 +5983,7 @@
           </a:prstGeom>
         </p:spPr>
         <p:txBody>
-          <a:bodyPr anchorCtr="0" anchor="ctr" bIns="91425" lIns="91425" spcFirstLastPara="1" rIns="91425" wrap="square" tIns="91425">
+          <a:bodyPr spcFirstLastPara="1" wrap="square" lIns="91425" tIns="91425" rIns="91425" bIns="91425" anchor="ctr" anchorCtr="0">
             <a:normAutofit/>
           </a:bodyPr>
           <a:lstStyle>
@@ -5883,7 +6025,7 @@
             </a:lvl9pPr>
           </a:lstStyle>
           <a:p>
-            <a:pPr indent="0" lvl="0" marL="0" rtl="0" algn="r">
+            <a:pPr marL="0" lvl="0" indent="0" algn="r" rtl="0">
               <a:spcBef>
                 <a:spcPts val="0"/>
               </a:spcBef>
@@ -5894,7 +6036,7 @@
             </a:pPr>
             <a:fld id="{00000000-1234-1234-1234-123412341234}" type="slidenum">
               <a:rPr lang="it"/>
-              <a:t>‹#›</a:t>
+              <a:t>‹N›</a:t>
             </a:fld>
             <a:endParaRPr/>
           </a:p>
@@ -5909,18 +6051,19 @@
 </file>
 
 <file path=ppt/slideMasters/slideMaster1.xml><?xml version="1.0" encoding="utf-8"?>
-<p:sldMaster xmlns:a="http://schemas.openxmlformats.org/drawingml/2006/main" xmlns:r="http://schemas.openxmlformats.org/officeDocument/2006/relationships" xmlns:mc="http://schemas.openxmlformats.org/markup-compatibility/2006" xmlns:mv="urn:schemas-microsoft-com:mac:vml" xmlns:p="http://schemas.openxmlformats.org/presentationml/2006/main" xmlns:c="http://schemas.openxmlformats.org/drawingml/2006/chart" xmlns:dgm="http://schemas.openxmlformats.org/drawingml/2006/diagram" xmlns:o="urn:schemas-microsoft-com:office:office" xmlns:v="urn:schemas-microsoft-com:vml" xmlns:pvml="urn:schemas-microsoft-com:office:powerpoint" xmlns:com="http://schemas.openxmlformats.org/drawingml/2006/compatibility" xmlns:p14="http://schemas.microsoft.com/office/powerpoint/2010/main" xmlns:p15="http://schemas.microsoft.com/office/powerpoint/2012/main" xmlns:ahyp="http://schemas.microsoft.com/office/drawing/2018/hyperlinkcolor">
+<p:sldMaster xmlns:a="http://schemas.openxmlformats.org/drawingml/2006/main" xmlns:r="http://schemas.openxmlformats.org/officeDocument/2006/relationships" xmlns:p="http://schemas.openxmlformats.org/presentationml/2006/main">
   <p:cSld name="swiss-2">
     <p:bg>
       <p:bgPr>
         <a:solidFill>
           <a:schemeClr val="lt1"/>
         </a:solidFill>
+        <a:effectLst/>
       </p:bgPr>
     </p:bg>
     <p:spTree>
       <p:nvGrpSpPr>
-        <p:cNvPr id="5" name="Shape 5"/>
+        <p:cNvPr id="1" name="Shape 5"/>
         <p:cNvGrpSpPr/>
         <p:nvPr/>
       </p:nvGrpSpPr>
@@ -5935,7 +6078,9 @@
       <p:sp>
         <p:nvSpPr>
           <p:cNvPr id="6" name="Google Shape;6;p1"/>
-          <p:cNvSpPr txBox="1"/>
+          <p:cNvSpPr txBox="1">
+            <a:spLocks noGrp="1"/>
+          </p:cNvSpPr>
           <p:nvPr>
             <p:ph type="title"/>
           </p:nvPr>
@@ -5954,7 +6099,7 @@
           </a:ln>
         </p:spPr>
         <p:txBody>
-          <a:bodyPr anchorCtr="0" anchor="t" bIns="91425" lIns="91425" spcFirstLastPara="1" rIns="91425" wrap="square" tIns="91425">
+          <a:bodyPr spcFirstLastPara="1" wrap="square" lIns="91425" tIns="91425" rIns="91425" bIns="91425" anchor="t" anchorCtr="0">
             <a:normAutofit/>
           </a:bodyPr>
           <a:lstStyle>
@@ -5971,7 +6116,7 @@
               <a:buSzPts val="3000"/>
               <a:buFont typeface="Raleway"/>
               <a:buNone/>
-              <a:defRPr b="1" sz="3000">
+              <a:defRPr sz="3000" b="1">
                 <a:solidFill>
                   <a:schemeClr val="dk2"/>
                 </a:solidFill>
@@ -5994,7 +6139,7 @@
               <a:buSzPts val="3000"/>
               <a:buFont typeface="Raleway"/>
               <a:buNone/>
-              <a:defRPr b="1" sz="3000">
+              <a:defRPr sz="3000" b="1">
                 <a:solidFill>
                   <a:schemeClr val="dk2"/>
                 </a:solidFill>
@@ -6017,7 +6162,7 @@
               <a:buSzPts val="3000"/>
               <a:buFont typeface="Raleway"/>
               <a:buNone/>
-              <a:defRPr b="1" sz="3000">
+              <a:defRPr sz="3000" b="1">
                 <a:solidFill>
                   <a:schemeClr val="dk2"/>
                 </a:solidFill>
@@ -6040,7 +6185,7 @@
               <a:buSzPts val="3000"/>
               <a:buFont typeface="Raleway"/>
               <a:buNone/>
-              <a:defRPr b="1" sz="3000">
+              <a:defRPr sz="3000" b="1">
                 <a:solidFill>
                   <a:schemeClr val="dk2"/>
                 </a:solidFill>
@@ -6063,7 +6208,7 @@
               <a:buSzPts val="3000"/>
               <a:buFont typeface="Raleway"/>
               <a:buNone/>
-              <a:defRPr b="1" sz="3000">
+              <a:defRPr sz="3000" b="1">
                 <a:solidFill>
                   <a:schemeClr val="dk2"/>
                 </a:solidFill>
@@ -6086,7 +6231,7 @@
               <a:buSzPts val="3000"/>
               <a:buFont typeface="Raleway"/>
               <a:buNone/>
-              <a:defRPr b="1" sz="3000">
+              <a:defRPr sz="3000" b="1">
                 <a:solidFill>
                   <a:schemeClr val="dk2"/>
                 </a:solidFill>
@@ -6109,7 +6254,7 @@
               <a:buSzPts val="3000"/>
               <a:buFont typeface="Raleway"/>
               <a:buNone/>
-              <a:defRPr b="1" sz="3000">
+              <a:defRPr sz="3000" b="1">
                 <a:solidFill>
                   <a:schemeClr val="dk2"/>
                 </a:solidFill>
@@ -6132,7 +6277,7 @@
               <a:buSzPts val="3000"/>
               <a:buFont typeface="Raleway"/>
               <a:buNone/>
-              <a:defRPr b="1" sz="3000">
+              <a:defRPr sz="3000" b="1">
                 <a:solidFill>
                   <a:schemeClr val="dk2"/>
                 </a:solidFill>
@@ -6155,7 +6300,7 @@
               <a:buSzPts val="3000"/>
               <a:buFont typeface="Raleway"/>
               <a:buNone/>
-              <a:defRPr b="1" sz="3000">
+              <a:defRPr sz="3000" b="1">
                 <a:solidFill>
                   <a:schemeClr val="dk2"/>
                 </a:solidFill>
@@ -6166,15 +6311,19 @@
               </a:defRPr>
             </a:lvl9pPr>
           </a:lstStyle>
-          <a:p/>
+          <a:p>
+            <a:endParaRPr/>
+          </a:p>
         </p:txBody>
       </p:sp>
       <p:sp>
         <p:nvSpPr>
           <p:cNvPr id="7" name="Google Shape;7;p1"/>
-          <p:cNvSpPr txBox="1"/>
+          <p:cNvSpPr txBox="1">
+            <a:spLocks noGrp="1"/>
+          </p:cNvSpPr>
           <p:nvPr>
-            <p:ph idx="1" type="body"/>
+            <p:ph type="body" idx="1"/>
           </p:nvPr>
         </p:nvSpPr>
         <p:spPr>
@@ -6191,11 +6340,11 @@
           </a:ln>
         </p:spPr>
         <p:txBody>
-          <a:bodyPr anchorCtr="0" anchor="t" bIns="91425" lIns="91425" spcFirstLastPara="1" rIns="91425" wrap="square" tIns="91425">
+          <a:bodyPr spcFirstLastPara="1" wrap="square" lIns="91425" tIns="91425" rIns="91425" bIns="91425" anchor="t" anchorCtr="0">
             <a:normAutofit/>
           </a:bodyPr>
           <a:lstStyle>
-            <a:lvl1pPr indent="-342900" lvl="0" marL="457200">
+            <a:lvl1pPr marL="457200" lvl="0" indent="-342900">
               <a:lnSpc>
                 <a:spcPct val="115000"/>
               </a:lnSpc>
@@ -6221,7 +6370,7 @@
                 <a:sym typeface="Lato"/>
               </a:defRPr>
             </a:lvl1pPr>
-            <a:lvl2pPr indent="-317500" lvl="1" marL="914400">
+            <a:lvl2pPr marL="914400" lvl="1" indent="-317500">
               <a:lnSpc>
                 <a:spcPct val="115000"/>
               </a:lnSpc>
@@ -6247,7 +6396,7 @@
                 <a:sym typeface="Lato"/>
               </a:defRPr>
             </a:lvl2pPr>
-            <a:lvl3pPr indent="-317500" lvl="2" marL="1371600">
+            <a:lvl3pPr marL="1371600" lvl="2" indent="-317500">
               <a:lnSpc>
                 <a:spcPct val="115000"/>
               </a:lnSpc>
@@ -6273,7 +6422,7 @@
                 <a:sym typeface="Lato"/>
               </a:defRPr>
             </a:lvl3pPr>
-            <a:lvl4pPr indent="-317500" lvl="3" marL="1828800">
+            <a:lvl4pPr marL="1828800" lvl="3" indent="-317500">
               <a:lnSpc>
                 <a:spcPct val="115000"/>
               </a:lnSpc>
@@ -6299,7 +6448,7 @@
                 <a:sym typeface="Lato"/>
               </a:defRPr>
             </a:lvl4pPr>
-            <a:lvl5pPr indent="-317500" lvl="4" marL="2286000">
+            <a:lvl5pPr marL="2286000" lvl="4" indent="-317500">
               <a:lnSpc>
                 <a:spcPct val="115000"/>
               </a:lnSpc>
@@ -6325,7 +6474,7 @@
                 <a:sym typeface="Lato"/>
               </a:defRPr>
             </a:lvl5pPr>
-            <a:lvl6pPr indent="-317500" lvl="5" marL="2743200">
+            <a:lvl6pPr marL="2743200" lvl="5" indent="-317500">
               <a:lnSpc>
                 <a:spcPct val="115000"/>
               </a:lnSpc>
@@ -6351,7 +6500,7 @@
                 <a:sym typeface="Lato"/>
               </a:defRPr>
             </a:lvl6pPr>
-            <a:lvl7pPr indent="-317500" lvl="6" marL="3200400">
+            <a:lvl7pPr marL="3200400" lvl="6" indent="-317500">
               <a:lnSpc>
                 <a:spcPct val="115000"/>
               </a:lnSpc>
@@ -6377,7 +6526,7 @@
                 <a:sym typeface="Lato"/>
               </a:defRPr>
             </a:lvl7pPr>
-            <a:lvl8pPr indent="-317500" lvl="7" marL="3657600">
+            <a:lvl8pPr marL="3657600" lvl="7" indent="-317500">
               <a:lnSpc>
                 <a:spcPct val="115000"/>
               </a:lnSpc>
@@ -6403,7 +6552,7 @@
                 <a:sym typeface="Lato"/>
               </a:defRPr>
             </a:lvl8pPr>
-            <a:lvl9pPr indent="-317500" lvl="8" marL="4114800">
+            <a:lvl9pPr marL="4114800" lvl="8" indent="-317500">
               <a:lnSpc>
                 <a:spcPct val="115000"/>
               </a:lnSpc>
@@ -6430,15 +6579,19 @@
               </a:defRPr>
             </a:lvl9pPr>
           </a:lstStyle>
-          <a:p/>
+          <a:p>
+            <a:endParaRPr/>
+          </a:p>
         </p:txBody>
       </p:sp>
       <p:sp>
         <p:nvSpPr>
           <p:cNvPr id="8" name="Google Shape;8;p1"/>
-          <p:cNvSpPr txBox="1"/>
+          <p:cNvSpPr txBox="1">
+            <a:spLocks noGrp="1"/>
+          </p:cNvSpPr>
           <p:nvPr>
-            <p:ph idx="12" type="sldNum"/>
+            <p:ph type="sldNum" idx="12"/>
           </p:nvPr>
         </p:nvSpPr>
         <p:spPr>
@@ -6455,7 +6608,7 @@
           </a:ln>
         </p:spPr>
         <p:txBody>
-          <a:bodyPr anchorCtr="0" anchor="ctr" bIns="91425" lIns="91425" spcFirstLastPara="1" rIns="91425" wrap="square" tIns="91425">
+          <a:bodyPr spcFirstLastPara="1" wrap="square" lIns="91425" tIns="91425" rIns="91425" bIns="91425" anchor="ctr" anchorCtr="0">
             <a:normAutofit/>
           </a:bodyPr>
           <a:lstStyle>
@@ -6569,7 +6722,7 @@
             </a:lvl9pPr>
           </a:lstStyle>
           <a:p>
-            <a:pPr indent="0" lvl="0" marL="0" rtl="0" algn="r">
+            <a:pPr marL="0" lvl="0" indent="0" algn="r" rtl="0">
               <a:spcBef>
                 <a:spcPts val="0"/>
               </a:spcBef>
@@ -6580,7 +6733,7 @@
             </a:pPr>
             <a:fld id="{00000000-1234-1234-1234-123412341234}" type="slidenum">
               <a:rPr lang="it"/>
-              <a:t>‹#›</a:t>
+              <a:t>‹N›</a:t>
             </a:fld>
             <a:endParaRPr/>
           </a:p>
@@ -6588,7 +6741,7 @@
       </p:sp>
     </p:spTree>
   </p:cSld>
-  <p:clrMap accent1="accent1" accent2="accent2" accent3="accent3" accent4="accent4" accent5="accent5" accent6="accent6" bg1="lt1" bg2="dk2" tx1="dk1" tx2="lt2" folHlink="folHlink" hlink="hlink"/>
+  <p:clrMap bg1="lt1" tx1="dk1" bg2="dk2" tx2="lt2" accent1="accent1" accent2="accent2" accent3="accent3" accent4="accent4" accent5="accent5" accent6="accent6" hlink="hlink" folHlink="folHlink"/>
   <p:sldLayoutIdLst>
     <p:sldLayoutId id="2147483648" r:id="rId1"/>
     <p:sldLayoutId id="2147483649" r:id="rId2"/>
@@ -6602,10 +6755,10 @@
     <p:sldLayoutId id="2147483657" r:id="rId10"/>
     <p:sldLayoutId id="2147483658" r:id="rId11"/>
   </p:sldLayoutIdLst>
-  <p:hf dt="0" ftr="0" hdr="0" sldNum="0"/>
+  <p:hf sldNum="0" hdr="0" ftr="0" dt="0"/>
   <p:txStyles>
     <p:titleStyle>
-      <a:defPPr lvl="0" marR="0" rtl="0" algn="l">
+      <a:defPPr marR="0" lvl="0" algn="l" rtl="0">
         <a:lnSpc>
           <a:spcPct val="100000"/>
         </a:lnSpc>
@@ -6616,7 +6769,7 @@
           <a:spcPts val="0"/>
         </a:spcAft>
       </a:defPPr>
-      <a:lvl1pPr lvl="0" marR="0" rtl="0" algn="l">
+      <a:lvl1pPr marR="0" lvl="0" algn="l" rtl="0">
         <a:lnSpc>
           <a:spcPct val="100000"/>
         </a:lnSpc>
@@ -6630,7 +6783,7 @@
           <a:srgbClr val="000000"/>
         </a:buClr>
         <a:buFont typeface="Arial"/>
-        <a:defRPr b="0" i="0" sz="1400" u="none" cap="none" strike="noStrike">
+        <a:defRPr sz="1400" b="0" i="0" u="none" strike="noStrike" cap="none">
           <a:solidFill>
             <a:srgbClr val="000000"/>
           </a:solidFill>
@@ -6640,7 +6793,7 @@
           <a:sym typeface="Arial"/>
         </a:defRPr>
       </a:lvl1pPr>
-      <a:lvl2pPr lvl="1" marR="0" rtl="0" algn="l">
+      <a:lvl2pPr marR="0" lvl="1" algn="l" rtl="0">
         <a:lnSpc>
           <a:spcPct val="100000"/>
         </a:lnSpc>
@@ -6654,7 +6807,7 @@
           <a:srgbClr val="000000"/>
         </a:buClr>
         <a:buFont typeface="Arial"/>
-        <a:defRPr b="0" i="0" sz="1400" u="none" cap="none" strike="noStrike">
+        <a:defRPr sz="1400" b="0" i="0" u="none" strike="noStrike" cap="none">
           <a:solidFill>
             <a:srgbClr val="000000"/>
           </a:solidFill>
@@ -6664,7 +6817,7 @@
           <a:sym typeface="Arial"/>
         </a:defRPr>
       </a:lvl2pPr>
-      <a:lvl3pPr lvl="2" marR="0" rtl="0" algn="l">
+      <a:lvl3pPr marR="0" lvl="2" algn="l" rtl="0">
         <a:lnSpc>
           <a:spcPct val="100000"/>
         </a:lnSpc>
@@ -6678,7 +6831,7 @@
           <a:srgbClr val="000000"/>
         </a:buClr>
         <a:buFont typeface="Arial"/>
-        <a:defRPr b="0" i="0" sz="1400" u="none" cap="none" strike="noStrike">
+        <a:defRPr sz="1400" b="0" i="0" u="none" strike="noStrike" cap="none">
           <a:solidFill>
             <a:srgbClr val="000000"/>
           </a:solidFill>
@@ -6688,7 +6841,7 @@
           <a:sym typeface="Arial"/>
         </a:defRPr>
       </a:lvl3pPr>
-      <a:lvl4pPr lvl="3" marR="0" rtl="0" algn="l">
+      <a:lvl4pPr marR="0" lvl="3" algn="l" rtl="0">
         <a:lnSpc>
           <a:spcPct val="100000"/>
         </a:lnSpc>
@@ -6702,7 +6855,7 @@
           <a:srgbClr val="000000"/>
         </a:buClr>
         <a:buFont typeface="Arial"/>
-        <a:defRPr b="0" i="0" sz="1400" u="none" cap="none" strike="noStrike">
+        <a:defRPr sz="1400" b="0" i="0" u="none" strike="noStrike" cap="none">
           <a:solidFill>
             <a:srgbClr val="000000"/>
           </a:solidFill>
@@ -6712,7 +6865,7 @@
           <a:sym typeface="Arial"/>
         </a:defRPr>
       </a:lvl4pPr>
-      <a:lvl5pPr lvl="4" marR="0" rtl="0" algn="l">
+      <a:lvl5pPr marR="0" lvl="4" algn="l" rtl="0">
         <a:lnSpc>
           <a:spcPct val="100000"/>
         </a:lnSpc>
@@ -6726,7 +6879,7 @@
           <a:srgbClr val="000000"/>
         </a:buClr>
         <a:buFont typeface="Arial"/>
-        <a:defRPr b="0" i="0" sz="1400" u="none" cap="none" strike="noStrike">
+        <a:defRPr sz="1400" b="0" i="0" u="none" strike="noStrike" cap="none">
           <a:solidFill>
             <a:srgbClr val="000000"/>
           </a:solidFill>
@@ -6736,7 +6889,7 @@
           <a:sym typeface="Arial"/>
         </a:defRPr>
       </a:lvl5pPr>
-      <a:lvl6pPr lvl="5" marR="0" rtl="0" algn="l">
+      <a:lvl6pPr marR="0" lvl="5" algn="l" rtl="0">
         <a:lnSpc>
           <a:spcPct val="100000"/>
         </a:lnSpc>
@@ -6750,7 +6903,7 @@
           <a:srgbClr val="000000"/>
         </a:buClr>
         <a:buFont typeface="Arial"/>
-        <a:defRPr b="0" i="0" sz="1400" u="none" cap="none" strike="noStrike">
+        <a:defRPr sz="1400" b="0" i="0" u="none" strike="noStrike" cap="none">
           <a:solidFill>
             <a:srgbClr val="000000"/>
           </a:solidFill>
@@ -6760,7 +6913,7 @@
           <a:sym typeface="Arial"/>
         </a:defRPr>
       </a:lvl6pPr>
-      <a:lvl7pPr lvl="6" marR="0" rtl="0" algn="l">
+      <a:lvl7pPr marR="0" lvl="6" algn="l" rtl="0">
         <a:lnSpc>
           <a:spcPct val="100000"/>
         </a:lnSpc>
@@ -6774,7 +6927,7 @@
           <a:srgbClr val="000000"/>
         </a:buClr>
         <a:buFont typeface="Arial"/>
-        <a:defRPr b="0" i="0" sz="1400" u="none" cap="none" strike="noStrike">
+        <a:defRPr sz="1400" b="0" i="0" u="none" strike="noStrike" cap="none">
           <a:solidFill>
             <a:srgbClr val="000000"/>
           </a:solidFill>
@@ -6784,7 +6937,7 @@
           <a:sym typeface="Arial"/>
         </a:defRPr>
       </a:lvl7pPr>
-      <a:lvl8pPr lvl="7" marR="0" rtl="0" algn="l">
+      <a:lvl8pPr marR="0" lvl="7" algn="l" rtl="0">
         <a:lnSpc>
           <a:spcPct val="100000"/>
         </a:lnSpc>
@@ -6798,7 +6951,7 @@
           <a:srgbClr val="000000"/>
         </a:buClr>
         <a:buFont typeface="Arial"/>
-        <a:defRPr b="0" i="0" sz="1400" u="none" cap="none" strike="noStrike">
+        <a:defRPr sz="1400" b="0" i="0" u="none" strike="noStrike" cap="none">
           <a:solidFill>
             <a:srgbClr val="000000"/>
           </a:solidFill>
@@ -6808,7 +6961,7 @@
           <a:sym typeface="Arial"/>
         </a:defRPr>
       </a:lvl8pPr>
-      <a:lvl9pPr lvl="8" marR="0" rtl="0" algn="l">
+      <a:lvl9pPr marR="0" lvl="8" algn="l" rtl="0">
         <a:lnSpc>
           <a:spcPct val="100000"/>
         </a:lnSpc>
@@ -6822,7 +6975,7 @@
           <a:srgbClr val="000000"/>
         </a:buClr>
         <a:buFont typeface="Arial"/>
-        <a:defRPr b="0" i="0" sz="1400" u="none" cap="none" strike="noStrike">
+        <a:defRPr sz="1400" b="0" i="0" u="none" strike="noStrike" cap="none">
           <a:solidFill>
             <a:srgbClr val="000000"/>
           </a:solidFill>
@@ -6834,7 +6987,7 @@
       </a:lvl9pPr>
     </p:titleStyle>
     <p:bodyStyle>
-      <a:defPPr lvl="0" marR="0" rtl="0" algn="l">
+      <a:defPPr marR="0" lvl="0" algn="l" rtl="0">
         <a:lnSpc>
           <a:spcPct val="100000"/>
         </a:lnSpc>
@@ -6845,7 +6998,7 @@
           <a:spcPts val="0"/>
         </a:spcAft>
       </a:defPPr>
-      <a:lvl1pPr lvl="0" marR="0" rtl="0" algn="l">
+      <a:lvl1pPr marR="0" lvl="0" algn="l" rtl="0">
         <a:lnSpc>
           <a:spcPct val="100000"/>
         </a:lnSpc>
@@ -6859,7 +7012,7 @@
           <a:srgbClr val="000000"/>
         </a:buClr>
         <a:buFont typeface="Arial"/>
-        <a:defRPr b="0" i="0" sz="1400" u="none" cap="none" strike="noStrike">
+        <a:defRPr sz="1400" b="0" i="0" u="none" strike="noStrike" cap="none">
           <a:solidFill>
             <a:srgbClr val="000000"/>
           </a:solidFill>
@@ -6869,7 +7022,7 @@
           <a:sym typeface="Arial"/>
         </a:defRPr>
       </a:lvl1pPr>
-      <a:lvl2pPr lvl="1" marR="0" rtl="0" algn="l">
+      <a:lvl2pPr marR="0" lvl="1" algn="l" rtl="0">
         <a:lnSpc>
           <a:spcPct val="100000"/>
         </a:lnSpc>
@@ -6883,7 +7036,7 @@
           <a:srgbClr val="000000"/>
         </a:buClr>
         <a:buFont typeface="Arial"/>
-        <a:defRPr b="0" i="0" sz="1400" u="none" cap="none" strike="noStrike">
+        <a:defRPr sz="1400" b="0" i="0" u="none" strike="noStrike" cap="none">
           <a:solidFill>
             <a:srgbClr val="000000"/>
           </a:solidFill>
@@ -6893,7 +7046,7 @@
           <a:sym typeface="Arial"/>
         </a:defRPr>
       </a:lvl2pPr>
-      <a:lvl3pPr lvl="2" marR="0" rtl="0" algn="l">
+      <a:lvl3pPr marR="0" lvl="2" algn="l" rtl="0">
         <a:lnSpc>
           <a:spcPct val="100000"/>
         </a:lnSpc>
@@ -6907,7 +7060,7 @@
           <a:srgbClr val="000000"/>
         </a:buClr>
         <a:buFont typeface="Arial"/>
-        <a:defRPr b="0" i="0" sz="1400" u="none" cap="none" strike="noStrike">
+        <a:defRPr sz="1400" b="0" i="0" u="none" strike="noStrike" cap="none">
           <a:solidFill>
             <a:srgbClr val="000000"/>
           </a:solidFill>
@@ -6917,7 +7070,7 @@
           <a:sym typeface="Arial"/>
         </a:defRPr>
       </a:lvl3pPr>
-      <a:lvl4pPr lvl="3" marR="0" rtl="0" algn="l">
+      <a:lvl4pPr marR="0" lvl="3" algn="l" rtl="0">
         <a:lnSpc>
           <a:spcPct val="100000"/>
         </a:lnSpc>
@@ -6931,7 +7084,7 @@
           <a:srgbClr val="000000"/>
         </a:buClr>
         <a:buFont typeface="Arial"/>
-        <a:defRPr b="0" i="0" sz="1400" u="none" cap="none" strike="noStrike">
+        <a:defRPr sz="1400" b="0" i="0" u="none" strike="noStrike" cap="none">
           <a:solidFill>
             <a:srgbClr val="000000"/>
           </a:solidFill>
@@ -6941,7 +7094,7 @@
           <a:sym typeface="Arial"/>
         </a:defRPr>
       </a:lvl4pPr>
-      <a:lvl5pPr lvl="4" marR="0" rtl="0" algn="l">
+      <a:lvl5pPr marR="0" lvl="4" algn="l" rtl="0">
         <a:lnSpc>
           <a:spcPct val="100000"/>
         </a:lnSpc>
@@ -6955,7 +7108,7 @@
           <a:srgbClr val="000000"/>
         </a:buClr>
         <a:buFont typeface="Arial"/>
-        <a:defRPr b="0" i="0" sz="1400" u="none" cap="none" strike="noStrike">
+        <a:defRPr sz="1400" b="0" i="0" u="none" strike="noStrike" cap="none">
           <a:solidFill>
             <a:srgbClr val="000000"/>
           </a:solidFill>
@@ -6965,7 +7118,7 @@
           <a:sym typeface="Arial"/>
         </a:defRPr>
       </a:lvl5pPr>
-      <a:lvl6pPr lvl="5" marR="0" rtl="0" algn="l">
+      <a:lvl6pPr marR="0" lvl="5" algn="l" rtl="0">
         <a:lnSpc>
           <a:spcPct val="100000"/>
         </a:lnSpc>
@@ -6979,7 +7132,7 @@
           <a:srgbClr val="000000"/>
         </a:buClr>
         <a:buFont typeface="Arial"/>
-        <a:defRPr b="0" i="0" sz="1400" u="none" cap="none" strike="noStrike">
+        <a:defRPr sz="1400" b="0" i="0" u="none" strike="noStrike" cap="none">
           <a:solidFill>
             <a:srgbClr val="000000"/>
           </a:solidFill>
@@ -6989,7 +7142,7 @@
           <a:sym typeface="Arial"/>
         </a:defRPr>
       </a:lvl6pPr>
-      <a:lvl7pPr lvl="6" marR="0" rtl="0" algn="l">
+      <a:lvl7pPr marR="0" lvl="6" algn="l" rtl="0">
         <a:lnSpc>
           <a:spcPct val="100000"/>
         </a:lnSpc>
@@ -7003,7 +7156,7 @@
           <a:srgbClr val="000000"/>
         </a:buClr>
         <a:buFont typeface="Arial"/>
-        <a:defRPr b="0" i="0" sz="1400" u="none" cap="none" strike="noStrike">
+        <a:defRPr sz="1400" b="0" i="0" u="none" strike="noStrike" cap="none">
           <a:solidFill>
             <a:srgbClr val="000000"/>
           </a:solidFill>
@@ -7013,7 +7166,7 @@
           <a:sym typeface="Arial"/>
         </a:defRPr>
       </a:lvl7pPr>
-      <a:lvl8pPr lvl="7" marR="0" rtl="0" algn="l">
+      <a:lvl8pPr marR="0" lvl="7" algn="l" rtl="0">
         <a:lnSpc>
           <a:spcPct val="100000"/>
         </a:lnSpc>
@@ -7027,7 +7180,7 @@
           <a:srgbClr val="000000"/>
         </a:buClr>
         <a:buFont typeface="Arial"/>
-        <a:defRPr b="0" i="0" sz="1400" u="none" cap="none" strike="noStrike">
+        <a:defRPr sz="1400" b="0" i="0" u="none" strike="noStrike" cap="none">
           <a:solidFill>
             <a:srgbClr val="000000"/>
           </a:solidFill>
@@ -7037,7 +7190,7 @@
           <a:sym typeface="Arial"/>
         </a:defRPr>
       </a:lvl8pPr>
-      <a:lvl9pPr lvl="8" marR="0" rtl="0" algn="l">
+      <a:lvl9pPr marR="0" lvl="8" algn="l" rtl="0">
         <a:lnSpc>
           <a:spcPct val="100000"/>
         </a:lnSpc>
@@ -7051,7 +7204,7 @@
           <a:srgbClr val="000000"/>
         </a:buClr>
         <a:buFont typeface="Arial"/>
-        <a:defRPr b="0" i="0" sz="1400" u="none" cap="none" strike="noStrike">
+        <a:defRPr sz="1400" b="0" i="0" u="none" strike="noStrike" cap="none">
           <a:solidFill>
             <a:srgbClr val="000000"/>
           </a:solidFill>
@@ -7063,7 +7216,7 @@
       </a:lvl9pPr>
     </p:bodyStyle>
     <p:otherStyle>
-      <a:defPPr lvl="0" marR="0" rtl="0" algn="l">
+      <a:defPPr marR="0" lvl="0" algn="l" rtl="0">
         <a:lnSpc>
           <a:spcPct val="100000"/>
         </a:lnSpc>
@@ -7074,7 +7227,7 @@
           <a:spcPts val="0"/>
         </a:spcAft>
       </a:defPPr>
-      <a:lvl1pPr lvl="0" marR="0" rtl="0" algn="l">
+      <a:lvl1pPr marR="0" lvl="0" algn="l" rtl="0">
         <a:lnSpc>
           <a:spcPct val="100000"/>
         </a:lnSpc>
@@ -7088,7 +7241,7 @@
           <a:srgbClr val="000000"/>
         </a:buClr>
         <a:buFont typeface="Arial"/>
-        <a:defRPr b="0" i="0" sz="1400" u="none" cap="none" strike="noStrike">
+        <a:defRPr sz="1400" b="0" i="0" u="none" strike="noStrike" cap="none">
           <a:solidFill>
             <a:srgbClr val="000000"/>
           </a:solidFill>
@@ -7098,7 +7251,7 @@
           <a:sym typeface="Arial"/>
         </a:defRPr>
       </a:lvl1pPr>
-      <a:lvl2pPr lvl="1" marR="0" rtl="0" algn="l">
+      <a:lvl2pPr marR="0" lvl="1" algn="l" rtl="0">
         <a:lnSpc>
           <a:spcPct val="100000"/>
         </a:lnSpc>
@@ -7112,7 +7265,7 @@
           <a:srgbClr val="000000"/>
         </a:buClr>
         <a:buFont typeface="Arial"/>
-        <a:defRPr b="0" i="0" sz="1400" u="none" cap="none" strike="noStrike">
+        <a:defRPr sz="1400" b="0" i="0" u="none" strike="noStrike" cap="none">
           <a:solidFill>
             <a:srgbClr val="000000"/>
           </a:solidFill>
@@ -7122,7 +7275,7 @@
           <a:sym typeface="Arial"/>
         </a:defRPr>
       </a:lvl2pPr>
-      <a:lvl3pPr lvl="2" marR="0" rtl="0" algn="l">
+      <a:lvl3pPr marR="0" lvl="2" algn="l" rtl="0">
         <a:lnSpc>
           <a:spcPct val="100000"/>
         </a:lnSpc>
@@ -7136,7 +7289,7 @@
           <a:srgbClr val="000000"/>
         </a:buClr>
         <a:buFont typeface="Arial"/>
-        <a:defRPr b="0" i="0" sz="1400" u="none" cap="none" strike="noStrike">
+        <a:defRPr sz="1400" b="0" i="0" u="none" strike="noStrike" cap="none">
           <a:solidFill>
             <a:srgbClr val="000000"/>
           </a:solidFill>
@@ -7146,7 +7299,7 @@
           <a:sym typeface="Arial"/>
         </a:defRPr>
       </a:lvl3pPr>
-      <a:lvl4pPr lvl="3" marR="0" rtl="0" algn="l">
+      <a:lvl4pPr marR="0" lvl="3" algn="l" rtl="0">
         <a:lnSpc>
           <a:spcPct val="100000"/>
         </a:lnSpc>
@@ -7160,7 +7313,7 @@
           <a:srgbClr val="000000"/>
         </a:buClr>
         <a:buFont typeface="Arial"/>
-        <a:defRPr b="0" i="0" sz="1400" u="none" cap="none" strike="noStrike">
+        <a:defRPr sz="1400" b="0" i="0" u="none" strike="noStrike" cap="none">
           <a:solidFill>
             <a:srgbClr val="000000"/>
           </a:solidFill>
@@ -7170,7 +7323,7 @@
           <a:sym typeface="Arial"/>
         </a:defRPr>
       </a:lvl4pPr>
-      <a:lvl5pPr lvl="4" marR="0" rtl="0" algn="l">
+      <a:lvl5pPr marR="0" lvl="4" algn="l" rtl="0">
         <a:lnSpc>
           <a:spcPct val="100000"/>
         </a:lnSpc>
@@ -7184,7 +7337,7 @@
           <a:srgbClr val="000000"/>
         </a:buClr>
         <a:buFont typeface="Arial"/>
-        <a:defRPr b="0" i="0" sz="1400" u="none" cap="none" strike="noStrike">
+        <a:defRPr sz="1400" b="0" i="0" u="none" strike="noStrike" cap="none">
           <a:solidFill>
             <a:srgbClr val="000000"/>
           </a:solidFill>
@@ -7194,7 +7347,7 @@
           <a:sym typeface="Arial"/>
         </a:defRPr>
       </a:lvl5pPr>
-      <a:lvl6pPr lvl="5" marR="0" rtl="0" algn="l">
+      <a:lvl6pPr marR="0" lvl="5" algn="l" rtl="0">
         <a:lnSpc>
           <a:spcPct val="100000"/>
         </a:lnSpc>
@@ -7208,7 +7361,7 @@
           <a:srgbClr val="000000"/>
         </a:buClr>
         <a:buFont typeface="Arial"/>
-        <a:defRPr b="0" i="0" sz="1400" u="none" cap="none" strike="noStrike">
+        <a:defRPr sz="1400" b="0" i="0" u="none" strike="noStrike" cap="none">
           <a:solidFill>
             <a:srgbClr val="000000"/>
           </a:solidFill>
@@ -7218,7 +7371,7 @@
           <a:sym typeface="Arial"/>
         </a:defRPr>
       </a:lvl6pPr>
-      <a:lvl7pPr lvl="6" marR="0" rtl="0" algn="l">
+      <a:lvl7pPr marR="0" lvl="6" algn="l" rtl="0">
         <a:lnSpc>
           <a:spcPct val="100000"/>
         </a:lnSpc>
@@ -7232,7 +7385,7 @@
           <a:srgbClr val="000000"/>
         </a:buClr>
         <a:buFont typeface="Arial"/>
-        <a:defRPr b="0" i="0" sz="1400" u="none" cap="none" strike="noStrike">
+        <a:defRPr sz="1400" b="0" i="0" u="none" strike="noStrike" cap="none">
           <a:solidFill>
             <a:srgbClr val="000000"/>
           </a:solidFill>
@@ -7242,7 +7395,7 @@
           <a:sym typeface="Arial"/>
         </a:defRPr>
       </a:lvl7pPr>
-      <a:lvl8pPr lvl="7" marR="0" rtl="0" algn="l">
+      <a:lvl8pPr marR="0" lvl="7" algn="l" rtl="0">
         <a:lnSpc>
           <a:spcPct val="100000"/>
         </a:lnSpc>
@@ -7256,7 +7409,7 @@
           <a:srgbClr val="000000"/>
         </a:buClr>
         <a:buFont typeface="Arial"/>
-        <a:defRPr b="0" i="0" sz="1400" u="none" cap="none" strike="noStrike">
+        <a:defRPr sz="1400" b="0" i="0" u="none" strike="noStrike" cap="none">
           <a:solidFill>
             <a:srgbClr val="000000"/>
           </a:solidFill>
@@ -7266,7 +7419,7 @@
           <a:sym typeface="Arial"/>
         </a:defRPr>
       </a:lvl8pPr>
-      <a:lvl9pPr lvl="8" marR="0" rtl="0" algn="l">
+      <a:lvl9pPr marR="0" lvl="8" algn="l" rtl="0">
         <a:lnSpc>
           <a:spcPct val="100000"/>
         </a:lnSpc>
@@ -7280,7 +7433,7 @@
           <a:srgbClr val="000000"/>
         </a:buClr>
         <a:buFont typeface="Arial"/>
-        <a:defRPr b="0" i="0" sz="1400" u="none" cap="none" strike="noStrike">
+        <a:defRPr sz="1400" b="0" i="0" u="none" strike="noStrike" cap="none">
           <a:solidFill>
             <a:srgbClr val="000000"/>
           </a:solidFill>
@@ -7296,11 +7449,11 @@
 </file>
 
 <file path=ppt/slides/slide1.xml><?xml version="1.0" encoding="utf-8"?>
-<p:sld xmlns:a="http://schemas.openxmlformats.org/drawingml/2006/main" xmlns:r="http://schemas.openxmlformats.org/officeDocument/2006/relationships" xmlns:mc="http://schemas.openxmlformats.org/markup-compatibility/2006" xmlns:mv="urn:schemas-microsoft-com:mac:vml" xmlns:p="http://schemas.openxmlformats.org/presentationml/2006/main" xmlns:c="http://schemas.openxmlformats.org/drawingml/2006/chart" xmlns:dgm="http://schemas.openxmlformats.org/drawingml/2006/diagram" xmlns:o="urn:schemas-microsoft-com:office:office" xmlns:v="urn:schemas-microsoft-com:vml" xmlns:pvml="urn:schemas-microsoft-com:office:powerpoint" xmlns:com="http://schemas.openxmlformats.org/drawingml/2006/compatibility" xmlns:p14="http://schemas.microsoft.com/office/powerpoint/2010/main" xmlns:p15="http://schemas.microsoft.com/office/powerpoint/2012/main" xmlns:ahyp="http://schemas.microsoft.com/office/drawing/2018/hyperlinkcolor">
+<p:sld xmlns:a="http://schemas.openxmlformats.org/drawingml/2006/main" xmlns:r="http://schemas.openxmlformats.org/officeDocument/2006/relationships" xmlns:p="http://schemas.openxmlformats.org/presentationml/2006/main">
   <p:cSld>
     <p:spTree>
       <p:nvGrpSpPr>
-        <p:cNvPr id="71" name="Shape 71"/>
+        <p:cNvPr id="1" name="Shape 71"/>
         <p:cNvGrpSpPr/>
         <p:nvPr/>
       </p:nvGrpSpPr>
@@ -7315,7 +7468,9 @@
       <p:sp>
         <p:nvSpPr>
           <p:cNvPr id="72" name="Google Shape;72;p13"/>
-          <p:cNvSpPr txBox="1"/>
+          <p:cNvSpPr txBox="1">
+            <a:spLocks noGrp="1"/>
+          </p:cNvSpPr>
           <p:nvPr>
             <p:ph type="ctrTitle"/>
           </p:nvPr>
@@ -7323,19 +7478,19 @@
         <p:spPr>
           <a:xfrm>
             <a:off x="3216775" y="523625"/>
-            <a:ext cx="5505000" cy="1384800"/>
+            <a:ext cx="5711635" cy="1384800"/>
           </a:xfrm>
           <a:prstGeom prst="rect">
             <a:avLst/>
           </a:prstGeom>
         </p:spPr>
         <p:txBody>
-          <a:bodyPr anchorCtr="0" anchor="t" bIns="91425" lIns="91425" spcFirstLastPara="1" rIns="91425" wrap="square" tIns="91425">
+          <a:bodyPr spcFirstLastPara="1" wrap="square" lIns="91425" tIns="91425" rIns="91425" bIns="91425" anchor="t" anchorCtr="0">
             <a:noAutofit/>
           </a:bodyPr>
           <a:lstStyle/>
           <a:p>
-            <a:pPr indent="0" lvl="0" marL="0" rtl="0" algn="l">
+            <a:pPr marL="0" lvl="0" indent="0" algn="l" rtl="0">
               <a:spcBef>
                 <a:spcPts val="0"/>
               </a:spcBef>
@@ -7345,19 +7500,21 @@
               <a:buNone/>
             </a:pPr>
             <a:r>
-              <a:rPr lang="it" sz="5600"/>
+              <a:rPr lang="it" sz="5600" dirty="0"/>
               <a:t>Cos’è RabbitMQ</a:t>
             </a:r>
-            <a:endParaRPr sz="5600"/>
+            <a:endParaRPr sz="5600" dirty="0"/>
           </a:p>
         </p:txBody>
       </p:sp>
       <p:sp>
         <p:nvSpPr>
           <p:cNvPr id="73" name="Google Shape;73;p13"/>
-          <p:cNvSpPr txBox="1"/>
+          <p:cNvSpPr txBox="1">
+            <a:spLocks noGrp="1"/>
+          </p:cNvSpPr>
           <p:nvPr>
-            <p:ph idx="1" type="subTitle"/>
+            <p:ph type="subTitle" idx="1"/>
           </p:nvPr>
         </p:nvSpPr>
         <p:spPr>
@@ -7370,12 +7527,12 @@
           </a:prstGeom>
         </p:spPr>
         <p:txBody>
-          <a:bodyPr anchorCtr="0" anchor="b" bIns="91425" lIns="91425" spcFirstLastPara="1" rIns="91425" wrap="square" tIns="91425">
+          <a:bodyPr spcFirstLastPara="1" wrap="square" lIns="91425" tIns="91425" rIns="91425" bIns="91425" anchor="b" anchorCtr="0">
             <a:normAutofit/>
           </a:bodyPr>
           <a:lstStyle/>
           <a:p>
-            <a:pPr indent="0" lvl="0" marL="0" rtl="0" algn="l">
+            <a:pPr marL="0" lvl="0" indent="0" algn="l" rtl="0">
               <a:spcBef>
                 <a:spcPts val="0"/>
               </a:spcBef>
@@ -7422,7 +7579,7 @@
       </p:pic>
       <p:pic>
         <p:nvPicPr>
-          <p:cNvPr descr="a cartoon rabbit is holding a cell phone and has a question mark . (Fornito da Tenor)" id="75" name="Google Shape;75;p13"/>
+          <p:cNvPr id="75" name="Google Shape;75;p13" descr="a cartoon rabbit is holding a cell phone and has a question mark . (Fornito da Tenor)"/>
           <p:cNvPicPr preferRelativeResize="0"/>
           <p:nvPr/>
         </p:nvPicPr>
@@ -7468,12 +7625,12 @@
           </a:ln>
         </p:spPr>
         <p:txBody>
-          <a:bodyPr anchorCtr="0" anchor="t" bIns="91425" lIns="91425" spcFirstLastPara="1" rIns="91425" wrap="square" tIns="91425">
+          <a:bodyPr spcFirstLastPara="1" wrap="square" lIns="91425" tIns="91425" rIns="91425" bIns="91425" anchor="t" anchorCtr="0">
             <a:noAutofit/>
           </a:bodyPr>
           <a:lstStyle/>
           <a:p>
-            <a:pPr indent="0" lvl="0" marL="0" rtl="0" algn="l">
+            <a:pPr marL="0" lvl="0" indent="0" algn="l" rtl="0">
               <a:spcBef>
                 <a:spcPts val="0"/>
               </a:spcBef>
@@ -7483,7 +7640,7 @@
               <a:buNone/>
             </a:pPr>
             <a:r>
-              <a:rPr b="1" lang="it" sz="2400">
+              <a:rPr lang="it" sz="2400" b="1">
                 <a:solidFill>
                   <a:srgbClr val="434343"/>
                 </a:solidFill>
@@ -7494,7 +7651,7 @@
               </a:rPr>
               <a:t>Presentazione a cura di:</a:t>
             </a:r>
-            <a:endParaRPr b="1" sz="2400">
+            <a:endParaRPr sz="2400" b="1">
               <a:solidFill>
                 <a:srgbClr val="434343"/>
               </a:solidFill>
@@ -7505,7 +7662,7 @@
             </a:endParaRPr>
           </a:p>
           <a:p>
-            <a:pPr indent="-342900" lvl="0" marL="457200" rtl="0" algn="l">
+            <a:pPr marL="457200" lvl="0" indent="-342900" algn="l" rtl="0">
               <a:spcBef>
                 <a:spcPts val="0"/>
               </a:spcBef>
@@ -7542,7 +7699,7 @@
             </a:endParaRPr>
           </a:p>
           <a:p>
-            <a:pPr indent="-342900" lvl="0" marL="457200" rtl="0" algn="l">
+            <a:pPr marL="457200" lvl="0" indent="-342900" algn="l" rtl="0">
               <a:spcBef>
                 <a:spcPts val="0"/>
               </a:spcBef>
@@ -7579,7 +7736,7 @@
             </a:endParaRPr>
           </a:p>
           <a:p>
-            <a:pPr indent="-342900" lvl="0" marL="457200" rtl="0" algn="l">
+            <a:pPr marL="457200" lvl="0" indent="-342900" algn="l" rtl="0">
               <a:spcBef>
                 <a:spcPts val="0"/>
               </a:spcBef>
@@ -7616,7 +7773,7 @@
             </a:endParaRPr>
           </a:p>
           <a:p>
-            <a:pPr indent="-342900" lvl="0" marL="457200" rtl="0" algn="l">
+            <a:pPr marL="457200" lvl="0" indent="-342900" algn="l" rtl="0">
               <a:spcBef>
                 <a:spcPts val="0"/>
               </a:spcBef>
@@ -7653,7 +7810,7 @@
             </a:endParaRPr>
           </a:p>
           <a:p>
-            <a:pPr indent="-342900" lvl="0" marL="457200" rtl="0" algn="l">
+            <a:pPr marL="457200" lvl="0" indent="-342900" algn="l" rtl="0">
               <a:spcBef>
                 <a:spcPts val="0"/>
               </a:spcBef>
@@ -7690,7 +7847,7 @@
             </a:endParaRPr>
           </a:p>
           <a:p>
-            <a:pPr indent="-342900" lvl="0" marL="457200" rtl="0" algn="l">
+            <a:pPr marL="457200" lvl="0" indent="-342900" algn="l" rtl="0">
               <a:spcBef>
                 <a:spcPts val="0"/>
               </a:spcBef>
@@ -7727,7 +7884,7 @@
             </a:endParaRPr>
           </a:p>
           <a:p>
-            <a:pPr indent="0" lvl="0" marL="0" rtl="0" algn="l">
+            <a:pPr marL="0" lvl="0" indent="0" algn="l" rtl="0">
               <a:spcBef>
                 <a:spcPts val="0"/>
               </a:spcBef>
@@ -7736,9 +7893,6 @@
               </a:spcAft>
               <a:buNone/>
             </a:pPr>
-            <a:r>
-              <a:t/>
-            </a:r>
             <a:endParaRPr sz="1800">
               <a:solidFill>
                 <a:schemeClr val="dk2"/>
@@ -7760,11 +7914,11 @@
 </file>
 
 <file path=ppt/slides/slide2.xml><?xml version="1.0" encoding="utf-8"?>
-<p:sld xmlns:a="http://schemas.openxmlformats.org/drawingml/2006/main" xmlns:r="http://schemas.openxmlformats.org/officeDocument/2006/relationships" xmlns:mc="http://schemas.openxmlformats.org/markup-compatibility/2006" xmlns:mv="urn:schemas-microsoft-com:mac:vml" xmlns:p="http://schemas.openxmlformats.org/presentationml/2006/main" xmlns:c="http://schemas.openxmlformats.org/drawingml/2006/chart" xmlns:dgm="http://schemas.openxmlformats.org/drawingml/2006/diagram" xmlns:o="urn:schemas-microsoft-com:office:office" xmlns:v="urn:schemas-microsoft-com:vml" xmlns:pvml="urn:schemas-microsoft-com:office:powerpoint" xmlns:com="http://schemas.openxmlformats.org/drawingml/2006/compatibility" xmlns:p14="http://schemas.microsoft.com/office/powerpoint/2010/main" xmlns:p15="http://schemas.microsoft.com/office/powerpoint/2012/main" xmlns:ahyp="http://schemas.microsoft.com/office/drawing/2018/hyperlinkcolor">
+<p:sld xmlns:a="http://schemas.openxmlformats.org/drawingml/2006/main" xmlns:r="http://schemas.openxmlformats.org/officeDocument/2006/relationships" xmlns:p="http://schemas.openxmlformats.org/presentationml/2006/main">
   <p:cSld>
     <p:spTree>
       <p:nvGrpSpPr>
-        <p:cNvPr id="80" name="Shape 80"/>
+        <p:cNvPr id="1" name="Shape 80"/>
         <p:cNvGrpSpPr/>
         <p:nvPr/>
       </p:nvGrpSpPr>
@@ -7779,7 +7933,9 @@
       <p:sp>
         <p:nvSpPr>
           <p:cNvPr id="81" name="Google Shape;81;p14"/>
-          <p:cNvSpPr txBox="1"/>
+          <p:cNvSpPr txBox="1">
+            <a:spLocks noGrp="1"/>
+          </p:cNvSpPr>
           <p:nvPr>
             <p:ph type="ctrTitle"/>
           </p:nvPr>
@@ -7794,12 +7950,12 @@
           </a:prstGeom>
         </p:spPr>
         <p:txBody>
-          <a:bodyPr anchorCtr="0" anchor="t" bIns="91425" lIns="91425" spcFirstLastPara="1" rIns="91425" wrap="square" tIns="91425">
+          <a:bodyPr spcFirstLastPara="1" wrap="square" lIns="91425" tIns="91425" rIns="91425" bIns="91425" anchor="t" anchorCtr="0">
             <a:normAutofit fontScale="90000"/>
           </a:bodyPr>
           <a:lstStyle/>
           <a:p>
-            <a:pPr indent="-400050" lvl="0" marL="457200" rtl="0" algn="l">
+            <a:pPr marL="457200" lvl="0" indent="-400050" algn="l" rtl="0">
               <a:spcBef>
                 <a:spcPts val="0"/>
               </a:spcBef>
@@ -7816,7 +7972,7 @@
             <a:endParaRPr sz="3000"/>
           </a:p>
           <a:p>
-            <a:pPr indent="-400050" lvl="0" marL="457200" rtl="0" algn="l">
+            <a:pPr marL="457200" lvl="0" indent="-400050" algn="l" rtl="0">
               <a:spcBef>
                 <a:spcPts val="0"/>
               </a:spcBef>
@@ -7833,7 +7989,7 @@
             <a:endParaRPr sz="3000"/>
           </a:p>
           <a:p>
-            <a:pPr indent="-400050" lvl="0" marL="457200" rtl="0" algn="l">
+            <a:pPr marL="457200" lvl="0" indent="-400050" algn="l" rtl="0">
               <a:spcBef>
                 <a:spcPts val="0"/>
               </a:spcBef>
@@ -7899,12 +8055,12 @@
           </a:ln>
         </p:spPr>
         <p:txBody>
-          <a:bodyPr anchorCtr="0" anchor="t" bIns="91425" lIns="91425" spcFirstLastPara="1" rIns="91425" wrap="square" tIns="91425">
+          <a:bodyPr spcFirstLastPara="1" wrap="square" lIns="91425" tIns="91425" rIns="91425" bIns="91425" anchor="t" anchorCtr="0">
             <a:noAutofit/>
           </a:bodyPr>
           <a:lstStyle/>
           <a:p>
-            <a:pPr indent="0" lvl="0" marL="0" rtl="0" algn="l">
+            <a:pPr marL="0" lvl="0" indent="0" algn="l" rtl="0">
               <a:spcBef>
                 <a:spcPts val="0"/>
               </a:spcBef>
@@ -7957,12 +8113,12 @@
           </a:ln>
         </p:spPr>
         <p:txBody>
-          <a:bodyPr anchorCtr="0" anchor="t" bIns="91425" lIns="91425" spcFirstLastPara="1" rIns="91425" wrap="square" tIns="91425">
+          <a:bodyPr spcFirstLastPara="1" wrap="square" lIns="91425" tIns="91425" rIns="91425" bIns="91425" anchor="t" anchorCtr="0">
             <a:spAutoFit/>
           </a:bodyPr>
           <a:lstStyle/>
           <a:p>
-            <a:pPr indent="0" lvl="0" marL="0" rtl="0" algn="l">
+            <a:pPr marL="0" lvl="0" indent="0" algn="l" rtl="0">
               <a:spcBef>
                 <a:spcPts val="0"/>
               </a:spcBef>
@@ -7971,9 +8127,6 @@
               </a:spcAft>
               <a:buNone/>
             </a:pPr>
-            <a:r>
-              <a:t/>
-            </a:r>
             <a:endParaRPr sz="1800">
               <a:solidFill>
                 <a:schemeClr val="dk2"/>
@@ -8006,12 +8159,12 @@
           </a:ln>
         </p:spPr>
         <p:txBody>
-          <a:bodyPr anchorCtr="0" anchor="t" bIns="91425" lIns="91425" spcFirstLastPara="1" rIns="91425" wrap="square" tIns="91425">
+          <a:bodyPr spcFirstLastPara="1" wrap="square" lIns="91425" tIns="91425" rIns="91425" bIns="91425" anchor="t" anchorCtr="0">
             <a:noAutofit/>
           </a:bodyPr>
           <a:lstStyle/>
           <a:p>
-            <a:pPr indent="0" lvl="0" marL="0" rtl="0" algn="l">
+            <a:pPr marL="0" lvl="0" indent="0" algn="l" rtl="0">
               <a:spcBef>
                 <a:spcPts val="0"/>
               </a:spcBef>
@@ -8057,30 +8210,30 @@
           </a:xfrm>
           <a:prstGeom prst="rightArrow">
             <a:avLst>
-              <a:gd fmla="val 50000" name="adj1"/>
-              <a:gd fmla="val 50000" name="adj2"/>
+              <a:gd name="adj1" fmla="val 50000"/>
+              <a:gd name="adj2" fmla="val 50000"/>
             </a:avLst>
           </a:prstGeom>
           <a:solidFill>
             <a:schemeClr val="lt2"/>
           </a:solidFill>
-          <a:ln cap="flat" cmpd="sng" w="9525">
+          <a:ln w="9525" cap="flat" cmpd="sng">
             <a:solidFill>
               <a:schemeClr val="dk2"/>
             </a:solidFill>
             <a:prstDash val="solid"/>
             <a:round/>
-            <a:headEnd len="sm" w="sm" type="none"/>
-            <a:tailEnd len="sm" w="sm" type="none"/>
+            <a:headEnd type="none" w="sm" len="sm"/>
+            <a:tailEnd type="none" w="sm" len="sm"/>
           </a:ln>
         </p:spPr>
         <p:txBody>
-          <a:bodyPr anchorCtr="0" anchor="ctr" bIns="91425" lIns="91425" spcFirstLastPara="1" rIns="91425" wrap="square" tIns="91425">
+          <a:bodyPr spcFirstLastPara="1" wrap="square" lIns="91425" tIns="91425" rIns="91425" bIns="91425" anchor="ctr" anchorCtr="0">
             <a:noAutofit/>
           </a:bodyPr>
           <a:lstStyle/>
           <a:p>
-            <a:pPr indent="0" lvl="0" marL="0" rtl="0" algn="ctr">
+            <a:pPr marL="0" lvl="0" indent="0" algn="ctr" rtl="0">
               <a:spcBef>
                 <a:spcPts val="0"/>
               </a:spcBef>
@@ -8089,9 +8242,6 @@
               </a:spcAft>
               <a:buNone/>
             </a:pPr>
-            <a:r>
-              <a:t/>
-            </a:r>
             <a:endParaRPr>
               <a:solidFill>
                 <a:schemeClr val="lt1"/>
@@ -8113,11 +8263,11 @@
 </file>
 
 <file path=ppt/slides/slide3.xml><?xml version="1.0" encoding="utf-8"?>
-<p:sld xmlns:a="http://schemas.openxmlformats.org/drawingml/2006/main" xmlns:r="http://schemas.openxmlformats.org/officeDocument/2006/relationships" xmlns:mc="http://schemas.openxmlformats.org/markup-compatibility/2006" xmlns:mv="urn:schemas-microsoft-com:mac:vml" xmlns:p="http://schemas.openxmlformats.org/presentationml/2006/main" xmlns:c="http://schemas.openxmlformats.org/drawingml/2006/chart" xmlns:dgm="http://schemas.openxmlformats.org/drawingml/2006/diagram" xmlns:o="urn:schemas-microsoft-com:office:office" xmlns:v="urn:schemas-microsoft-com:vml" xmlns:pvml="urn:schemas-microsoft-com:office:powerpoint" xmlns:com="http://schemas.openxmlformats.org/drawingml/2006/compatibility" xmlns:p14="http://schemas.microsoft.com/office/powerpoint/2010/main" xmlns:p15="http://schemas.microsoft.com/office/powerpoint/2012/main" xmlns:ahyp="http://schemas.microsoft.com/office/drawing/2018/hyperlinkcolor">
+<p:sld xmlns:a="http://schemas.openxmlformats.org/drawingml/2006/main" xmlns:r="http://schemas.openxmlformats.org/officeDocument/2006/relationships" xmlns:p="http://schemas.openxmlformats.org/presentationml/2006/main">
   <p:cSld>
     <p:spTree>
       <p:nvGrpSpPr>
-        <p:cNvPr id="90" name="Shape 90"/>
+        <p:cNvPr id="1" name="Shape 90"/>
         <p:cNvGrpSpPr/>
         <p:nvPr/>
       </p:nvGrpSpPr>
@@ -8149,12 +8299,12 @@
           </a:ln>
         </p:spPr>
         <p:txBody>
-          <a:bodyPr anchorCtr="0" anchor="t" bIns="91425" lIns="91425" spcFirstLastPara="1" rIns="91425" wrap="square" tIns="91425">
+          <a:bodyPr spcFirstLastPara="1" wrap="square" lIns="91425" tIns="91425" rIns="91425" bIns="91425" anchor="t" anchorCtr="0">
             <a:noAutofit/>
           </a:bodyPr>
           <a:lstStyle/>
           <a:p>
-            <a:pPr indent="-368300" lvl="0" marL="457200" rtl="0" algn="l">
+            <a:pPr marL="457200" lvl="0" indent="-368300" algn="l" rtl="0">
               <a:spcBef>
                 <a:spcPts val="0"/>
               </a:spcBef>
@@ -8201,7 +8351,7 @@
               <a:t>Il messaggio del </a:t>
             </a:r>
             <a:r>
-              <a:rPr b="1" lang="it">
+              <a:rPr lang="it" b="1">
                 <a:solidFill>
                   <a:schemeClr val="dk2"/>
                 </a:solidFill>
@@ -8217,7 +8367,7 @@
               <a:t> viene messo in una </a:t>
             </a:r>
             <a:r>
-              <a:rPr b="1" lang="it">
+              <a:rPr lang="it" b="1">
                 <a:solidFill>
                   <a:schemeClr val="dk2"/>
                 </a:solidFill>
@@ -8239,7 +8389,7 @@
             </a:endParaRPr>
           </a:p>
           <a:p>
-            <a:pPr indent="0" lvl="0" marL="457200" rtl="0" algn="l">
+            <a:pPr marL="457200" lvl="0" indent="0" algn="l" rtl="0">
               <a:spcBef>
                 <a:spcPts val="0"/>
               </a:spcBef>
@@ -8248,9 +8398,6 @@
               </a:spcAft>
               <a:buNone/>
             </a:pPr>
-            <a:r>
-              <a:t/>
-            </a:r>
             <a:endParaRPr>
               <a:solidFill>
                 <a:schemeClr val="dk2"/>
@@ -8258,7 +8405,7 @@
             </a:endParaRPr>
           </a:p>
           <a:p>
-            <a:pPr indent="0" lvl="0" marL="457200" rtl="0" algn="l">
+            <a:pPr marL="457200" lvl="0" indent="0" algn="l" rtl="0">
               <a:spcBef>
                 <a:spcPts val="0"/>
               </a:spcBef>
@@ -8267,9 +8414,6 @@
               </a:spcAft>
               <a:buNone/>
             </a:pPr>
-            <a:r>
-              <a:t/>
-            </a:r>
             <a:endParaRPr>
               <a:solidFill>
                 <a:schemeClr val="dk2"/>
@@ -8277,7 +8421,7 @@
             </a:endParaRPr>
           </a:p>
           <a:p>
-            <a:pPr indent="-368300" lvl="0" marL="457200" rtl="0" algn="l">
+            <a:pPr marL="457200" lvl="0" indent="-368300" algn="l" rtl="0">
               <a:spcBef>
                 <a:spcPts val="0"/>
               </a:spcBef>
@@ -8307,7 +8451,7 @@
               <a:t> (Vengono accodati in ordine di arrivo -&gt;</a:t>
             </a:r>
             <a:r>
-              <a:rPr b="1" lang="it">
+              <a:rPr lang="it" b="1">
                 <a:solidFill>
                   <a:schemeClr val="dk2"/>
                 </a:solidFill>
@@ -8329,7 +8473,7 @@
             </a:endParaRPr>
           </a:p>
           <a:p>
-            <a:pPr indent="0" lvl="0" marL="457200" rtl="0" algn="l">
+            <a:pPr marL="457200" lvl="0" indent="0" algn="l" rtl="0">
               <a:spcBef>
                 <a:spcPts val="0"/>
               </a:spcBef>
@@ -8338,9 +8482,6 @@
               </a:spcAft>
               <a:buNone/>
             </a:pPr>
-            <a:r>
-              <a:t/>
-            </a:r>
             <a:endParaRPr>
               <a:solidFill>
                 <a:schemeClr val="dk2"/>
@@ -8348,7 +8489,7 @@
             </a:endParaRPr>
           </a:p>
           <a:p>
-            <a:pPr indent="0" lvl="0" marL="457200" rtl="0" algn="l">
+            <a:pPr marL="457200" lvl="0" indent="0" algn="l" rtl="0">
               <a:spcBef>
                 <a:spcPts val="0"/>
               </a:spcBef>
@@ -8357,9 +8498,6 @@
               </a:spcAft>
               <a:buNone/>
             </a:pPr>
-            <a:r>
-              <a:t/>
-            </a:r>
             <a:endParaRPr>
               <a:solidFill>
                 <a:schemeClr val="dk2"/>
@@ -8367,7 +8505,7 @@
             </a:endParaRPr>
           </a:p>
           <a:p>
-            <a:pPr indent="-368300" lvl="0" marL="457200" rtl="0" algn="l">
+            <a:pPr marL="457200" lvl="0" indent="-368300" algn="l" rtl="0">
               <a:spcBef>
                 <a:spcPts val="0"/>
               </a:spcBef>
@@ -8405,7 +8543,7 @@
               <a:t>(Il </a:t>
             </a:r>
             <a:r>
-              <a:rPr b="1" lang="it">
+              <a:rPr lang="it" b="1">
                 <a:solidFill>
                   <a:schemeClr val="dk2"/>
                 </a:solidFill>
@@ -8427,7 +8565,7 @@
             </a:endParaRPr>
           </a:p>
           <a:p>
-            <a:pPr indent="0" lvl="0" marL="0" rtl="0" algn="l">
+            <a:pPr marL="0" lvl="0" indent="0" algn="l" rtl="0">
               <a:spcBef>
                 <a:spcPts val="0"/>
               </a:spcBef>
@@ -8436,9 +8574,6 @@
               </a:spcAft>
               <a:buNone/>
             </a:pPr>
-            <a:r>
-              <a:t/>
-            </a:r>
             <a:endParaRPr>
               <a:solidFill>
                 <a:schemeClr val="dk2"/>
@@ -8446,7 +8581,7 @@
             </a:endParaRPr>
           </a:p>
           <a:p>
-            <a:pPr indent="-368300" lvl="0" marL="457200" rtl="0" algn="l">
+            <a:pPr marL="457200" lvl="0" indent="-368300" algn="l" rtl="0">
               <a:spcBef>
                 <a:spcPts val="0"/>
               </a:spcBef>
@@ -8484,7 +8619,7 @@
               <a:t>(il consumatore legge ed </a:t>
             </a:r>
             <a:r>
-              <a:rPr b="1" lang="it">
+              <a:rPr lang="it" b="1">
                 <a:solidFill>
                   <a:schemeClr val="dk2"/>
                 </a:solidFill>
@@ -8506,7 +8641,7 @@
             </a:endParaRPr>
           </a:p>
           <a:p>
-            <a:pPr indent="0" lvl="0" marL="0" rtl="0" algn="l">
+            <a:pPr marL="0" lvl="0" indent="0" algn="l" rtl="0">
               <a:spcBef>
                 <a:spcPts val="0"/>
               </a:spcBef>
@@ -8515,9 +8650,6 @@
               </a:spcAft>
               <a:buNone/>
             </a:pPr>
-            <a:r>
-              <a:t/>
-            </a:r>
             <a:endParaRPr>
               <a:solidFill>
                 <a:schemeClr val="dk2"/>
@@ -8525,7 +8657,7 @@
             </a:endParaRPr>
           </a:p>
           <a:p>
-            <a:pPr indent="-368300" lvl="0" marL="457200" rtl="0" algn="l">
+            <a:pPr marL="457200" lvl="0" indent="-368300" algn="l" rtl="0">
               <a:spcBef>
                 <a:spcPts val="0"/>
               </a:spcBef>
@@ -8563,7 +8695,7 @@
               <a:t>(RabbitMQ distribuisce i messaggi tra i vari consumatori in modo </a:t>
             </a:r>
             <a:r>
-              <a:rPr b="1" lang="it">
+              <a:rPr lang="it" b="1">
                 <a:solidFill>
                   <a:schemeClr val="dk2"/>
                 </a:solidFill>
@@ -8585,7 +8717,7 @@
             </a:endParaRPr>
           </a:p>
           <a:p>
-            <a:pPr indent="0" lvl="0" marL="0" rtl="0" algn="l">
+            <a:pPr marL="0" lvl="0" indent="0" algn="l" rtl="0">
               <a:spcBef>
                 <a:spcPts val="0"/>
               </a:spcBef>
@@ -8594,9 +8726,6 @@
               </a:spcAft>
               <a:buNone/>
             </a:pPr>
-            <a:r>
-              <a:t/>
-            </a:r>
             <a:endParaRPr>
               <a:solidFill>
                 <a:schemeClr val="dk2"/>
@@ -8613,32 +8742,32 @@
   <p:timing>
     <p:tnLst>
       <p:par>
-        <p:cTn dur="indefinite" nodeType="tmRoot" restart="never">
+        <p:cTn id="1" dur="indefinite" restart="never" nodeType="tmRoot">
           <p:childTnLst>
             <p:seq concurrent="1" nextAc="seek">
-              <p:cTn dur="indefinite" id="2" nodeType="mainSeq">
+              <p:cTn id="2" dur="indefinite" nodeType="mainSeq">
                 <p:childTnLst>
                   <p:par>
-                    <p:cTn fill="hold">
+                    <p:cTn id="3" fill="hold">
                       <p:stCondLst>
                         <p:cond delay="indefinite"/>
                       </p:stCondLst>
                       <p:childTnLst>
                         <p:par>
-                          <p:cTn fill="hold">
+                          <p:cTn id="4" fill="hold">
                             <p:stCondLst>
                               <p:cond delay="0"/>
                             </p:stCondLst>
                             <p:childTnLst>
                               <p:par>
-                                <p:cTn fill="hold" nodeType="clickEffect" presetClass="entr" presetID="1" presetSubtype="0">
+                                <p:cTn id="5" presetID="1" presetClass="entr" presetSubtype="0" fill="hold" nodeType="clickEffect">
                                   <p:stCondLst>
                                     <p:cond delay="0"/>
                                   </p:stCondLst>
                                   <p:childTnLst>
                                     <p:set>
                                       <p:cBhvr>
-                                        <p:cTn dur="1" fill="hold">
+                                        <p:cTn id="6" dur="1" fill="hold">
                                           <p:stCondLst>
                                             <p:cond delay="0"/>
                                           </p:stCondLst>
@@ -8666,14 +8795,14 @@
                 </p:childTnLst>
               </p:cTn>
               <p:prevCondLst>
-                <p:cond evt="onPrev">
+                <p:cond evt="onPrev" delay="0">
                   <p:tgtEl>
                     <p:sldTgt/>
                   </p:tgtEl>
                 </p:cond>
               </p:prevCondLst>
               <p:nextCondLst>
-                <p:cond evt="onNext">
+                <p:cond evt="onNext" delay="0">
                   <p:tgtEl>
                     <p:sldTgt/>
                   </p:tgtEl>
@@ -8689,11 +8818,11 @@
 </file>
 
 <file path=ppt/slides/slide4.xml><?xml version="1.0" encoding="utf-8"?>
-<p:sld xmlns:a="http://schemas.openxmlformats.org/drawingml/2006/main" xmlns:r="http://schemas.openxmlformats.org/officeDocument/2006/relationships" xmlns:mc="http://schemas.openxmlformats.org/markup-compatibility/2006" xmlns:mv="urn:schemas-microsoft-com:mac:vml" xmlns:p="http://schemas.openxmlformats.org/presentationml/2006/main" xmlns:c="http://schemas.openxmlformats.org/drawingml/2006/chart" xmlns:dgm="http://schemas.openxmlformats.org/drawingml/2006/diagram" xmlns:o="urn:schemas-microsoft-com:office:office" xmlns:v="urn:schemas-microsoft-com:vml" xmlns:pvml="urn:schemas-microsoft-com:office:powerpoint" xmlns:com="http://schemas.openxmlformats.org/drawingml/2006/compatibility" xmlns:p14="http://schemas.microsoft.com/office/powerpoint/2010/main" xmlns:p15="http://schemas.microsoft.com/office/powerpoint/2012/main" xmlns:ahyp="http://schemas.microsoft.com/office/drawing/2018/hyperlinkcolor">
+<p:sld xmlns:a="http://schemas.openxmlformats.org/drawingml/2006/main" xmlns:r="http://schemas.openxmlformats.org/officeDocument/2006/relationships" xmlns:p="http://schemas.openxmlformats.org/presentationml/2006/main">
   <p:cSld>
     <p:spTree>
       <p:nvGrpSpPr>
-        <p:cNvPr id="95" name="Shape 95"/>
+        <p:cNvPr id="1" name="Shape 95"/>
         <p:cNvGrpSpPr/>
         <p:nvPr/>
       </p:nvGrpSpPr>
@@ -8725,12 +8854,12 @@
           </a:ln>
         </p:spPr>
         <p:txBody>
-          <a:bodyPr anchorCtr="0" anchor="t" bIns="91425" lIns="91425" spcFirstLastPara="1" rIns="91425" wrap="square" tIns="91425">
+          <a:bodyPr spcFirstLastPara="1" wrap="square" lIns="91425" tIns="91425" rIns="91425" bIns="91425" anchor="t" anchorCtr="0">
             <a:noAutofit/>
           </a:bodyPr>
           <a:lstStyle/>
           <a:p>
-            <a:pPr indent="0" lvl="0" marL="0" rtl="0" algn="l">
+            <a:pPr marL="0" lvl="0" indent="0" algn="l" rtl="0">
               <a:spcBef>
                 <a:spcPts val="0"/>
               </a:spcBef>
@@ -8783,12 +8912,12 @@
           </a:ln>
         </p:spPr>
         <p:txBody>
-          <a:bodyPr anchorCtr="0" anchor="t" bIns="91425" lIns="91425" spcFirstLastPara="1" rIns="91425" wrap="square" tIns="91425">
+          <a:bodyPr spcFirstLastPara="1" wrap="square" lIns="91425" tIns="91425" rIns="91425" bIns="91425" anchor="t" anchorCtr="0">
             <a:noAutofit/>
           </a:bodyPr>
           <a:lstStyle/>
           <a:p>
-            <a:pPr indent="0" lvl="0" marL="0" rtl="0" algn="l">
+            <a:pPr marL="0" lvl="0" indent="0" algn="l" rtl="0">
               <a:spcBef>
                 <a:spcPts val="0"/>
               </a:spcBef>
@@ -8823,7 +8952,7 @@
       </p:sp>
       <p:pic>
         <p:nvPicPr>
-          <p:cNvPr descr="a cartoon of a rabbit with a surprised look on its face (Fornito da Tenor)" id="98" name="Google Shape;98;p16"/>
+          <p:cNvPr id="98" name="Google Shape;98;p16" descr="a cartoon of a rabbit with a surprised look on its face (Fornito da Tenor)"/>
           <p:cNvPicPr preferRelativeResize="0"/>
           <p:nvPr/>
         </p:nvPicPr>
@@ -8858,11 +8987,11 @@
 </file>
 
 <file path=ppt/slides/slide5.xml><?xml version="1.0" encoding="utf-8"?>
-<p:sld xmlns:a="http://schemas.openxmlformats.org/drawingml/2006/main" xmlns:r="http://schemas.openxmlformats.org/officeDocument/2006/relationships" xmlns:mc="http://schemas.openxmlformats.org/markup-compatibility/2006" xmlns:mv="urn:schemas-microsoft-com:mac:vml" xmlns:p="http://schemas.openxmlformats.org/presentationml/2006/main" xmlns:c="http://schemas.openxmlformats.org/drawingml/2006/chart" xmlns:dgm="http://schemas.openxmlformats.org/drawingml/2006/diagram" xmlns:o="urn:schemas-microsoft-com:office:office" xmlns:v="urn:schemas-microsoft-com:vml" xmlns:pvml="urn:schemas-microsoft-com:office:powerpoint" xmlns:com="http://schemas.openxmlformats.org/drawingml/2006/compatibility" xmlns:p14="http://schemas.microsoft.com/office/powerpoint/2010/main" xmlns:p15="http://schemas.microsoft.com/office/powerpoint/2012/main" xmlns:ahyp="http://schemas.microsoft.com/office/drawing/2018/hyperlinkcolor">
+<p:sld xmlns:a="http://schemas.openxmlformats.org/drawingml/2006/main" xmlns:r="http://schemas.openxmlformats.org/officeDocument/2006/relationships" xmlns:p="http://schemas.openxmlformats.org/presentationml/2006/main">
   <p:cSld>
     <p:spTree>
       <p:nvGrpSpPr>
-        <p:cNvPr id="102" name="Shape 102"/>
+        <p:cNvPr id="1" name="Shape 102"/>
         <p:cNvGrpSpPr/>
         <p:nvPr/>
       </p:nvGrpSpPr>
@@ -8894,12 +9023,12 @@
           </a:ln>
         </p:spPr>
         <p:txBody>
-          <a:bodyPr anchorCtr="0" anchor="t" bIns="91425" lIns="91425" spcFirstLastPara="1" rIns="91425" wrap="square" tIns="91425">
+          <a:bodyPr spcFirstLastPara="1" wrap="square" lIns="91425" tIns="91425" rIns="91425" bIns="91425" anchor="t" anchorCtr="0">
             <a:noAutofit/>
           </a:bodyPr>
           <a:lstStyle/>
           <a:p>
-            <a:pPr indent="0" lvl="0" marL="0" rtl="0" algn="ctr">
+            <a:pPr marL="0" lvl="0" indent="0" algn="ctr" rtl="0">
               <a:spcBef>
                 <a:spcPts val="0"/>
               </a:spcBef>
@@ -8952,12 +9081,12 @@
           </a:ln>
         </p:spPr>
         <p:txBody>
-          <a:bodyPr anchorCtr="0" anchor="t" bIns="91425" lIns="91425" spcFirstLastPara="1" rIns="91425" wrap="square" tIns="91425">
+          <a:bodyPr spcFirstLastPara="1" wrap="square" lIns="91425" tIns="91425" rIns="91425" bIns="91425" anchor="t" anchorCtr="0">
             <a:noAutofit/>
           </a:bodyPr>
           <a:lstStyle/>
           <a:p>
-            <a:pPr indent="0" lvl="0" marL="0" rtl="0" algn="l">
+            <a:pPr marL="0" lvl="0" indent="0" algn="l" rtl="0">
               <a:spcBef>
                 <a:spcPts val="0"/>
               </a:spcBef>
@@ -8975,7 +9104,7 @@
               <a:t>Un </a:t>
             </a:r>
             <a:r>
-              <a:rPr b="1" lang="it" sz="1800">
+              <a:rPr lang="it" sz="1800" b="1">
                 <a:solidFill>
                   <a:schemeClr val="lt1"/>
                 </a:solidFill>
@@ -8991,7 +9120,7 @@
               <a:t> in RabbitMQ riceve i messaggi dal produttore e li instrada alle code in base a </a:t>
             </a:r>
             <a:r>
-              <a:rPr b="1" lang="it" sz="1800">
+              <a:rPr lang="it" sz="1800" b="1">
                 <a:solidFill>
                   <a:schemeClr val="lt1"/>
                 </a:solidFill>
@@ -9007,7 +9136,7 @@
               <a:t> e </a:t>
             </a:r>
             <a:r>
-              <a:rPr b="1" lang="it" sz="1800">
+              <a:rPr lang="it" sz="1800" b="1">
                 <a:solidFill>
                   <a:schemeClr val="lt1"/>
                 </a:solidFill>
@@ -9054,12 +9183,12 @@
           </a:ln>
         </p:spPr>
         <p:txBody>
-          <a:bodyPr anchorCtr="0" anchor="t" bIns="91425" lIns="91425" spcFirstLastPara="1" rIns="91425" wrap="square" tIns="91425">
+          <a:bodyPr spcFirstLastPara="1" wrap="square" lIns="91425" tIns="91425" rIns="91425" bIns="91425" anchor="t" anchorCtr="0">
             <a:noAutofit/>
           </a:bodyPr>
           <a:lstStyle/>
           <a:p>
-            <a:pPr indent="0" lvl="0" marL="0" rtl="0" algn="ctr">
+            <a:pPr marL="0" lvl="0" indent="0" algn="ctr" rtl="0">
               <a:spcBef>
                 <a:spcPts val="0"/>
               </a:spcBef>
@@ -9091,7 +9220,7 @@
             </a:endParaRPr>
           </a:p>
           <a:p>
-            <a:pPr indent="-342900" lvl="0" marL="457200" rtl="0" algn="l">
+            <a:pPr marL="457200" lvl="0" indent="-342900" algn="l" rtl="0">
               <a:spcBef>
                 <a:spcPts val="0"/>
               </a:spcBef>
@@ -9128,7 +9257,7 @@
             </a:endParaRPr>
           </a:p>
           <a:p>
-            <a:pPr indent="-342900" lvl="0" marL="457200" rtl="0" algn="l">
+            <a:pPr marL="457200" lvl="0" indent="-342900" algn="l" rtl="0">
               <a:spcBef>
                 <a:spcPts val="0"/>
               </a:spcBef>
@@ -9165,7 +9294,7 @@
             </a:endParaRPr>
           </a:p>
           <a:p>
-            <a:pPr indent="-342900" lvl="0" marL="457200" rtl="0" algn="l">
+            <a:pPr marL="457200" lvl="0" indent="-342900" algn="l" rtl="0">
               <a:spcBef>
                 <a:spcPts val="0"/>
               </a:spcBef>
@@ -9205,7 +9334,7 @@
       </p:sp>
       <p:pic>
         <p:nvPicPr>
-          <p:cNvPr descr="a white rabbit with pink ears is asking the question what ? (Fornito da Tenor)" id="106" name="Google Shape;106;p17"/>
+          <p:cNvPr id="106" name="Google Shape;106;p17" descr="a white rabbit with pink ears is asking the question what ? (Fornito da Tenor)"/>
           <p:cNvPicPr preferRelativeResize="0"/>
           <p:nvPr/>
         </p:nvPicPr>
@@ -9240,11 +9369,11 @@
 </file>
 
 <file path=ppt/slides/slide6.xml><?xml version="1.0" encoding="utf-8"?>
-<p:sld xmlns:a="http://schemas.openxmlformats.org/drawingml/2006/main" xmlns:r="http://schemas.openxmlformats.org/officeDocument/2006/relationships" xmlns:mc="http://schemas.openxmlformats.org/markup-compatibility/2006" xmlns:mv="urn:schemas-microsoft-com:mac:vml" xmlns:p="http://schemas.openxmlformats.org/presentationml/2006/main" xmlns:c="http://schemas.openxmlformats.org/drawingml/2006/chart" xmlns:dgm="http://schemas.openxmlformats.org/drawingml/2006/diagram" xmlns:o="urn:schemas-microsoft-com:office:office" xmlns:v="urn:schemas-microsoft-com:vml" xmlns:pvml="urn:schemas-microsoft-com:office:powerpoint" xmlns:com="http://schemas.openxmlformats.org/drawingml/2006/compatibility" xmlns:p14="http://schemas.microsoft.com/office/powerpoint/2010/main" xmlns:p15="http://schemas.microsoft.com/office/powerpoint/2012/main" xmlns:ahyp="http://schemas.microsoft.com/office/drawing/2018/hyperlinkcolor">
+<p:sld xmlns:a="http://schemas.openxmlformats.org/drawingml/2006/main" xmlns:r="http://schemas.openxmlformats.org/officeDocument/2006/relationships" xmlns:p="http://schemas.openxmlformats.org/presentationml/2006/main">
   <p:cSld>
     <p:spTree>
       <p:nvGrpSpPr>
-        <p:cNvPr id="110" name="Shape 110"/>
+        <p:cNvPr id="1" name="Shape 110"/>
         <p:cNvGrpSpPr/>
         <p:nvPr/>
       </p:nvGrpSpPr>
@@ -9259,7 +9388,9 @@
       <p:sp>
         <p:nvSpPr>
           <p:cNvPr id="111" name="Google Shape;111;p18"/>
-          <p:cNvSpPr txBox="1"/>
+          <p:cNvSpPr txBox="1">
+            <a:spLocks noGrp="1"/>
+          </p:cNvSpPr>
           <p:nvPr>
             <p:ph type="title"/>
           </p:nvPr>
@@ -9274,12 +9405,12 @@
           </a:prstGeom>
         </p:spPr>
         <p:txBody>
-          <a:bodyPr anchorCtr="0" anchor="ctr" bIns="91425" lIns="91425" spcFirstLastPara="1" rIns="91425" wrap="square" tIns="91425">
+          <a:bodyPr spcFirstLastPara="1" wrap="square" lIns="91425" tIns="91425" rIns="91425" bIns="91425" anchor="ctr" anchorCtr="0">
             <a:normAutofit/>
           </a:bodyPr>
           <a:lstStyle/>
           <a:p>
-            <a:pPr indent="0" lvl="0" marL="0" rtl="0" algn="ctr">
+            <a:pPr marL="0" lvl="0" indent="0" algn="ctr" rtl="0">
               <a:spcBef>
                 <a:spcPts val="0"/>
               </a:spcBef>
@@ -9345,12 +9476,12 @@
           </a:ln>
         </p:spPr>
         <p:txBody>
-          <a:bodyPr anchorCtr="0" anchor="t" bIns="91425" lIns="91425" spcFirstLastPara="1" rIns="91425" wrap="square" tIns="91425">
+          <a:bodyPr spcFirstLastPara="1" wrap="square" lIns="91425" tIns="91425" rIns="91425" bIns="91425" anchor="t" anchorCtr="0">
             <a:noAutofit/>
           </a:bodyPr>
           <a:lstStyle/>
           <a:p>
-            <a:pPr indent="0" lvl="0" marL="0" rtl="0" algn="ctr">
+            <a:pPr marL="0" lvl="0" indent="0" algn="ctr" rtl="0">
               <a:spcBef>
                 <a:spcPts val="0"/>
               </a:spcBef>
@@ -9392,11 +9523,11 @@
 </file>
 
 <file path=ppt/slides/slide7.xml><?xml version="1.0" encoding="utf-8"?>
-<p:sld xmlns:a="http://schemas.openxmlformats.org/drawingml/2006/main" xmlns:r="http://schemas.openxmlformats.org/officeDocument/2006/relationships" xmlns:mc="http://schemas.openxmlformats.org/markup-compatibility/2006" xmlns:mv="urn:schemas-microsoft-com:mac:vml" xmlns:p="http://schemas.openxmlformats.org/presentationml/2006/main" xmlns:c="http://schemas.openxmlformats.org/drawingml/2006/chart" xmlns:dgm="http://schemas.openxmlformats.org/drawingml/2006/diagram" xmlns:o="urn:schemas-microsoft-com:office:office" xmlns:v="urn:schemas-microsoft-com:vml" xmlns:pvml="urn:schemas-microsoft-com:office:powerpoint" xmlns:com="http://schemas.openxmlformats.org/drawingml/2006/compatibility" xmlns:p14="http://schemas.microsoft.com/office/powerpoint/2010/main" xmlns:p15="http://schemas.microsoft.com/office/powerpoint/2012/main" xmlns:ahyp="http://schemas.microsoft.com/office/drawing/2018/hyperlinkcolor">
+<p:sld xmlns:a="http://schemas.openxmlformats.org/drawingml/2006/main" xmlns:r="http://schemas.openxmlformats.org/officeDocument/2006/relationships" xmlns:p="http://schemas.openxmlformats.org/presentationml/2006/main">
   <p:cSld>
     <p:spTree>
       <p:nvGrpSpPr>
-        <p:cNvPr id="117" name="Shape 117"/>
+        <p:cNvPr id="1" name="Shape 117"/>
         <p:cNvGrpSpPr/>
         <p:nvPr/>
       </p:nvGrpSpPr>
@@ -9411,7 +9542,9 @@
       <p:sp>
         <p:nvSpPr>
           <p:cNvPr id="118" name="Google Shape;118;p19"/>
-          <p:cNvSpPr txBox="1"/>
+          <p:cNvSpPr txBox="1">
+            <a:spLocks noGrp="1"/>
+          </p:cNvSpPr>
           <p:nvPr>
             <p:ph type="title"/>
           </p:nvPr>
@@ -9426,12 +9559,12 @@
           </a:prstGeom>
         </p:spPr>
         <p:txBody>
-          <a:bodyPr anchorCtr="0" anchor="ctr" bIns="91425" lIns="91425" spcFirstLastPara="1" rIns="91425" wrap="square" tIns="91425">
+          <a:bodyPr spcFirstLastPara="1" wrap="square" lIns="91425" tIns="91425" rIns="91425" bIns="91425" anchor="ctr" anchorCtr="0">
             <a:normAutofit/>
           </a:bodyPr>
           <a:lstStyle/>
           <a:p>
-            <a:pPr indent="0" lvl="0" marL="0" rtl="0" algn="ctr">
+            <a:pPr marL="0" lvl="0" indent="0" algn="ctr" rtl="0">
               <a:spcBef>
                 <a:spcPts val="0"/>
               </a:spcBef>
@@ -9450,7 +9583,7 @@
       </p:sp>
       <p:pic>
         <p:nvPicPr>
-          <p:cNvPr descr="a cartoon rabbit is holding a pink flower in a pot surrounded by music notes . (Fornito da Tenor)" id="119" name="Google Shape;119;p19"/>
+          <p:cNvPr id="119" name="Google Shape;119;p19" descr="a cartoon rabbit is holding a pink flower in a pot surrounded by music notes . (Fornito da Tenor)"/>
           <p:cNvPicPr preferRelativeResize="0"/>
           <p:nvPr/>
         </p:nvPicPr>
@@ -9485,7 +9618,7 @@
 </file>
 
 <file path=ppt/theme/theme1.xml><?xml version="1.0" encoding="utf-8"?>
-<a:theme xmlns:a="http://schemas.openxmlformats.org/drawingml/2006/main" xmlns:r="http://schemas.openxmlformats.org/officeDocument/2006/relationships" name="Swiss">
+<a:theme xmlns:a="http://schemas.openxmlformats.org/drawingml/2006/main" name="Swiss">
   <a:themeElements>
     <a:clrScheme name="Swiss">
       <a:dk1>
@@ -9760,11 +9893,13 @@
       </a:bgFillStyleLst>
     </a:fmtScheme>
   </a:themeElements>
+  <a:objectDefaults/>
+  <a:extraClrSchemeLst/>
 </a:theme>
 </file>
 
 <file path=ppt/theme/theme2.xml><?xml version="1.0" encoding="utf-8"?>
-<a:theme xmlns:a="http://schemas.openxmlformats.org/drawingml/2006/main" xmlns:r="http://schemas.openxmlformats.org/officeDocument/2006/relationships">
+<a:theme xmlns:a="http://schemas.openxmlformats.org/drawingml/2006/main">
   <a:themeElements>
     <a:clrScheme name="Default">
       <a:dk1>
@@ -10039,5 +10174,7 @@
       </a:bgFillStyleLst>
     </a:fmtScheme>
   </a:themeElements>
+  <a:objectDefaults/>
+  <a:extraClrSchemeLst/>
 </a:theme>
 </file>